--- a/slides/04.Fig_Tabl/04.Fig_Tabl.pptx
+++ b/slides/04.Fig_Tabl/04.Fig_Tabl.pptx
@@ -9,10 +9,19 @@
     <p:sldId id="257" r:id="rId3"/>
     <p:sldId id="258" r:id="rId4"/>
     <p:sldId id="259" r:id="rId5"/>
-    <p:sldId id="260" r:id="rId6"/>
-    <p:sldId id="261" r:id="rId7"/>
-    <p:sldId id="262" r:id="rId8"/>
-    <p:sldId id="263" r:id="rId9"/>
+    <p:sldId id="262" r:id="rId6"/>
+    <p:sldId id="264" r:id="rId7"/>
+    <p:sldId id="265" r:id="rId8"/>
+    <p:sldId id="267" r:id="rId9"/>
+    <p:sldId id="268" r:id="rId10"/>
+    <p:sldId id="269" r:id="rId11"/>
+    <p:sldId id="270" r:id="rId12"/>
+    <p:sldId id="271" r:id="rId13"/>
+    <p:sldId id="272" r:id="rId14"/>
+    <p:sldId id="273" r:id="rId15"/>
+    <p:sldId id="274" r:id="rId16"/>
+    <p:sldId id="275" r:id="rId17"/>
+    <p:sldId id="276" r:id="rId18"/>
   </p:sldIdLst>
   <p:sldSz cx="12192000" cy="6858000"/>
   <p:notesSz cx="6858000" cy="9144000"/>
@@ -173,7 +182,7 @@
             <a:fld id="{ECD19FB2-3AAB-4D03-B13A-2960828C78E3}" type="datetimeFigureOut">
               <a:rPr lang="en-US" smtClean="0"/>
               <a:pPr/>
-              <a:t>4/9/2021</a:t>
+              <a:t>4/17/2021</a:t>
             </a:fld>
             <a:endParaRPr lang="en-US" dirty="0"/>
           </a:p>
@@ -429,356 +438,6 @@
         </p:txBody>
       </p:sp>
     </p:spTree>
-  </p:cSld>
-  <p:clrMapOvr>
-    <a:masterClrMapping/>
-  </p:clrMapOvr>
-</p:sldLayout>
-</file>
-
-<file path=ppt/slideLayouts/slideLayout10.xml><?xml version="1.0" encoding="utf-8"?>
-<p:sldLayout xmlns:a="http://schemas.openxmlformats.org/drawingml/2006/main" xmlns:r="http://schemas.openxmlformats.org/officeDocument/2006/relationships" xmlns:p="http://schemas.openxmlformats.org/presentationml/2006/main" type="vertTx" preserve="1">
-  <p:cSld name="Title and Vertical Text">
-    <p:spTree>
-      <p:nvGrpSpPr>
-        <p:cNvPr id="1" name=""/>
-        <p:cNvGrpSpPr/>
-        <p:nvPr/>
-      </p:nvGrpSpPr>
-      <p:grpSpPr>
-        <a:xfrm>
-          <a:off x="0" y="0"/>
-          <a:ext cx="0" cy="0"/>
-          <a:chOff x="0" y="0"/>
-          <a:chExt cx="0" cy="0"/>
-        </a:xfrm>
-      </p:grpSpPr>
-      <p:sp>
-        <p:nvSpPr>
-          <p:cNvPr id="2" name="Title 1"/>
-          <p:cNvSpPr>
-            <a:spLocks noGrp="1"/>
-          </p:cNvSpPr>
-          <p:nvPr>
-            <p:ph type="title"/>
-          </p:nvPr>
-        </p:nvSpPr>
-        <p:spPr/>
-        <p:txBody>
-          <a:bodyPr/>
-          <a:lstStyle/>
-          <a:p>
-            <a:r>
-              <a:rPr lang="en-US" smtClean="0"/>
-              <a:t>Click to edit Master title style</a:t>
-            </a:r>
-            <a:endParaRPr lang="en-US"/>
-          </a:p>
-        </p:txBody>
-      </p:sp>
-      <p:sp>
-        <p:nvSpPr>
-          <p:cNvPr id="3" name="Vertical Text Placeholder 2"/>
-          <p:cNvSpPr>
-            <a:spLocks noGrp="1"/>
-          </p:cNvSpPr>
-          <p:nvPr>
-            <p:ph type="body" orient="vert" idx="1"/>
-          </p:nvPr>
-        </p:nvSpPr>
-        <p:spPr/>
-        <p:txBody>
-          <a:bodyPr vert="eaVert"/>
-          <a:lstStyle/>
-          <a:p>
-            <a:pPr lvl="0"/>
-            <a:r>
-              <a:rPr lang="en-US" smtClean="0"/>
-              <a:t>Click to edit Master text styles</a:t>
-            </a:r>
-          </a:p>
-          <a:p>
-            <a:pPr lvl="1"/>
-            <a:r>
-              <a:rPr lang="en-US" smtClean="0"/>
-              <a:t>Second level</a:t>
-            </a:r>
-          </a:p>
-          <a:p>
-            <a:pPr lvl="2"/>
-            <a:r>
-              <a:rPr lang="en-US" smtClean="0"/>
-              <a:t>Third level</a:t>
-            </a:r>
-          </a:p>
-          <a:p>
-            <a:pPr lvl="3"/>
-            <a:r>
-              <a:rPr lang="en-US" smtClean="0"/>
-              <a:t>Fourth level</a:t>
-            </a:r>
-          </a:p>
-          <a:p>
-            <a:pPr lvl="4"/>
-            <a:r>
-              <a:rPr lang="en-US" smtClean="0"/>
-              <a:t>Fifth level</a:t>
-            </a:r>
-            <a:endParaRPr lang="en-US"/>
-          </a:p>
-        </p:txBody>
-      </p:sp>
-      <p:sp>
-        <p:nvSpPr>
-          <p:cNvPr id="4" name="Date Placeholder 3"/>
-          <p:cNvSpPr>
-            <a:spLocks noGrp="1"/>
-          </p:cNvSpPr>
-          <p:nvPr>
-            <p:ph type="dt" sz="half" idx="10"/>
-          </p:nvPr>
-        </p:nvSpPr>
-        <p:spPr/>
-        <p:txBody>
-          <a:bodyPr/>
-          <a:lstStyle/>
-          <a:p>
-            <a:fld id="{241EB5C9-1307-BA42-ABA2-0BC069CD8E7F}" type="datetimeFigureOut">
-              <a:rPr lang="en-US" smtClean="0"/>
-              <a:t>4/5/2019</a:t>
-            </a:fld>
-            <a:endParaRPr lang="en-US"/>
-          </a:p>
-        </p:txBody>
-      </p:sp>
-      <p:sp>
-        <p:nvSpPr>
-          <p:cNvPr id="5" name="Footer Placeholder 4"/>
-          <p:cNvSpPr>
-            <a:spLocks noGrp="1"/>
-          </p:cNvSpPr>
-          <p:nvPr>
-            <p:ph type="ftr" sz="quarter" idx="11"/>
-          </p:nvPr>
-        </p:nvSpPr>
-        <p:spPr/>
-        <p:txBody>
-          <a:bodyPr/>
-          <a:lstStyle/>
-          <a:p>
-            <a:endParaRPr lang="en-US"/>
-          </a:p>
-        </p:txBody>
-      </p:sp>
-      <p:sp>
-        <p:nvSpPr>
-          <p:cNvPr id="6" name="Slide Number Placeholder 5"/>
-          <p:cNvSpPr>
-            <a:spLocks noGrp="1"/>
-          </p:cNvSpPr>
-          <p:nvPr>
-            <p:ph type="sldNum" sz="quarter" idx="12"/>
-          </p:nvPr>
-        </p:nvSpPr>
-        <p:spPr/>
-        <p:txBody>
-          <a:bodyPr/>
-          <a:lstStyle/>
-          <a:p>
-            <a:fld id="{C5EF2332-01BF-834F-8236-50238282D533}" type="slidenum">
-              <a:rPr lang="en-US" smtClean="0"/>
-              <a:t>‹#›</a:t>
-            </a:fld>
-            <a:endParaRPr lang="en-US"/>
-          </a:p>
-        </p:txBody>
-      </p:sp>
-    </p:spTree>
-    <p:extLst>
-      <p:ext uri="{BB962C8B-B14F-4D97-AF65-F5344CB8AC3E}">
-        <p14:creationId xmlns:p14="http://schemas.microsoft.com/office/powerpoint/2010/main" val="313914798"/>
-      </p:ext>
-    </p:extLst>
-  </p:cSld>
-  <p:clrMapOvr>
-    <a:masterClrMapping/>
-  </p:clrMapOvr>
-</p:sldLayout>
-</file>
-
-<file path=ppt/slideLayouts/slideLayout11.xml><?xml version="1.0" encoding="utf-8"?>
-<p:sldLayout xmlns:a="http://schemas.openxmlformats.org/drawingml/2006/main" xmlns:r="http://schemas.openxmlformats.org/officeDocument/2006/relationships" xmlns:p="http://schemas.openxmlformats.org/presentationml/2006/main" type="vertTitleAndTx" preserve="1">
-  <p:cSld name="Vertical Title and Text">
-    <p:spTree>
-      <p:nvGrpSpPr>
-        <p:cNvPr id="1" name=""/>
-        <p:cNvGrpSpPr/>
-        <p:nvPr/>
-      </p:nvGrpSpPr>
-      <p:grpSpPr>
-        <a:xfrm>
-          <a:off x="0" y="0"/>
-          <a:ext cx="0" cy="0"/>
-          <a:chOff x="0" y="0"/>
-          <a:chExt cx="0" cy="0"/>
-        </a:xfrm>
-      </p:grpSpPr>
-      <p:sp>
-        <p:nvSpPr>
-          <p:cNvPr id="2" name="Vertical Title 1"/>
-          <p:cNvSpPr>
-            <a:spLocks noGrp="1"/>
-          </p:cNvSpPr>
-          <p:nvPr>
-            <p:ph type="title" orient="vert"/>
-          </p:nvPr>
-        </p:nvSpPr>
-        <p:spPr>
-          <a:xfrm>
-            <a:off x="6629400" y="274638"/>
-            <a:ext cx="2057400" cy="5851525"/>
-          </a:xfrm>
-        </p:spPr>
-        <p:txBody>
-          <a:bodyPr vert="eaVert"/>
-          <a:lstStyle/>
-          <a:p>
-            <a:r>
-              <a:rPr lang="en-US" smtClean="0"/>
-              <a:t>Click to edit Master title style</a:t>
-            </a:r>
-            <a:endParaRPr lang="en-US"/>
-          </a:p>
-        </p:txBody>
-      </p:sp>
-      <p:sp>
-        <p:nvSpPr>
-          <p:cNvPr id="3" name="Vertical Text Placeholder 2"/>
-          <p:cNvSpPr>
-            <a:spLocks noGrp="1"/>
-          </p:cNvSpPr>
-          <p:nvPr>
-            <p:ph type="body" orient="vert" idx="1"/>
-          </p:nvPr>
-        </p:nvSpPr>
-        <p:spPr>
-          <a:xfrm>
-            <a:off x="457200" y="274638"/>
-            <a:ext cx="6019800" cy="5851525"/>
-          </a:xfrm>
-        </p:spPr>
-        <p:txBody>
-          <a:bodyPr vert="eaVert"/>
-          <a:lstStyle/>
-          <a:p>
-            <a:pPr lvl="0"/>
-            <a:r>
-              <a:rPr lang="en-US" smtClean="0"/>
-              <a:t>Click to edit Master text styles</a:t>
-            </a:r>
-          </a:p>
-          <a:p>
-            <a:pPr lvl="1"/>
-            <a:r>
-              <a:rPr lang="en-US" smtClean="0"/>
-              <a:t>Second level</a:t>
-            </a:r>
-          </a:p>
-          <a:p>
-            <a:pPr lvl="2"/>
-            <a:r>
-              <a:rPr lang="en-US" smtClean="0"/>
-              <a:t>Third level</a:t>
-            </a:r>
-          </a:p>
-          <a:p>
-            <a:pPr lvl="3"/>
-            <a:r>
-              <a:rPr lang="en-US" smtClean="0"/>
-              <a:t>Fourth level</a:t>
-            </a:r>
-          </a:p>
-          <a:p>
-            <a:pPr lvl="4"/>
-            <a:r>
-              <a:rPr lang="en-US" smtClean="0"/>
-              <a:t>Fifth level</a:t>
-            </a:r>
-            <a:endParaRPr lang="en-US"/>
-          </a:p>
-        </p:txBody>
-      </p:sp>
-      <p:sp>
-        <p:nvSpPr>
-          <p:cNvPr id="4" name="Date Placeholder 3"/>
-          <p:cNvSpPr>
-            <a:spLocks noGrp="1"/>
-          </p:cNvSpPr>
-          <p:nvPr>
-            <p:ph type="dt" sz="half" idx="10"/>
-          </p:nvPr>
-        </p:nvSpPr>
-        <p:spPr/>
-        <p:txBody>
-          <a:bodyPr/>
-          <a:lstStyle/>
-          <a:p>
-            <a:fld id="{241EB5C9-1307-BA42-ABA2-0BC069CD8E7F}" type="datetimeFigureOut">
-              <a:rPr lang="en-US" smtClean="0"/>
-              <a:t>4/5/2019</a:t>
-            </a:fld>
-            <a:endParaRPr lang="en-US"/>
-          </a:p>
-        </p:txBody>
-      </p:sp>
-      <p:sp>
-        <p:nvSpPr>
-          <p:cNvPr id="5" name="Footer Placeholder 4"/>
-          <p:cNvSpPr>
-            <a:spLocks noGrp="1"/>
-          </p:cNvSpPr>
-          <p:nvPr>
-            <p:ph type="ftr" sz="quarter" idx="11"/>
-          </p:nvPr>
-        </p:nvSpPr>
-        <p:spPr/>
-        <p:txBody>
-          <a:bodyPr/>
-          <a:lstStyle/>
-          <a:p>
-            <a:endParaRPr lang="en-US"/>
-          </a:p>
-        </p:txBody>
-      </p:sp>
-      <p:sp>
-        <p:nvSpPr>
-          <p:cNvPr id="6" name="Slide Number Placeholder 5"/>
-          <p:cNvSpPr>
-            <a:spLocks noGrp="1"/>
-          </p:cNvSpPr>
-          <p:nvPr>
-            <p:ph type="sldNum" sz="quarter" idx="12"/>
-          </p:nvPr>
-        </p:nvSpPr>
-        <p:spPr/>
-        <p:txBody>
-          <a:bodyPr/>
-          <a:lstStyle/>
-          <a:p>
-            <a:fld id="{C5EF2332-01BF-834F-8236-50238282D533}" type="slidenum">
-              <a:rPr lang="en-US" smtClean="0"/>
-              <a:t>‹#›</a:t>
-            </a:fld>
-            <a:endParaRPr lang="en-US"/>
-          </a:p>
-        </p:txBody>
-      </p:sp>
-    </p:spTree>
-    <p:extLst>
-      <p:ext uri="{BB962C8B-B14F-4D97-AF65-F5344CB8AC3E}">
-        <p14:creationId xmlns:p14="http://schemas.microsoft.com/office/powerpoint/2010/main" val="2581529045"/>
-      </p:ext>
-    </p:extLst>
   </p:cSld>
   <p:clrMapOvr>
     <a:masterClrMapping/>
@@ -867,7 +526,7 @@
             <a:fld id="{99916976-5D93-46E4-A98A-FAD63E4D0EA8}" type="datetimeFigureOut">
               <a:rPr lang="en-US" smtClean="0"/>
               <a:pPr/>
-              <a:t>4/9/2021</a:t>
+              <a:t>4/17/2021</a:t>
             </a:fld>
             <a:endParaRPr lang="en-US" dirty="0"/>
           </a:p>
@@ -1821,7 +1480,7 @@
           <a:p>
             <a:fld id="{D23BC6CE-6D1E-47E5-8859-F31AC5380EB2}" type="datetimeFigureOut">
               <a:rPr lang="en-US" dirty="0"/>
-              <a:t>4/9/2021</a:t>
+              <a:t>4/17/2021</a:t>
             </a:fld>
             <a:endParaRPr lang="en-US" dirty="0"/>
           </a:p>
@@ -2029,1171 +1688,6 @@
 </p:sldLayout>
 </file>
 
-<file path=ppt/slideLayouts/slideLayout5.xml><?xml version="1.0" encoding="utf-8"?>
-<p:sldLayout xmlns:a="http://schemas.openxmlformats.org/drawingml/2006/main" xmlns:r="http://schemas.openxmlformats.org/officeDocument/2006/relationships" xmlns:p="http://schemas.openxmlformats.org/presentationml/2006/main" type="twoTxTwoObj" preserve="1">
-  <p:cSld name="Comparison">
-    <p:spTree>
-      <p:nvGrpSpPr>
-        <p:cNvPr id="1" name=""/>
-        <p:cNvGrpSpPr/>
-        <p:nvPr/>
-      </p:nvGrpSpPr>
-      <p:grpSpPr>
-        <a:xfrm>
-          <a:off x="0" y="0"/>
-          <a:ext cx="0" cy="0"/>
-          <a:chOff x="0" y="0"/>
-          <a:chExt cx="0" cy="0"/>
-        </a:xfrm>
-      </p:grpSpPr>
-      <p:sp>
-        <p:nvSpPr>
-          <p:cNvPr id="2" name="Title 1"/>
-          <p:cNvSpPr>
-            <a:spLocks noGrp="1"/>
-          </p:cNvSpPr>
-          <p:nvPr>
-            <p:ph type="title"/>
-          </p:nvPr>
-        </p:nvSpPr>
-        <p:spPr/>
-        <p:txBody>
-          <a:bodyPr/>
-          <a:lstStyle>
-            <a:lvl1pPr>
-              <a:defRPr/>
-            </a:lvl1pPr>
-          </a:lstStyle>
-          <a:p>
-            <a:r>
-              <a:rPr lang="en-US" smtClean="0"/>
-              <a:t>Click to edit Master title style</a:t>
-            </a:r>
-            <a:endParaRPr lang="en-US"/>
-          </a:p>
-        </p:txBody>
-      </p:sp>
-      <p:sp>
-        <p:nvSpPr>
-          <p:cNvPr id="3" name="Text Placeholder 2"/>
-          <p:cNvSpPr>
-            <a:spLocks noGrp="1"/>
-          </p:cNvSpPr>
-          <p:nvPr>
-            <p:ph type="body" idx="1"/>
-          </p:nvPr>
-        </p:nvSpPr>
-        <p:spPr>
-          <a:xfrm>
-            <a:off x="457200" y="1535113"/>
-            <a:ext cx="4040188" cy="639762"/>
-          </a:xfrm>
-        </p:spPr>
-        <p:txBody>
-          <a:bodyPr anchor="b"/>
-          <a:lstStyle>
-            <a:lvl1pPr marL="0" indent="0">
-              <a:buNone/>
-              <a:defRPr sz="2400" b="1"/>
-            </a:lvl1pPr>
-            <a:lvl2pPr marL="457200" indent="0">
-              <a:buNone/>
-              <a:defRPr sz="2000" b="1"/>
-            </a:lvl2pPr>
-            <a:lvl3pPr marL="914400" indent="0">
-              <a:buNone/>
-              <a:defRPr sz="1800" b="1"/>
-            </a:lvl3pPr>
-            <a:lvl4pPr marL="1371600" indent="0">
-              <a:buNone/>
-              <a:defRPr sz="1600" b="1"/>
-            </a:lvl4pPr>
-            <a:lvl5pPr marL="1828800" indent="0">
-              <a:buNone/>
-              <a:defRPr sz="1600" b="1"/>
-            </a:lvl5pPr>
-            <a:lvl6pPr marL="2286000" indent="0">
-              <a:buNone/>
-              <a:defRPr sz="1600" b="1"/>
-            </a:lvl6pPr>
-            <a:lvl7pPr marL="2743200" indent="0">
-              <a:buNone/>
-              <a:defRPr sz="1600" b="1"/>
-            </a:lvl7pPr>
-            <a:lvl8pPr marL="3200400" indent="0">
-              <a:buNone/>
-              <a:defRPr sz="1600" b="1"/>
-            </a:lvl8pPr>
-            <a:lvl9pPr marL="3657600" indent="0">
-              <a:buNone/>
-              <a:defRPr sz="1600" b="1"/>
-            </a:lvl9pPr>
-          </a:lstStyle>
-          <a:p>
-            <a:pPr lvl="0"/>
-            <a:r>
-              <a:rPr lang="en-US" smtClean="0"/>
-              <a:t>Click to edit Master text styles</a:t>
-            </a:r>
-          </a:p>
-        </p:txBody>
-      </p:sp>
-      <p:sp>
-        <p:nvSpPr>
-          <p:cNvPr id="4" name="Content Placeholder 3"/>
-          <p:cNvSpPr>
-            <a:spLocks noGrp="1"/>
-          </p:cNvSpPr>
-          <p:nvPr>
-            <p:ph sz="half" idx="2"/>
-          </p:nvPr>
-        </p:nvSpPr>
-        <p:spPr>
-          <a:xfrm>
-            <a:off x="457200" y="2174875"/>
-            <a:ext cx="4040188" cy="3951288"/>
-          </a:xfrm>
-        </p:spPr>
-        <p:txBody>
-          <a:bodyPr/>
-          <a:lstStyle>
-            <a:lvl1pPr>
-              <a:defRPr sz="2400"/>
-            </a:lvl1pPr>
-            <a:lvl2pPr>
-              <a:defRPr sz="2000"/>
-            </a:lvl2pPr>
-            <a:lvl3pPr>
-              <a:defRPr sz="1800"/>
-            </a:lvl3pPr>
-            <a:lvl4pPr>
-              <a:defRPr sz="1600"/>
-            </a:lvl4pPr>
-            <a:lvl5pPr>
-              <a:defRPr sz="1600"/>
-            </a:lvl5pPr>
-            <a:lvl6pPr>
-              <a:defRPr sz="1600"/>
-            </a:lvl6pPr>
-            <a:lvl7pPr>
-              <a:defRPr sz="1600"/>
-            </a:lvl7pPr>
-            <a:lvl8pPr>
-              <a:defRPr sz="1600"/>
-            </a:lvl8pPr>
-            <a:lvl9pPr>
-              <a:defRPr sz="1600"/>
-            </a:lvl9pPr>
-          </a:lstStyle>
-          <a:p>
-            <a:pPr lvl="0"/>
-            <a:r>
-              <a:rPr lang="en-US" smtClean="0"/>
-              <a:t>Click to edit Master text styles</a:t>
-            </a:r>
-          </a:p>
-          <a:p>
-            <a:pPr lvl="1"/>
-            <a:r>
-              <a:rPr lang="en-US" smtClean="0"/>
-              <a:t>Second level</a:t>
-            </a:r>
-          </a:p>
-          <a:p>
-            <a:pPr lvl="2"/>
-            <a:r>
-              <a:rPr lang="en-US" smtClean="0"/>
-              <a:t>Third level</a:t>
-            </a:r>
-          </a:p>
-          <a:p>
-            <a:pPr lvl="3"/>
-            <a:r>
-              <a:rPr lang="en-US" smtClean="0"/>
-              <a:t>Fourth level</a:t>
-            </a:r>
-          </a:p>
-          <a:p>
-            <a:pPr lvl="4"/>
-            <a:r>
-              <a:rPr lang="en-US" smtClean="0"/>
-              <a:t>Fifth level</a:t>
-            </a:r>
-            <a:endParaRPr lang="en-US"/>
-          </a:p>
-        </p:txBody>
-      </p:sp>
-      <p:sp>
-        <p:nvSpPr>
-          <p:cNvPr id="5" name="Text Placeholder 4"/>
-          <p:cNvSpPr>
-            <a:spLocks noGrp="1"/>
-          </p:cNvSpPr>
-          <p:nvPr>
-            <p:ph type="body" sz="quarter" idx="3"/>
-          </p:nvPr>
-        </p:nvSpPr>
-        <p:spPr>
-          <a:xfrm>
-            <a:off x="4645025" y="1535113"/>
-            <a:ext cx="4041775" cy="639762"/>
-          </a:xfrm>
-        </p:spPr>
-        <p:txBody>
-          <a:bodyPr anchor="b"/>
-          <a:lstStyle>
-            <a:lvl1pPr marL="0" indent="0">
-              <a:buNone/>
-              <a:defRPr sz="2400" b="1"/>
-            </a:lvl1pPr>
-            <a:lvl2pPr marL="457200" indent="0">
-              <a:buNone/>
-              <a:defRPr sz="2000" b="1"/>
-            </a:lvl2pPr>
-            <a:lvl3pPr marL="914400" indent="0">
-              <a:buNone/>
-              <a:defRPr sz="1800" b="1"/>
-            </a:lvl3pPr>
-            <a:lvl4pPr marL="1371600" indent="0">
-              <a:buNone/>
-              <a:defRPr sz="1600" b="1"/>
-            </a:lvl4pPr>
-            <a:lvl5pPr marL="1828800" indent="0">
-              <a:buNone/>
-              <a:defRPr sz="1600" b="1"/>
-            </a:lvl5pPr>
-            <a:lvl6pPr marL="2286000" indent="0">
-              <a:buNone/>
-              <a:defRPr sz="1600" b="1"/>
-            </a:lvl6pPr>
-            <a:lvl7pPr marL="2743200" indent="0">
-              <a:buNone/>
-              <a:defRPr sz="1600" b="1"/>
-            </a:lvl7pPr>
-            <a:lvl8pPr marL="3200400" indent="0">
-              <a:buNone/>
-              <a:defRPr sz="1600" b="1"/>
-            </a:lvl8pPr>
-            <a:lvl9pPr marL="3657600" indent="0">
-              <a:buNone/>
-              <a:defRPr sz="1600" b="1"/>
-            </a:lvl9pPr>
-          </a:lstStyle>
-          <a:p>
-            <a:pPr lvl="0"/>
-            <a:r>
-              <a:rPr lang="en-US" smtClean="0"/>
-              <a:t>Click to edit Master text styles</a:t>
-            </a:r>
-          </a:p>
-        </p:txBody>
-      </p:sp>
-      <p:sp>
-        <p:nvSpPr>
-          <p:cNvPr id="6" name="Content Placeholder 5"/>
-          <p:cNvSpPr>
-            <a:spLocks noGrp="1"/>
-          </p:cNvSpPr>
-          <p:nvPr>
-            <p:ph sz="quarter" idx="4"/>
-          </p:nvPr>
-        </p:nvSpPr>
-        <p:spPr>
-          <a:xfrm>
-            <a:off x="4645025" y="2174875"/>
-            <a:ext cx="4041775" cy="3951288"/>
-          </a:xfrm>
-        </p:spPr>
-        <p:txBody>
-          <a:bodyPr/>
-          <a:lstStyle>
-            <a:lvl1pPr>
-              <a:defRPr sz="2400"/>
-            </a:lvl1pPr>
-            <a:lvl2pPr>
-              <a:defRPr sz="2000"/>
-            </a:lvl2pPr>
-            <a:lvl3pPr>
-              <a:defRPr sz="1800"/>
-            </a:lvl3pPr>
-            <a:lvl4pPr>
-              <a:defRPr sz="1600"/>
-            </a:lvl4pPr>
-            <a:lvl5pPr>
-              <a:defRPr sz="1600"/>
-            </a:lvl5pPr>
-            <a:lvl6pPr>
-              <a:defRPr sz="1600"/>
-            </a:lvl6pPr>
-            <a:lvl7pPr>
-              <a:defRPr sz="1600"/>
-            </a:lvl7pPr>
-            <a:lvl8pPr>
-              <a:defRPr sz="1600"/>
-            </a:lvl8pPr>
-            <a:lvl9pPr>
-              <a:defRPr sz="1600"/>
-            </a:lvl9pPr>
-          </a:lstStyle>
-          <a:p>
-            <a:pPr lvl="0"/>
-            <a:r>
-              <a:rPr lang="en-US" smtClean="0"/>
-              <a:t>Click to edit Master text styles</a:t>
-            </a:r>
-          </a:p>
-          <a:p>
-            <a:pPr lvl="1"/>
-            <a:r>
-              <a:rPr lang="en-US" smtClean="0"/>
-              <a:t>Second level</a:t>
-            </a:r>
-          </a:p>
-          <a:p>
-            <a:pPr lvl="2"/>
-            <a:r>
-              <a:rPr lang="en-US" smtClean="0"/>
-              <a:t>Third level</a:t>
-            </a:r>
-          </a:p>
-          <a:p>
-            <a:pPr lvl="3"/>
-            <a:r>
-              <a:rPr lang="en-US" smtClean="0"/>
-              <a:t>Fourth level</a:t>
-            </a:r>
-          </a:p>
-          <a:p>
-            <a:pPr lvl="4"/>
-            <a:r>
-              <a:rPr lang="en-US" smtClean="0"/>
-              <a:t>Fifth level</a:t>
-            </a:r>
-            <a:endParaRPr lang="en-US"/>
-          </a:p>
-        </p:txBody>
-      </p:sp>
-      <p:sp>
-        <p:nvSpPr>
-          <p:cNvPr id="7" name="Date Placeholder 6"/>
-          <p:cNvSpPr>
-            <a:spLocks noGrp="1"/>
-          </p:cNvSpPr>
-          <p:nvPr>
-            <p:ph type="dt" sz="half" idx="10"/>
-          </p:nvPr>
-        </p:nvSpPr>
-        <p:spPr/>
-        <p:txBody>
-          <a:bodyPr/>
-          <a:lstStyle/>
-          <a:p>
-            <a:fld id="{241EB5C9-1307-BA42-ABA2-0BC069CD8E7F}" type="datetimeFigureOut">
-              <a:rPr lang="en-US" smtClean="0"/>
-              <a:t>4/5/2019</a:t>
-            </a:fld>
-            <a:endParaRPr lang="en-US"/>
-          </a:p>
-        </p:txBody>
-      </p:sp>
-      <p:sp>
-        <p:nvSpPr>
-          <p:cNvPr id="8" name="Footer Placeholder 7"/>
-          <p:cNvSpPr>
-            <a:spLocks noGrp="1"/>
-          </p:cNvSpPr>
-          <p:nvPr>
-            <p:ph type="ftr" sz="quarter" idx="11"/>
-          </p:nvPr>
-        </p:nvSpPr>
-        <p:spPr/>
-        <p:txBody>
-          <a:bodyPr/>
-          <a:lstStyle/>
-          <a:p>
-            <a:endParaRPr lang="en-US"/>
-          </a:p>
-        </p:txBody>
-      </p:sp>
-      <p:sp>
-        <p:nvSpPr>
-          <p:cNvPr id="9" name="Slide Number Placeholder 8"/>
-          <p:cNvSpPr>
-            <a:spLocks noGrp="1"/>
-          </p:cNvSpPr>
-          <p:nvPr>
-            <p:ph type="sldNum" sz="quarter" idx="12"/>
-          </p:nvPr>
-        </p:nvSpPr>
-        <p:spPr/>
-        <p:txBody>
-          <a:bodyPr/>
-          <a:lstStyle/>
-          <a:p>
-            <a:fld id="{C5EF2332-01BF-834F-8236-50238282D533}" type="slidenum">
-              <a:rPr lang="en-US" smtClean="0"/>
-              <a:t>‹#›</a:t>
-            </a:fld>
-            <a:endParaRPr lang="en-US"/>
-          </a:p>
-        </p:txBody>
-      </p:sp>
-    </p:spTree>
-    <p:extLst>
-      <p:ext uri="{BB962C8B-B14F-4D97-AF65-F5344CB8AC3E}">
-        <p14:creationId xmlns:p14="http://schemas.microsoft.com/office/powerpoint/2010/main" val="2535793967"/>
-      </p:ext>
-    </p:extLst>
-  </p:cSld>
-  <p:clrMapOvr>
-    <a:masterClrMapping/>
-  </p:clrMapOvr>
-</p:sldLayout>
-</file>
-
-<file path=ppt/slideLayouts/slideLayout6.xml><?xml version="1.0" encoding="utf-8"?>
-<p:sldLayout xmlns:a="http://schemas.openxmlformats.org/drawingml/2006/main" xmlns:r="http://schemas.openxmlformats.org/officeDocument/2006/relationships" xmlns:p="http://schemas.openxmlformats.org/presentationml/2006/main" type="titleOnly" preserve="1">
-  <p:cSld name="Title Only">
-    <p:spTree>
-      <p:nvGrpSpPr>
-        <p:cNvPr id="1" name=""/>
-        <p:cNvGrpSpPr/>
-        <p:nvPr/>
-      </p:nvGrpSpPr>
-      <p:grpSpPr>
-        <a:xfrm>
-          <a:off x="0" y="0"/>
-          <a:ext cx="0" cy="0"/>
-          <a:chOff x="0" y="0"/>
-          <a:chExt cx="0" cy="0"/>
-        </a:xfrm>
-      </p:grpSpPr>
-      <p:sp>
-        <p:nvSpPr>
-          <p:cNvPr id="2" name="Title 1"/>
-          <p:cNvSpPr>
-            <a:spLocks noGrp="1"/>
-          </p:cNvSpPr>
-          <p:nvPr>
-            <p:ph type="title"/>
-          </p:nvPr>
-        </p:nvSpPr>
-        <p:spPr/>
-        <p:txBody>
-          <a:bodyPr/>
-          <a:lstStyle/>
-          <a:p>
-            <a:r>
-              <a:rPr lang="en-US" smtClean="0"/>
-              <a:t>Click to edit Master title style</a:t>
-            </a:r>
-            <a:endParaRPr lang="en-US"/>
-          </a:p>
-        </p:txBody>
-      </p:sp>
-      <p:sp>
-        <p:nvSpPr>
-          <p:cNvPr id="3" name="Date Placeholder 2"/>
-          <p:cNvSpPr>
-            <a:spLocks noGrp="1"/>
-          </p:cNvSpPr>
-          <p:nvPr>
-            <p:ph type="dt" sz="half" idx="10"/>
-          </p:nvPr>
-        </p:nvSpPr>
-        <p:spPr/>
-        <p:txBody>
-          <a:bodyPr/>
-          <a:lstStyle/>
-          <a:p>
-            <a:fld id="{241EB5C9-1307-BA42-ABA2-0BC069CD8E7F}" type="datetimeFigureOut">
-              <a:rPr lang="en-US" smtClean="0"/>
-              <a:t>4/5/2019</a:t>
-            </a:fld>
-            <a:endParaRPr lang="en-US"/>
-          </a:p>
-        </p:txBody>
-      </p:sp>
-      <p:sp>
-        <p:nvSpPr>
-          <p:cNvPr id="4" name="Footer Placeholder 3"/>
-          <p:cNvSpPr>
-            <a:spLocks noGrp="1"/>
-          </p:cNvSpPr>
-          <p:nvPr>
-            <p:ph type="ftr" sz="quarter" idx="11"/>
-          </p:nvPr>
-        </p:nvSpPr>
-        <p:spPr/>
-        <p:txBody>
-          <a:bodyPr/>
-          <a:lstStyle/>
-          <a:p>
-            <a:endParaRPr lang="en-US"/>
-          </a:p>
-        </p:txBody>
-      </p:sp>
-      <p:sp>
-        <p:nvSpPr>
-          <p:cNvPr id="5" name="Slide Number Placeholder 4"/>
-          <p:cNvSpPr>
-            <a:spLocks noGrp="1"/>
-          </p:cNvSpPr>
-          <p:nvPr>
-            <p:ph type="sldNum" sz="quarter" idx="12"/>
-          </p:nvPr>
-        </p:nvSpPr>
-        <p:spPr/>
-        <p:txBody>
-          <a:bodyPr/>
-          <a:lstStyle/>
-          <a:p>
-            <a:fld id="{C5EF2332-01BF-834F-8236-50238282D533}" type="slidenum">
-              <a:rPr lang="en-US" smtClean="0"/>
-              <a:t>‹#›</a:t>
-            </a:fld>
-            <a:endParaRPr lang="en-US"/>
-          </a:p>
-        </p:txBody>
-      </p:sp>
-    </p:spTree>
-    <p:extLst>
-      <p:ext uri="{BB962C8B-B14F-4D97-AF65-F5344CB8AC3E}">
-        <p14:creationId xmlns:p14="http://schemas.microsoft.com/office/powerpoint/2010/main" val="3472721253"/>
-      </p:ext>
-    </p:extLst>
-  </p:cSld>
-  <p:clrMapOvr>
-    <a:masterClrMapping/>
-  </p:clrMapOvr>
-</p:sldLayout>
-</file>
-
-<file path=ppt/slideLayouts/slideLayout7.xml><?xml version="1.0" encoding="utf-8"?>
-<p:sldLayout xmlns:a="http://schemas.openxmlformats.org/drawingml/2006/main" xmlns:r="http://schemas.openxmlformats.org/officeDocument/2006/relationships" xmlns:p="http://schemas.openxmlformats.org/presentationml/2006/main" type="blank" preserve="1">
-  <p:cSld name="Blank">
-    <p:spTree>
-      <p:nvGrpSpPr>
-        <p:cNvPr id="1" name=""/>
-        <p:cNvGrpSpPr/>
-        <p:nvPr/>
-      </p:nvGrpSpPr>
-      <p:grpSpPr>
-        <a:xfrm>
-          <a:off x="0" y="0"/>
-          <a:ext cx="0" cy="0"/>
-          <a:chOff x="0" y="0"/>
-          <a:chExt cx="0" cy="0"/>
-        </a:xfrm>
-      </p:grpSpPr>
-      <p:sp>
-        <p:nvSpPr>
-          <p:cNvPr id="2" name="Date Placeholder 1"/>
-          <p:cNvSpPr>
-            <a:spLocks noGrp="1"/>
-          </p:cNvSpPr>
-          <p:nvPr>
-            <p:ph type="dt" sz="half" idx="10"/>
-          </p:nvPr>
-        </p:nvSpPr>
-        <p:spPr/>
-        <p:txBody>
-          <a:bodyPr/>
-          <a:lstStyle/>
-          <a:p>
-            <a:fld id="{241EB5C9-1307-BA42-ABA2-0BC069CD8E7F}" type="datetimeFigureOut">
-              <a:rPr lang="en-US" smtClean="0"/>
-              <a:t>4/5/2019</a:t>
-            </a:fld>
-            <a:endParaRPr lang="en-US"/>
-          </a:p>
-        </p:txBody>
-      </p:sp>
-      <p:sp>
-        <p:nvSpPr>
-          <p:cNvPr id="3" name="Footer Placeholder 2"/>
-          <p:cNvSpPr>
-            <a:spLocks noGrp="1"/>
-          </p:cNvSpPr>
-          <p:nvPr>
-            <p:ph type="ftr" sz="quarter" idx="11"/>
-          </p:nvPr>
-        </p:nvSpPr>
-        <p:spPr/>
-        <p:txBody>
-          <a:bodyPr/>
-          <a:lstStyle/>
-          <a:p>
-            <a:endParaRPr lang="en-US"/>
-          </a:p>
-        </p:txBody>
-      </p:sp>
-      <p:sp>
-        <p:nvSpPr>
-          <p:cNvPr id="4" name="Slide Number Placeholder 3"/>
-          <p:cNvSpPr>
-            <a:spLocks noGrp="1"/>
-          </p:cNvSpPr>
-          <p:nvPr>
-            <p:ph type="sldNum" sz="quarter" idx="12"/>
-          </p:nvPr>
-        </p:nvSpPr>
-        <p:spPr/>
-        <p:txBody>
-          <a:bodyPr/>
-          <a:lstStyle/>
-          <a:p>
-            <a:fld id="{C5EF2332-01BF-834F-8236-50238282D533}" type="slidenum">
-              <a:rPr lang="en-US" smtClean="0"/>
-              <a:t>‹#›</a:t>
-            </a:fld>
-            <a:endParaRPr lang="en-US"/>
-          </a:p>
-        </p:txBody>
-      </p:sp>
-    </p:spTree>
-    <p:extLst>
-      <p:ext uri="{BB962C8B-B14F-4D97-AF65-F5344CB8AC3E}">
-        <p14:creationId xmlns:p14="http://schemas.microsoft.com/office/powerpoint/2010/main" val="2130901097"/>
-      </p:ext>
-    </p:extLst>
-  </p:cSld>
-  <p:clrMapOvr>
-    <a:masterClrMapping/>
-  </p:clrMapOvr>
-</p:sldLayout>
-</file>
-
-<file path=ppt/slideLayouts/slideLayout8.xml><?xml version="1.0" encoding="utf-8"?>
-<p:sldLayout xmlns:a="http://schemas.openxmlformats.org/drawingml/2006/main" xmlns:r="http://schemas.openxmlformats.org/officeDocument/2006/relationships" xmlns:p="http://schemas.openxmlformats.org/presentationml/2006/main" type="objTx" preserve="1">
-  <p:cSld name="Content with Caption">
-    <p:spTree>
-      <p:nvGrpSpPr>
-        <p:cNvPr id="1" name=""/>
-        <p:cNvGrpSpPr/>
-        <p:nvPr/>
-      </p:nvGrpSpPr>
-      <p:grpSpPr>
-        <a:xfrm>
-          <a:off x="0" y="0"/>
-          <a:ext cx="0" cy="0"/>
-          <a:chOff x="0" y="0"/>
-          <a:chExt cx="0" cy="0"/>
-        </a:xfrm>
-      </p:grpSpPr>
-      <p:sp>
-        <p:nvSpPr>
-          <p:cNvPr id="2" name="Title 1"/>
-          <p:cNvSpPr>
-            <a:spLocks noGrp="1"/>
-          </p:cNvSpPr>
-          <p:nvPr>
-            <p:ph type="title"/>
-          </p:nvPr>
-        </p:nvSpPr>
-        <p:spPr>
-          <a:xfrm>
-            <a:off x="457200" y="273050"/>
-            <a:ext cx="3008313" cy="1162050"/>
-          </a:xfrm>
-        </p:spPr>
-        <p:txBody>
-          <a:bodyPr anchor="b"/>
-          <a:lstStyle>
-            <a:lvl1pPr algn="l">
-              <a:defRPr sz="2000" b="1"/>
-            </a:lvl1pPr>
-          </a:lstStyle>
-          <a:p>
-            <a:r>
-              <a:rPr lang="en-US" smtClean="0"/>
-              <a:t>Click to edit Master title style</a:t>
-            </a:r>
-            <a:endParaRPr lang="en-US"/>
-          </a:p>
-        </p:txBody>
-      </p:sp>
-      <p:sp>
-        <p:nvSpPr>
-          <p:cNvPr id="3" name="Content Placeholder 2"/>
-          <p:cNvSpPr>
-            <a:spLocks noGrp="1"/>
-          </p:cNvSpPr>
-          <p:nvPr>
-            <p:ph idx="1"/>
-          </p:nvPr>
-        </p:nvSpPr>
-        <p:spPr>
-          <a:xfrm>
-            <a:off x="3575050" y="273050"/>
-            <a:ext cx="5111750" cy="5853113"/>
-          </a:xfrm>
-        </p:spPr>
-        <p:txBody>
-          <a:bodyPr/>
-          <a:lstStyle>
-            <a:lvl1pPr>
-              <a:defRPr sz="3200"/>
-            </a:lvl1pPr>
-            <a:lvl2pPr>
-              <a:defRPr sz="2800"/>
-            </a:lvl2pPr>
-            <a:lvl3pPr>
-              <a:defRPr sz="2400"/>
-            </a:lvl3pPr>
-            <a:lvl4pPr>
-              <a:defRPr sz="2000"/>
-            </a:lvl4pPr>
-            <a:lvl5pPr>
-              <a:defRPr sz="2000"/>
-            </a:lvl5pPr>
-            <a:lvl6pPr>
-              <a:defRPr sz="2000"/>
-            </a:lvl6pPr>
-            <a:lvl7pPr>
-              <a:defRPr sz="2000"/>
-            </a:lvl7pPr>
-            <a:lvl8pPr>
-              <a:defRPr sz="2000"/>
-            </a:lvl8pPr>
-            <a:lvl9pPr>
-              <a:defRPr sz="2000"/>
-            </a:lvl9pPr>
-          </a:lstStyle>
-          <a:p>
-            <a:pPr lvl="0"/>
-            <a:r>
-              <a:rPr lang="en-US" smtClean="0"/>
-              <a:t>Click to edit Master text styles</a:t>
-            </a:r>
-          </a:p>
-          <a:p>
-            <a:pPr lvl="1"/>
-            <a:r>
-              <a:rPr lang="en-US" smtClean="0"/>
-              <a:t>Second level</a:t>
-            </a:r>
-          </a:p>
-          <a:p>
-            <a:pPr lvl="2"/>
-            <a:r>
-              <a:rPr lang="en-US" smtClean="0"/>
-              <a:t>Third level</a:t>
-            </a:r>
-          </a:p>
-          <a:p>
-            <a:pPr lvl="3"/>
-            <a:r>
-              <a:rPr lang="en-US" smtClean="0"/>
-              <a:t>Fourth level</a:t>
-            </a:r>
-          </a:p>
-          <a:p>
-            <a:pPr lvl="4"/>
-            <a:r>
-              <a:rPr lang="en-US" smtClean="0"/>
-              <a:t>Fifth level</a:t>
-            </a:r>
-            <a:endParaRPr lang="en-US"/>
-          </a:p>
-        </p:txBody>
-      </p:sp>
-      <p:sp>
-        <p:nvSpPr>
-          <p:cNvPr id="4" name="Text Placeholder 3"/>
-          <p:cNvSpPr>
-            <a:spLocks noGrp="1"/>
-          </p:cNvSpPr>
-          <p:nvPr>
-            <p:ph type="body" sz="half" idx="2"/>
-          </p:nvPr>
-        </p:nvSpPr>
-        <p:spPr>
-          <a:xfrm>
-            <a:off x="457200" y="1435100"/>
-            <a:ext cx="3008313" cy="4691063"/>
-          </a:xfrm>
-        </p:spPr>
-        <p:txBody>
-          <a:bodyPr/>
-          <a:lstStyle>
-            <a:lvl1pPr marL="0" indent="0">
-              <a:buNone/>
-              <a:defRPr sz="1400"/>
-            </a:lvl1pPr>
-            <a:lvl2pPr marL="457200" indent="0">
-              <a:buNone/>
-              <a:defRPr sz="1200"/>
-            </a:lvl2pPr>
-            <a:lvl3pPr marL="914400" indent="0">
-              <a:buNone/>
-              <a:defRPr sz="1000"/>
-            </a:lvl3pPr>
-            <a:lvl4pPr marL="1371600" indent="0">
-              <a:buNone/>
-              <a:defRPr sz="900"/>
-            </a:lvl4pPr>
-            <a:lvl5pPr marL="1828800" indent="0">
-              <a:buNone/>
-              <a:defRPr sz="900"/>
-            </a:lvl5pPr>
-            <a:lvl6pPr marL="2286000" indent="0">
-              <a:buNone/>
-              <a:defRPr sz="900"/>
-            </a:lvl6pPr>
-            <a:lvl7pPr marL="2743200" indent="0">
-              <a:buNone/>
-              <a:defRPr sz="900"/>
-            </a:lvl7pPr>
-            <a:lvl8pPr marL="3200400" indent="0">
-              <a:buNone/>
-              <a:defRPr sz="900"/>
-            </a:lvl8pPr>
-            <a:lvl9pPr marL="3657600" indent="0">
-              <a:buNone/>
-              <a:defRPr sz="900"/>
-            </a:lvl9pPr>
-          </a:lstStyle>
-          <a:p>
-            <a:pPr lvl="0"/>
-            <a:r>
-              <a:rPr lang="en-US" smtClean="0"/>
-              <a:t>Click to edit Master text styles</a:t>
-            </a:r>
-          </a:p>
-        </p:txBody>
-      </p:sp>
-      <p:sp>
-        <p:nvSpPr>
-          <p:cNvPr id="5" name="Date Placeholder 4"/>
-          <p:cNvSpPr>
-            <a:spLocks noGrp="1"/>
-          </p:cNvSpPr>
-          <p:nvPr>
-            <p:ph type="dt" sz="half" idx="10"/>
-          </p:nvPr>
-        </p:nvSpPr>
-        <p:spPr/>
-        <p:txBody>
-          <a:bodyPr/>
-          <a:lstStyle/>
-          <a:p>
-            <a:fld id="{241EB5C9-1307-BA42-ABA2-0BC069CD8E7F}" type="datetimeFigureOut">
-              <a:rPr lang="en-US" smtClean="0"/>
-              <a:t>4/5/2019</a:t>
-            </a:fld>
-            <a:endParaRPr lang="en-US"/>
-          </a:p>
-        </p:txBody>
-      </p:sp>
-      <p:sp>
-        <p:nvSpPr>
-          <p:cNvPr id="6" name="Footer Placeholder 5"/>
-          <p:cNvSpPr>
-            <a:spLocks noGrp="1"/>
-          </p:cNvSpPr>
-          <p:nvPr>
-            <p:ph type="ftr" sz="quarter" idx="11"/>
-          </p:nvPr>
-        </p:nvSpPr>
-        <p:spPr/>
-        <p:txBody>
-          <a:bodyPr/>
-          <a:lstStyle/>
-          <a:p>
-            <a:endParaRPr lang="en-US"/>
-          </a:p>
-        </p:txBody>
-      </p:sp>
-      <p:sp>
-        <p:nvSpPr>
-          <p:cNvPr id="7" name="Slide Number Placeholder 6"/>
-          <p:cNvSpPr>
-            <a:spLocks noGrp="1"/>
-          </p:cNvSpPr>
-          <p:nvPr>
-            <p:ph type="sldNum" sz="quarter" idx="12"/>
-          </p:nvPr>
-        </p:nvSpPr>
-        <p:spPr/>
-        <p:txBody>
-          <a:bodyPr/>
-          <a:lstStyle/>
-          <a:p>
-            <a:fld id="{C5EF2332-01BF-834F-8236-50238282D533}" type="slidenum">
-              <a:rPr lang="en-US" smtClean="0"/>
-              <a:t>‹#›</a:t>
-            </a:fld>
-            <a:endParaRPr lang="en-US"/>
-          </a:p>
-        </p:txBody>
-      </p:sp>
-    </p:spTree>
-    <p:extLst>
-      <p:ext uri="{BB962C8B-B14F-4D97-AF65-F5344CB8AC3E}">
-        <p14:creationId xmlns:p14="http://schemas.microsoft.com/office/powerpoint/2010/main" val="3540895647"/>
-      </p:ext>
-    </p:extLst>
-  </p:cSld>
-  <p:clrMapOvr>
-    <a:masterClrMapping/>
-  </p:clrMapOvr>
-</p:sldLayout>
-</file>
-
-<file path=ppt/slideLayouts/slideLayout9.xml><?xml version="1.0" encoding="utf-8"?>
-<p:sldLayout xmlns:a="http://schemas.openxmlformats.org/drawingml/2006/main" xmlns:r="http://schemas.openxmlformats.org/officeDocument/2006/relationships" xmlns:p="http://schemas.openxmlformats.org/presentationml/2006/main" type="picTx" preserve="1">
-  <p:cSld name="Picture with Caption">
-    <p:spTree>
-      <p:nvGrpSpPr>
-        <p:cNvPr id="1" name=""/>
-        <p:cNvGrpSpPr/>
-        <p:nvPr/>
-      </p:nvGrpSpPr>
-      <p:grpSpPr>
-        <a:xfrm>
-          <a:off x="0" y="0"/>
-          <a:ext cx="0" cy="0"/>
-          <a:chOff x="0" y="0"/>
-          <a:chExt cx="0" cy="0"/>
-        </a:xfrm>
-      </p:grpSpPr>
-      <p:sp>
-        <p:nvSpPr>
-          <p:cNvPr id="2" name="Title 1"/>
-          <p:cNvSpPr>
-            <a:spLocks noGrp="1"/>
-          </p:cNvSpPr>
-          <p:nvPr>
-            <p:ph type="title"/>
-          </p:nvPr>
-        </p:nvSpPr>
-        <p:spPr>
-          <a:xfrm>
-            <a:off x="1792288" y="4800600"/>
-            <a:ext cx="5486400" cy="566738"/>
-          </a:xfrm>
-        </p:spPr>
-        <p:txBody>
-          <a:bodyPr anchor="b"/>
-          <a:lstStyle>
-            <a:lvl1pPr algn="l">
-              <a:defRPr sz="2000" b="1"/>
-            </a:lvl1pPr>
-          </a:lstStyle>
-          <a:p>
-            <a:r>
-              <a:rPr lang="en-US" smtClean="0"/>
-              <a:t>Click to edit Master title style</a:t>
-            </a:r>
-            <a:endParaRPr lang="en-US"/>
-          </a:p>
-        </p:txBody>
-      </p:sp>
-      <p:sp>
-        <p:nvSpPr>
-          <p:cNvPr id="3" name="Picture Placeholder 2"/>
-          <p:cNvSpPr>
-            <a:spLocks noGrp="1"/>
-          </p:cNvSpPr>
-          <p:nvPr>
-            <p:ph type="pic" idx="1"/>
-          </p:nvPr>
-        </p:nvSpPr>
-        <p:spPr>
-          <a:xfrm>
-            <a:off x="1792288" y="612775"/>
-            <a:ext cx="5486400" cy="4114800"/>
-          </a:xfrm>
-        </p:spPr>
-        <p:txBody>
-          <a:bodyPr/>
-          <a:lstStyle>
-            <a:lvl1pPr marL="0" indent="0">
-              <a:buNone/>
-              <a:defRPr sz="3200"/>
-            </a:lvl1pPr>
-            <a:lvl2pPr marL="457200" indent="0">
-              <a:buNone/>
-              <a:defRPr sz="2800"/>
-            </a:lvl2pPr>
-            <a:lvl3pPr marL="914400" indent="0">
-              <a:buNone/>
-              <a:defRPr sz="2400"/>
-            </a:lvl3pPr>
-            <a:lvl4pPr marL="1371600" indent="0">
-              <a:buNone/>
-              <a:defRPr sz="2000"/>
-            </a:lvl4pPr>
-            <a:lvl5pPr marL="1828800" indent="0">
-              <a:buNone/>
-              <a:defRPr sz="2000"/>
-            </a:lvl5pPr>
-            <a:lvl6pPr marL="2286000" indent="0">
-              <a:buNone/>
-              <a:defRPr sz="2000"/>
-            </a:lvl6pPr>
-            <a:lvl7pPr marL="2743200" indent="0">
-              <a:buNone/>
-              <a:defRPr sz="2000"/>
-            </a:lvl7pPr>
-            <a:lvl8pPr marL="3200400" indent="0">
-              <a:buNone/>
-              <a:defRPr sz="2000"/>
-            </a:lvl8pPr>
-            <a:lvl9pPr marL="3657600" indent="0">
-              <a:buNone/>
-              <a:defRPr sz="2000"/>
-            </a:lvl9pPr>
-          </a:lstStyle>
-          <a:p>
-            <a:endParaRPr lang="en-US"/>
-          </a:p>
-        </p:txBody>
-      </p:sp>
-      <p:sp>
-        <p:nvSpPr>
-          <p:cNvPr id="4" name="Text Placeholder 3"/>
-          <p:cNvSpPr>
-            <a:spLocks noGrp="1"/>
-          </p:cNvSpPr>
-          <p:nvPr>
-            <p:ph type="body" sz="half" idx="2"/>
-          </p:nvPr>
-        </p:nvSpPr>
-        <p:spPr>
-          <a:xfrm>
-            <a:off x="1792288" y="5367338"/>
-            <a:ext cx="5486400" cy="804862"/>
-          </a:xfrm>
-        </p:spPr>
-        <p:txBody>
-          <a:bodyPr/>
-          <a:lstStyle>
-            <a:lvl1pPr marL="0" indent="0">
-              <a:buNone/>
-              <a:defRPr sz="1400"/>
-            </a:lvl1pPr>
-            <a:lvl2pPr marL="457200" indent="0">
-              <a:buNone/>
-              <a:defRPr sz="1200"/>
-            </a:lvl2pPr>
-            <a:lvl3pPr marL="914400" indent="0">
-              <a:buNone/>
-              <a:defRPr sz="1000"/>
-            </a:lvl3pPr>
-            <a:lvl4pPr marL="1371600" indent="0">
-              <a:buNone/>
-              <a:defRPr sz="900"/>
-            </a:lvl4pPr>
-            <a:lvl5pPr marL="1828800" indent="0">
-              <a:buNone/>
-              <a:defRPr sz="900"/>
-            </a:lvl5pPr>
-            <a:lvl6pPr marL="2286000" indent="0">
-              <a:buNone/>
-              <a:defRPr sz="900"/>
-            </a:lvl6pPr>
-            <a:lvl7pPr marL="2743200" indent="0">
-              <a:buNone/>
-              <a:defRPr sz="900"/>
-            </a:lvl7pPr>
-            <a:lvl8pPr marL="3200400" indent="0">
-              <a:buNone/>
-              <a:defRPr sz="900"/>
-            </a:lvl8pPr>
-            <a:lvl9pPr marL="3657600" indent="0">
-              <a:buNone/>
-              <a:defRPr sz="900"/>
-            </a:lvl9pPr>
-          </a:lstStyle>
-          <a:p>
-            <a:pPr lvl="0"/>
-            <a:r>
-              <a:rPr lang="en-US" smtClean="0"/>
-              <a:t>Click to edit Master text styles</a:t>
-            </a:r>
-          </a:p>
-        </p:txBody>
-      </p:sp>
-      <p:sp>
-        <p:nvSpPr>
-          <p:cNvPr id="5" name="Date Placeholder 4"/>
-          <p:cNvSpPr>
-            <a:spLocks noGrp="1"/>
-          </p:cNvSpPr>
-          <p:nvPr>
-            <p:ph type="dt" sz="half" idx="10"/>
-          </p:nvPr>
-        </p:nvSpPr>
-        <p:spPr/>
-        <p:txBody>
-          <a:bodyPr/>
-          <a:lstStyle/>
-          <a:p>
-            <a:fld id="{241EB5C9-1307-BA42-ABA2-0BC069CD8E7F}" type="datetimeFigureOut">
-              <a:rPr lang="en-US" smtClean="0"/>
-              <a:t>4/5/2019</a:t>
-            </a:fld>
-            <a:endParaRPr lang="en-US"/>
-          </a:p>
-        </p:txBody>
-      </p:sp>
-      <p:sp>
-        <p:nvSpPr>
-          <p:cNvPr id="6" name="Footer Placeholder 5"/>
-          <p:cNvSpPr>
-            <a:spLocks noGrp="1"/>
-          </p:cNvSpPr>
-          <p:nvPr>
-            <p:ph type="ftr" sz="quarter" idx="11"/>
-          </p:nvPr>
-        </p:nvSpPr>
-        <p:spPr/>
-        <p:txBody>
-          <a:bodyPr/>
-          <a:lstStyle/>
-          <a:p>
-            <a:endParaRPr lang="en-US"/>
-          </a:p>
-        </p:txBody>
-      </p:sp>
-      <p:sp>
-        <p:nvSpPr>
-          <p:cNvPr id="7" name="Slide Number Placeholder 6"/>
-          <p:cNvSpPr>
-            <a:spLocks noGrp="1"/>
-          </p:cNvSpPr>
-          <p:nvPr>
-            <p:ph type="sldNum" sz="quarter" idx="12"/>
-          </p:nvPr>
-        </p:nvSpPr>
-        <p:spPr/>
-        <p:txBody>
-          <a:bodyPr/>
-          <a:lstStyle/>
-          <a:p>
-            <a:fld id="{C5EF2332-01BF-834F-8236-50238282D533}" type="slidenum">
-              <a:rPr lang="en-US" smtClean="0"/>
-              <a:t>‹#›</a:t>
-            </a:fld>
-            <a:endParaRPr lang="en-US"/>
-          </a:p>
-        </p:txBody>
-      </p:sp>
-    </p:spTree>
-    <p:extLst>
-      <p:ext uri="{BB962C8B-B14F-4D97-AF65-F5344CB8AC3E}">
-        <p14:creationId xmlns:p14="http://schemas.microsoft.com/office/powerpoint/2010/main" val="3566899855"/>
-      </p:ext>
-    </p:extLst>
-  </p:cSld>
-  <p:clrMapOvr>
-    <a:masterClrMapping/>
-  </p:clrMapOvr>
-</p:sldLayout>
-</file>
-
 <file path=ppt/slideMasters/slideMaster1.xml><?xml version="1.0" encoding="utf-8"?>
 <p:sldMaster xmlns:a="http://schemas.openxmlformats.org/drawingml/2006/main" xmlns:r="http://schemas.openxmlformats.org/officeDocument/2006/relationships" xmlns:p="http://schemas.openxmlformats.org/presentationml/2006/main">
   <p:cSld>
@@ -3365,7 +1859,7 @@
           <a:p>
             <a:fld id="{51CF1133-3259-4C45-BABA-5B62D9C6F78D}" type="datetimeFigureOut">
               <a:rPr lang="en-US" dirty="0"/>
-              <a:t>4/9/2021</a:t>
+              <a:t>4/17/2021</a:t>
             </a:fld>
             <a:endParaRPr lang="en-US" dirty="0"/>
           </a:p>
@@ -3785,11 +2279,10 @@
           <a:bodyPr/>
           <a:lstStyle/>
           <a:p>
-            <a:pPr lvl="0" marL="0" indent="0">
+            <a:pPr marL="0" lvl="0" indent="0">
               <a:buNone/>
             </a:pPr>
             <a:r>
-              <a:rPr/>
               <a:t>04.图片和表格</a:t>
             </a:r>
           </a:p>
@@ -3818,16 +2311,17 @@
           </a:xfrm>
         </p:spPr>
         <p:txBody>
-          <a:bodyPr/>
+          <a:bodyPr>
+            <a:normAutofit fontScale="85000" lnSpcReduction="20000"/>
+          </a:bodyPr>
           <a:lstStyle/>
           <a:p>
-            <a:pPr lvl="0" marL="0" indent="0">
+            <a:pPr marL="0" lvl="0" indent="0">
               <a:buNone/>
             </a:pPr>
             <a:br/>
             <a:br/>
             <a:r>
-              <a:rPr/>
               <a:t>梁昊</a:t>
             </a:r>
           </a:p>
@@ -3853,34 +2347,5844 @@
           <a:bodyPr/>
           <a:lstStyle/>
           <a:p>
-            <a:pPr lvl="0" marL="0" indent="0">
+            <a:pPr marL="0" lvl="0" indent="0">
               <a:buNone/>
             </a:pPr>
             <a:r>
-              <a:rPr/>
-              <a:t>15</a:t>
-            </a:r>
-            <a:r>
-              <a:rPr/>
-              <a:t> </a:t>
-            </a:r>
-            <a:r>
-              <a:rPr/>
-              <a:t>四月,</a:t>
-            </a:r>
-            <a:r>
-              <a:rPr/>
-              <a:t> </a:t>
-            </a:r>
-            <a:r>
-              <a:rPr/>
-              <a:t>2021</a:t>
+              <a:t>17 四月, 2021</a:t>
             </a:r>
           </a:p>
         </p:txBody>
       </p:sp>
     </p:spTree>
   </p:cSld>
+  <p:clrMapOvr>
+    <a:masterClrMapping/>
+  </p:clrMapOvr>
+</p:sld>
+</file>
+
+<file path=ppt/slides/slide10.xml><?xml version="1.0" encoding="utf-8"?>
+<p:sld xmlns:a="http://schemas.openxmlformats.org/drawingml/2006/main" xmlns:r="http://schemas.openxmlformats.org/officeDocument/2006/relationships" xmlns:p="http://schemas.openxmlformats.org/presentationml/2006/main">
+  <p:cSld>
+    <p:spTree>
+      <p:nvGrpSpPr>
+        <p:cNvPr id="1" name=""/>
+        <p:cNvGrpSpPr/>
+        <p:nvPr/>
+      </p:nvGrpSpPr>
+      <p:grpSpPr>
+        <a:xfrm>
+          <a:off x="0" y="0"/>
+          <a:ext cx="0" cy="0"/>
+          <a:chOff x="0" y="0"/>
+          <a:chExt cx="0" cy="0"/>
+        </a:xfrm>
+      </p:grpSpPr>
+      <p:sp>
+        <p:nvSpPr>
+          <p:cNvPr id="11" name="Title 1">
+            <a:extLst>
+              <a:ext uri="{FF2B5EF4-FFF2-40B4-BE49-F238E27FC236}">
+                <a16:creationId xmlns:a16="http://schemas.microsoft.com/office/drawing/2014/main" id="{2391D614-6EEB-4C42-A746-C9FB67E11481}"/>
+              </a:ext>
+            </a:extLst>
+          </p:cNvPr>
+          <p:cNvSpPr>
+            <a:spLocks noGrp="1"/>
+          </p:cNvSpPr>
+          <p:nvPr>
+            <p:ph type="title"/>
+          </p:nvPr>
+        </p:nvSpPr>
+        <p:spPr>
+          <a:xfrm>
+            <a:off x="838198" y="362260"/>
+            <a:ext cx="8486957" cy="637553"/>
+          </a:xfrm>
+        </p:spPr>
+        <p:txBody>
+          <a:bodyPr/>
+          <a:lstStyle/>
+          <a:p>
+            <a:pPr marL="0" lvl="0" indent="0">
+              <a:buNone/>
+            </a:pPr>
+            <a:r>
+              <a:t>常规代码的反人类设计</a:t>
+            </a:r>
+          </a:p>
+        </p:txBody>
+      </p:sp>
+      <p:sp>
+        <p:nvSpPr>
+          <p:cNvPr id="12" name="Content Placeholder 2">
+            <a:extLst>
+              <a:ext uri="{FF2B5EF4-FFF2-40B4-BE49-F238E27FC236}">
+                <a16:creationId xmlns:a16="http://schemas.microsoft.com/office/drawing/2014/main" id="{91E23ACD-CC52-4FE4-A28E-15DDE627EE00}"/>
+              </a:ext>
+            </a:extLst>
+          </p:cNvPr>
+          <p:cNvSpPr>
+            <a:spLocks noGrp="1"/>
+          </p:cNvSpPr>
+          <p:nvPr>
+            <p:ph idx="1"/>
+          </p:nvPr>
+        </p:nvSpPr>
+        <p:spPr/>
+        <p:txBody>
+          <a:bodyPr/>
+          <a:lstStyle/>
+          <a:p>
+            <a:pPr marL="0" lvl="0" indent="0">
+              <a:buNone/>
+            </a:pPr>
+            <a:r>
+              <a:rPr dirty="0" err="1"/>
+              <a:t>常规的代码，是如何书写函数的</a:t>
+            </a:r>
+            <a:r>
+              <a:rPr dirty="0"/>
+              <a:t>？</a:t>
+            </a:r>
+          </a:p>
+          <a:p>
+            <a:pPr lvl="1">
+              <a:buAutoNum type="arabicPeriod"/>
+            </a:pPr>
+            <a:r>
+              <a:rPr dirty="0"/>
+              <a:t>取10000个随机数符合，符合正态分布。</a:t>
+            </a:r>
+          </a:p>
+          <a:p>
+            <a:pPr lvl="1">
+              <a:buAutoNum type="arabicPeriod"/>
+            </a:pPr>
+            <a:r>
+              <a:rPr dirty="0"/>
+              <a:t>求这个10000个数的绝对值，同时乘以50。</a:t>
+            </a:r>
+          </a:p>
+          <a:p>
+            <a:pPr lvl="1">
+              <a:buAutoNum type="arabicPeriod"/>
+            </a:pPr>
+            <a:r>
+              <a:rPr dirty="0"/>
+              <a:t>把结果组成一个100*100列的方阵。</a:t>
+            </a:r>
+          </a:p>
+          <a:p>
+            <a:pPr lvl="1">
+              <a:buAutoNum type="arabicPeriod"/>
+            </a:pPr>
+            <a:r>
+              <a:rPr dirty="0" err="1"/>
+              <a:t>计算方阵中每行的均值，并四舍五入保留到整数</a:t>
+            </a:r>
+            <a:r>
+              <a:rPr dirty="0"/>
+              <a:t>。</a:t>
+            </a:r>
+          </a:p>
+          <a:p>
+            <a:pPr lvl="1">
+              <a:buAutoNum type="arabicPeriod"/>
+            </a:pPr>
+            <a:r>
+              <a:rPr dirty="0"/>
+              <a:t>把结果除以7求余数，并话出余数的直方图。</a:t>
+            </a:r>
+          </a:p>
+          <a:p>
+            <a:pPr marL="0" lvl="0" indent="0">
+              <a:buNone/>
+            </a:pPr>
+            <a:endParaRPr lang="en-US" dirty="0"/>
+          </a:p>
+          <a:p>
+            <a:pPr marL="0" lvl="0" indent="0">
+              <a:buNone/>
+            </a:pPr>
+            <a:r>
+              <a:rPr dirty="0" err="1"/>
+              <a:t>参考：</a:t>
+            </a:r>
+            <a:r>
+              <a:rPr dirty="0" err="1">
+                <a:hlinkClick r:id="rId2"/>
+              </a:rPr>
+              <a:t>http</a:t>
+            </a:r>
+            <a:r>
+              <a:rPr dirty="0">
+                <a:hlinkClick r:id="rId2"/>
+              </a:rPr>
+              <a:t>://blog.fens.me/r-</a:t>
+            </a:r>
+            <a:r>
+              <a:rPr dirty="0" err="1">
+                <a:hlinkClick r:id="rId2"/>
+              </a:rPr>
+              <a:t>magrittr</a:t>
+            </a:r>
+            <a:r>
+              <a:rPr dirty="0">
+                <a:hlinkClick r:id="rId2"/>
+              </a:rPr>
+              <a:t>/</a:t>
+            </a:r>
+          </a:p>
+        </p:txBody>
+      </p:sp>
+    </p:spTree>
+  </p:cSld>
+  <p:clrMapOvr>
+    <a:masterClrMapping/>
+  </p:clrMapOvr>
+</p:sld>
+</file>
+
+<file path=ppt/slides/slide11.xml><?xml version="1.0" encoding="utf-8"?>
+<p:sld xmlns:a="http://schemas.openxmlformats.org/drawingml/2006/main" xmlns:r="http://schemas.openxmlformats.org/officeDocument/2006/relationships" xmlns:p="http://schemas.openxmlformats.org/presentationml/2006/main">
+  <p:cSld>
+    <p:spTree>
+      <p:nvGrpSpPr>
+        <p:cNvPr id="1" name=""/>
+        <p:cNvGrpSpPr/>
+        <p:nvPr/>
+      </p:nvGrpSpPr>
+      <p:grpSpPr>
+        <a:xfrm>
+          <a:off x="0" y="0"/>
+          <a:ext cx="0" cy="0"/>
+          <a:chOff x="0" y="0"/>
+          <a:chExt cx="0" cy="0"/>
+        </a:xfrm>
+      </p:grpSpPr>
+      <p:sp>
+        <p:nvSpPr>
+          <p:cNvPr id="11" name="Title 1">
+            <a:extLst>
+              <a:ext uri="{FF2B5EF4-FFF2-40B4-BE49-F238E27FC236}">
+                <a16:creationId xmlns:a16="http://schemas.microsoft.com/office/drawing/2014/main" id="{2391D614-6EEB-4C42-A746-C9FB67E11481}"/>
+              </a:ext>
+            </a:extLst>
+          </p:cNvPr>
+          <p:cNvSpPr>
+            <a:spLocks noGrp="1"/>
+          </p:cNvSpPr>
+          <p:nvPr>
+            <p:ph type="title"/>
+          </p:nvPr>
+        </p:nvSpPr>
+        <p:spPr>
+          <a:xfrm>
+            <a:off x="838198" y="362260"/>
+            <a:ext cx="8486957" cy="637553"/>
+          </a:xfrm>
+        </p:spPr>
+        <p:txBody>
+          <a:bodyPr/>
+          <a:lstStyle/>
+          <a:p>
+            <a:pPr marL="0" lvl="0" indent="0">
+              <a:buNone/>
+            </a:pPr>
+            <a:r>
+              <a:t>源代码展示</a:t>
+            </a:r>
+          </a:p>
+        </p:txBody>
+      </p:sp>
+      <p:sp>
+        <p:nvSpPr>
+          <p:cNvPr id="12" name="Content Placeholder 2">
+            <a:extLst>
+              <a:ext uri="{FF2B5EF4-FFF2-40B4-BE49-F238E27FC236}">
+                <a16:creationId xmlns:a16="http://schemas.microsoft.com/office/drawing/2014/main" id="{91E23ACD-CC52-4FE4-A28E-15DDE627EE00}"/>
+              </a:ext>
+            </a:extLst>
+          </p:cNvPr>
+          <p:cNvSpPr>
+            <a:spLocks noGrp="1"/>
+          </p:cNvSpPr>
+          <p:nvPr>
+            <p:ph idx="1"/>
+          </p:nvPr>
+        </p:nvSpPr>
+        <p:spPr/>
+        <p:txBody>
+          <a:bodyPr>
+            <a:normAutofit lnSpcReduction="10000"/>
+          </a:bodyPr>
+          <a:lstStyle/>
+          <a:p>
+            <a:pPr lvl="0" indent="0">
+              <a:buNone/>
+            </a:pPr>
+            <a:r>
+              <a:rPr i="1">
+                <a:solidFill>
+                  <a:srgbClr val="60A0B0"/>
+                </a:solidFill>
+                <a:latin typeface="Courier"/>
+              </a:rPr>
+              <a:t>#方案一：创建额外的辅助变量实现</a:t>
+            </a:r>
+            <a:br/>
+            <a:r>
+              <a:rPr>
+                <a:solidFill>
+                  <a:srgbClr val="06287E"/>
+                </a:solidFill>
+                <a:latin typeface="Courier"/>
+              </a:rPr>
+              <a:t>set.seed</a:t>
+            </a:r>
+            <a:r>
+              <a:rPr>
+                <a:latin typeface="Courier"/>
+              </a:rPr>
+              <a:t>(</a:t>
+            </a:r>
+            <a:r>
+              <a:rPr>
+                <a:solidFill>
+                  <a:srgbClr val="40A070"/>
+                </a:solidFill>
+                <a:latin typeface="Courier"/>
+              </a:rPr>
+              <a:t>1</a:t>
+            </a:r>
+            <a:r>
+              <a:rPr>
+                <a:latin typeface="Courier"/>
+              </a:rPr>
+              <a:t>) </a:t>
+            </a:r>
+            <a:r>
+              <a:rPr i="1">
+                <a:solidFill>
+                  <a:srgbClr val="60A0B0"/>
+                </a:solidFill>
+                <a:latin typeface="Courier"/>
+              </a:rPr>
+              <a:t># 设置随机种子</a:t>
+            </a:r>
+            <a:br/>
+            <a:r>
+              <a:rPr>
+                <a:latin typeface="Courier"/>
+              </a:rPr>
+              <a:t>n1</a:t>
+            </a:r>
+            <a:r>
+              <a:rPr>
+                <a:solidFill>
+                  <a:srgbClr val="007020"/>
+                </a:solidFill>
+                <a:latin typeface="Courier"/>
+              </a:rPr>
+              <a:t>&lt;-</a:t>
+            </a:r>
+            <a:r>
+              <a:rPr>
+                <a:solidFill>
+                  <a:srgbClr val="06287E"/>
+                </a:solidFill>
+                <a:latin typeface="Courier"/>
+              </a:rPr>
+              <a:t>rnorm</a:t>
+            </a:r>
+            <a:r>
+              <a:rPr>
+                <a:latin typeface="Courier"/>
+              </a:rPr>
+              <a:t>(</a:t>
+            </a:r>
+            <a:r>
+              <a:rPr>
+                <a:solidFill>
+                  <a:srgbClr val="40A070"/>
+                </a:solidFill>
+                <a:latin typeface="Courier"/>
+              </a:rPr>
+              <a:t>10000</a:t>
+            </a:r>
+            <a:r>
+              <a:rPr>
+                <a:latin typeface="Courier"/>
+              </a:rPr>
+              <a:t>)            </a:t>
+            </a:r>
+            <a:r>
+              <a:rPr i="1">
+                <a:solidFill>
+                  <a:srgbClr val="60A0B0"/>
+                </a:solidFill>
+                <a:latin typeface="Courier"/>
+              </a:rPr>
+              <a:t># 第1步</a:t>
+            </a:r>
+            <a:br/>
+            <a:r>
+              <a:rPr>
+                <a:latin typeface="Courier"/>
+              </a:rPr>
+              <a:t>n2</a:t>
+            </a:r>
+            <a:r>
+              <a:rPr>
+                <a:solidFill>
+                  <a:srgbClr val="007020"/>
+                </a:solidFill>
+                <a:latin typeface="Courier"/>
+              </a:rPr>
+              <a:t>&lt;-</a:t>
+            </a:r>
+            <a:r>
+              <a:rPr>
+                <a:solidFill>
+                  <a:srgbClr val="06287E"/>
+                </a:solidFill>
+                <a:latin typeface="Courier"/>
+              </a:rPr>
+              <a:t>abs</a:t>
+            </a:r>
+            <a:r>
+              <a:rPr>
+                <a:latin typeface="Courier"/>
+              </a:rPr>
+              <a:t>(n1)</a:t>
+            </a:r>
+            <a:r>
+              <a:rPr>
+                <a:solidFill>
+                  <a:srgbClr val="4070A0"/>
+                </a:solidFill>
+                <a:latin typeface="Courier"/>
+              </a:rPr>
+              <a:t>*</a:t>
+            </a:r>
+            <a:r>
+              <a:rPr>
+                <a:solidFill>
+                  <a:srgbClr val="40A070"/>
+                </a:solidFill>
+                <a:latin typeface="Courier"/>
+              </a:rPr>
+              <a:t>50</a:t>
+            </a:r>
+            <a:r>
+              <a:rPr>
+                <a:latin typeface="Courier"/>
+              </a:rPr>
+              <a:t>              </a:t>
+            </a:r>
+            <a:r>
+              <a:rPr i="1">
+                <a:solidFill>
+                  <a:srgbClr val="60A0B0"/>
+                </a:solidFill>
+                <a:latin typeface="Courier"/>
+              </a:rPr>
+              <a:t># 第2步</a:t>
+            </a:r>
+            <a:br/>
+            <a:r>
+              <a:rPr>
+                <a:latin typeface="Courier"/>
+              </a:rPr>
+              <a:t>n3</a:t>
+            </a:r>
+            <a:r>
+              <a:rPr>
+                <a:solidFill>
+                  <a:srgbClr val="007020"/>
+                </a:solidFill>
+                <a:latin typeface="Courier"/>
+              </a:rPr>
+              <a:t>&lt;-</a:t>
+            </a:r>
+            <a:r>
+              <a:rPr>
+                <a:solidFill>
+                  <a:srgbClr val="06287E"/>
+                </a:solidFill>
+                <a:latin typeface="Courier"/>
+              </a:rPr>
+              <a:t>matrix</a:t>
+            </a:r>
+            <a:r>
+              <a:rPr>
+                <a:latin typeface="Courier"/>
+              </a:rPr>
+              <a:t>(n2,</a:t>
+            </a:r>
+            <a:r>
+              <a:rPr>
+                <a:solidFill>
+                  <a:srgbClr val="7D9029"/>
+                </a:solidFill>
+                <a:latin typeface="Courier"/>
+              </a:rPr>
+              <a:t>ncol =</a:t>
+            </a:r>
+            <a:r>
+              <a:rPr>
+                <a:latin typeface="Courier"/>
+              </a:rPr>
+              <a:t> </a:t>
+            </a:r>
+            <a:r>
+              <a:rPr>
+                <a:solidFill>
+                  <a:srgbClr val="40A070"/>
+                </a:solidFill>
+                <a:latin typeface="Courier"/>
+              </a:rPr>
+              <a:t>100</a:t>
+            </a:r>
+            <a:r>
+              <a:rPr>
+                <a:latin typeface="Courier"/>
+              </a:rPr>
+              <a:t>)   </a:t>
+            </a:r>
+            <a:r>
+              <a:rPr i="1">
+                <a:solidFill>
+                  <a:srgbClr val="60A0B0"/>
+                </a:solidFill>
+                <a:latin typeface="Courier"/>
+              </a:rPr>
+              <a:t># 第3步</a:t>
+            </a:r>
+            <a:br/>
+            <a:r>
+              <a:rPr>
+                <a:latin typeface="Courier"/>
+              </a:rPr>
+              <a:t>n4</a:t>
+            </a:r>
+            <a:r>
+              <a:rPr>
+                <a:solidFill>
+                  <a:srgbClr val="007020"/>
+                </a:solidFill>
+                <a:latin typeface="Courier"/>
+              </a:rPr>
+              <a:t>&lt;-</a:t>
+            </a:r>
+            <a:r>
+              <a:rPr>
+                <a:solidFill>
+                  <a:srgbClr val="06287E"/>
+                </a:solidFill>
+                <a:latin typeface="Courier"/>
+              </a:rPr>
+              <a:t>round</a:t>
+            </a:r>
+            <a:r>
+              <a:rPr>
+                <a:latin typeface="Courier"/>
+              </a:rPr>
+              <a:t>(</a:t>
+            </a:r>
+            <a:r>
+              <a:rPr>
+                <a:solidFill>
+                  <a:srgbClr val="06287E"/>
+                </a:solidFill>
+                <a:latin typeface="Courier"/>
+              </a:rPr>
+              <a:t>rowMeans</a:t>
+            </a:r>
+            <a:r>
+              <a:rPr>
+                <a:latin typeface="Courier"/>
+              </a:rPr>
+              <a:t>(n3))     </a:t>
+            </a:r>
+            <a:r>
+              <a:rPr i="1">
+                <a:solidFill>
+                  <a:srgbClr val="60A0B0"/>
+                </a:solidFill>
+                <a:latin typeface="Courier"/>
+              </a:rPr>
+              <a:t># 第4步</a:t>
+            </a:r>
+            <a:br/>
+            <a:r>
+              <a:rPr>
+                <a:solidFill>
+                  <a:srgbClr val="06287E"/>
+                </a:solidFill>
+                <a:latin typeface="Courier"/>
+              </a:rPr>
+              <a:t>hist</a:t>
+            </a:r>
+            <a:r>
+              <a:rPr>
+                <a:latin typeface="Courier"/>
+              </a:rPr>
+              <a:t>(n4</a:t>
+            </a:r>
+            <a:r>
+              <a:rPr>
+                <a:solidFill>
+                  <a:srgbClr val="4070A0"/>
+                </a:solidFill>
+                <a:latin typeface="Courier"/>
+              </a:rPr>
+              <a:t>%%</a:t>
+            </a:r>
+            <a:r>
+              <a:rPr>
+                <a:solidFill>
+                  <a:srgbClr val="40A070"/>
+                </a:solidFill>
+                <a:latin typeface="Courier"/>
+              </a:rPr>
+              <a:t>7</a:t>
+            </a:r>
+            <a:r>
+              <a:rPr>
+                <a:latin typeface="Courier"/>
+              </a:rPr>
+              <a:t>)                 </a:t>
+            </a:r>
+            <a:r>
+              <a:rPr i="1">
+                <a:solidFill>
+                  <a:srgbClr val="60A0B0"/>
+                </a:solidFill>
+                <a:latin typeface="Courier"/>
+              </a:rPr>
+              <a:t># 第5步</a:t>
+            </a:r>
+            <a:br/>
+            <a:br/>
+            <a:r>
+              <a:rPr i="1">
+                <a:solidFill>
+                  <a:srgbClr val="60A0B0"/>
+                </a:solidFill>
+                <a:latin typeface="Courier"/>
+              </a:rPr>
+              <a:t>#方案二：用()反复嵌套</a:t>
+            </a:r>
+            <a:br/>
+            <a:r>
+              <a:rPr>
+                <a:solidFill>
+                  <a:srgbClr val="06287E"/>
+                </a:solidFill>
+                <a:latin typeface="Courier"/>
+              </a:rPr>
+              <a:t>set.seed</a:t>
+            </a:r>
+            <a:r>
+              <a:rPr>
+                <a:latin typeface="Courier"/>
+              </a:rPr>
+              <a:t>(</a:t>
+            </a:r>
+            <a:r>
+              <a:rPr>
+                <a:solidFill>
+                  <a:srgbClr val="40A070"/>
+                </a:solidFill>
+                <a:latin typeface="Courier"/>
+              </a:rPr>
+              <a:t>1</a:t>
+            </a:r>
+            <a:r>
+              <a:rPr>
+                <a:latin typeface="Courier"/>
+              </a:rPr>
+              <a:t>)</a:t>
+            </a:r>
+            <a:br/>
+            <a:r>
+              <a:rPr>
+                <a:solidFill>
+                  <a:srgbClr val="06287E"/>
+                </a:solidFill>
+                <a:latin typeface="Courier"/>
+              </a:rPr>
+              <a:t>hist</a:t>
+            </a:r>
+            <a:r>
+              <a:rPr>
+                <a:latin typeface="Courier"/>
+              </a:rPr>
+              <a:t>(</a:t>
+            </a:r>
+            <a:r>
+              <a:rPr>
+                <a:solidFill>
+                  <a:srgbClr val="06287E"/>
+                </a:solidFill>
+                <a:latin typeface="Courier"/>
+              </a:rPr>
+              <a:t>round</a:t>
+            </a:r>
+            <a:r>
+              <a:rPr>
+                <a:latin typeface="Courier"/>
+              </a:rPr>
+              <a:t>(</a:t>
+            </a:r>
+            <a:r>
+              <a:rPr>
+                <a:solidFill>
+                  <a:srgbClr val="06287E"/>
+                </a:solidFill>
+                <a:latin typeface="Courier"/>
+              </a:rPr>
+              <a:t>rowMeans</a:t>
+            </a:r>
+            <a:r>
+              <a:rPr>
+                <a:latin typeface="Courier"/>
+              </a:rPr>
+              <a:t>(</a:t>
+            </a:r>
+            <a:r>
+              <a:rPr>
+                <a:solidFill>
+                  <a:srgbClr val="06287E"/>
+                </a:solidFill>
+                <a:latin typeface="Courier"/>
+              </a:rPr>
+              <a:t>matrix</a:t>
+            </a:r>
+            <a:r>
+              <a:rPr>
+                <a:latin typeface="Courier"/>
+              </a:rPr>
+              <a:t>(</a:t>
+            </a:r>
+            <a:r>
+              <a:rPr>
+                <a:solidFill>
+                  <a:srgbClr val="06287E"/>
+                </a:solidFill>
+                <a:latin typeface="Courier"/>
+              </a:rPr>
+              <a:t>abs</a:t>
+            </a:r>
+            <a:r>
+              <a:rPr>
+                <a:latin typeface="Courier"/>
+              </a:rPr>
+              <a:t>(</a:t>
+            </a:r>
+            <a:r>
+              <a:rPr>
+                <a:solidFill>
+                  <a:srgbClr val="06287E"/>
+                </a:solidFill>
+                <a:latin typeface="Courier"/>
+              </a:rPr>
+              <a:t>rnorm</a:t>
+            </a:r>
+            <a:r>
+              <a:rPr>
+                <a:latin typeface="Courier"/>
+              </a:rPr>
+              <a:t>(</a:t>
+            </a:r>
+            <a:r>
+              <a:rPr>
+                <a:solidFill>
+                  <a:srgbClr val="40A070"/>
+                </a:solidFill>
+                <a:latin typeface="Courier"/>
+              </a:rPr>
+              <a:t>10000</a:t>
+            </a:r>
+            <a:r>
+              <a:rPr>
+                <a:latin typeface="Courier"/>
+              </a:rPr>
+              <a:t>))</a:t>
+            </a:r>
+            <a:r>
+              <a:rPr>
+                <a:solidFill>
+                  <a:srgbClr val="4070A0"/>
+                </a:solidFill>
+                <a:latin typeface="Courier"/>
+              </a:rPr>
+              <a:t>*</a:t>
+            </a:r>
+            <a:r>
+              <a:rPr>
+                <a:solidFill>
+                  <a:srgbClr val="40A070"/>
+                </a:solidFill>
+                <a:latin typeface="Courier"/>
+              </a:rPr>
+              <a:t>50</a:t>
+            </a:r>
+            <a:r>
+              <a:rPr>
+                <a:latin typeface="Courier"/>
+              </a:rPr>
+              <a:t>,</a:t>
+            </a:r>
+            <a:r>
+              <a:rPr>
+                <a:solidFill>
+                  <a:srgbClr val="7D9029"/>
+                </a:solidFill>
+                <a:latin typeface="Courier"/>
+              </a:rPr>
+              <a:t>ncol=</a:t>
+            </a:r>
+            <a:r>
+              <a:rPr>
+                <a:solidFill>
+                  <a:srgbClr val="40A070"/>
+                </a:solidFill>
+                <a:latin typeface="Courier"/>
+              </a:rPr>
+              <a:t>100</a:t>
+            </a:r>
+            <a:r>
+              <a:rPr>
+                <a:latin typeface="Courier"/>
+              </a:rPr>
+              <a:t>)))</a:t>
+            </a:r>
+            <a:r>
+              <a:rPr>
+                <a:solidFill>
+                  <a:srgbClr val="4070A0"/>
+                </a:solidFill>
+                <a:latin typeface="Courier"/>
+              </a:rPr>
+              <a:t>%%</a:t>
+            </a:r>
+            <a:r>
+              <a:rPr>
+                <a:solidFill>
+                  <a:srgbClr val="40A070"/>
+                </a:solidFill>
+                <a:latin typeface="Courier"/>
+              </a:rPr>
+              <a:t>7</a:t>
+            </a:r>
+            <a:r>
+              <a:rPr>
+                <a:latin typeface="Courier"/>
+              </a:rPr>
+              <a:t>)</a:t>
+            </a:r>
+          </a:p>
+        </p:txBody>
+      </p:sp>
+    </p:spTree>
+  </p:cSld>
+  <p:clrMapOvr>
+    <a:masterClrMapping/>
+  </p:clrMapOvr>
+</p:sld>
+</file>
+
+<file path=ppt/slides/slide12.xml><?xml version="1.0" encoding="utf-8"?>
+<p:sld xmlns:a="http://schemas.openxmlformats.org/drawingml/2006/main" xmlns:r="http://schemas.openxmlformats.org/officeDocument/2006/relationships" xmlns:p="http://schemas.openxmlformats.org/presentationml/2006/main">
+  <p:cSld>
+    <p:spTree>
+      <p:nvGrpSpPr>
+        <p:cNvPr id="1" name=""/>
+        <p:cNvGrpSpPr/>
+        <p:nvPr/>
+      </p:nvGrpSpPr>
+      <p:grpSpPr>
+        <a:xfrm>
+          <a:off x="0" y="0"/>
+          <a:ext cx="0" cy="0"/>
+          <a:chOff x="0" y="0"/>
+          <a:chExt cx="0" cy="0"/>
+        </a:xfrm>
+      </p:grpSpPr>
+      <p:sp>
+        <p:nvSpPr>
+          <p:cNvPr id="11" name="Title 1">
+            <a:extLst>
+              <a:ext uri="{FF2B5EF4-FFF2-40B4-BE49-F238E27FC236}">
+                <a16:creationId xmlns:a16="http://schemas.microsoft.com/office/drawing/2014/main" id="{2391D614-6EEB-4C42-A746-C9FB67E11481}"/>
+              </a:ext>
+            </a:extLst>
+          </p:cNvPr>
+          <p:cNvSpPr>
+            <a:spLocks noGrp="1"/>
+          </p:cNvSpPr>
+          <p:nvPr>
+            <p:ph type="title"/>
+          </p:nvPr>
+        </p:nvSpPr>
+        <p:spPr>
+          <a:xfrm>
+            <a:off x="838198" y="362260"/>
+            <a:ext cx="8486957" cy="637553"/>
+          </a:xfrm>
+        </p:spPr>
+        <p:txBody>
+          <a:bodyPr/>
+          <a:lstStyle/>
+          <a:p>
+            <a:pPr marL="0" lvl="0" indent="0">
+              <a:buNone/>
+            </a:pPr>
+            <a:r>
+              <a:t>magrittr %&gt;%</a:t>
+            </a:r>
+          </a:p>
+        </p:txBody>
+      </p:sp>
+      <p:sp>
+        <p:nvSpPr>
+          <p:cNvPr id="12" name="Content Placeholder 2">
+            <a:extLst>
+              <a:ext uri="{FF2B5EF4-FFF2-40B4-BE49-F238E27FC236}">
+                <a16:creationId xmlns:a16="http://schemas.microsoft.com/office/drawing/2014/main" id="{91E23ACD-CC52-4FE4-A28E-15DDE627EE00}"/>
+              </a:ext>
+            </a:extLst>
+          </p:cNvPr>
+          <p:cNvSpPr>
+            <a:spLocks noGrp="1"/>
+          </p:cNvSpPr>
+          <p:nvPr>
+            <p:ph idx="1"/>
+          </p:nvPr>
+        </p:nvSpPr>
+        <p:spPr/>
+        <p:txBody>
+          <a:bodyPr/>
+          <a:lstStyle/>
+          <a:p>
+            <a:pPr marL="0" lvl="0" indent="0">
+              <a:buNone/>
+            </a:pPr>
+            <a:r>
+              <a:rPr dirty="0" err="1"/>
+              <a:t>管道操作（pipe）是R特有的函数表达方式</a:t>
+            </a:r>
+            <a:endParaRPr dirty="0"/>
+          </a:p>
+          <a:p>
+            <a:pPr marL="0" lvl="0" indent="0">
+              <a:buNone/>
+            </a:pPr>
+            <a:r>
+              <a:rPr dirty="0" err="1"/>
+              <a:t>管道操作</a:t>
+            </a:r>
+            <a:r>
+              <a:rPr dirty="0"/>
+              <a:t> %&gt;% </a:t>
+            </a:r>
+            <a:r>
+              <a:rPr dirty="0" err="1"/>
+              <a:t>依赖magrittr，快捷键“Ctrl+Shift+M</a:t>
+            </a:r>
+            <a:r>
+              <a:rPr dirty="0"/>
+              <a:t>”</a:t>
+            </a:r>
+          </a:p>
+          <a:p>
+            <a:pPr marL="0" lvl="0" indent="0">
+              <a:buNone/>
+            </a:pPr>
+            <a:r>
+              <a:rPr dirty="0" err="1"/>
+              <a:t>让代码更易读，避免中间变量和反复嵌套，如</a:t>
+            </a:r>
+            <a:endParaRPr dirty="0"/>
+          </a:p>
+          <a:p>
+            <a:pPr lvl="0" indent="0">
+              <a:buNone/>
+            </a:pPr>
+            <a:r>
+              <a:rPr sz="2400" dirty="0">
+                <a:latin typeface="Courier"/>
+              </a:rPr>
+              <a:t> </a:t>
+            </a:r>
+            <a:r>
+              <a:rPr sz="2400" dirty="0" err="1">
+                <a:solidFill>
+                  <a:srgbClr val="06287E"/>
+                </a:solidFill>
+                <a:latin typeface="Courier"/>
+              </a:rPr>
+              <a:t>rnorm</a:t>
+            </a:r>
+            <a:r>
+              <a:rPr sz="2400" dirty="0">
+                <a:latin typeface="Courier"/>
+              </a:rPr>
+              <a:t>(</a:t>
+            </a:r>
+            <a:r>
+              <a:rPr sz="2400" dirty="0">
+                <a:solidFill>
+                  <a:srgbClr val="40A070"/>
+                </a:solidFill>
+                <a:latin typeface="Courier"/>
+              </a:rPr>
+              <a:t>10000</a:t>
+            </a:r>
+            <a:r>
+              <a:rPr sz="2400" dirty="0">
+                <a:latin typeface="Courier"/>
+              </a:rPr>
+              <a:t>) </a:t>
+            </a:r>
+            <a:r>
+              <a:rPr sz="2400" dirty="0">
+                <a:solidFill>
+                  <a:srgbClr val="4070A0"/>
+                </a:solidFill>
+                <a:latin typeface="Courier"/>
+              </a:rPr>
+              <a:t>%&gt;%</a:t>
+            </a:r>
+            <a:br>
+              <a:rPr sz="2400" dirty="0"/>
+            </a:br>
+            <a:r>
+              <a:rPr sz="2400" dirty="0">
+                <a:latin typeface="Courier"/>
+              </a:rPr>
+              <a:t>   abs </a:t>
+            </a:r>
+            <a:r>
+              <a:rPr sz="2400" dirty="0">
+                <a:solidFill>
+                  <a:srgbClr val="4070A0"/>
+                </a:solidFill>
+                <a:latin typeface="Courier"/>
+              </a:rPr>
+              <a:t>%&gt;%</a:t>
+            </a:r>
+            <a:r>
+              <a:rPr sz="2400" dirty="0">
+                <a:latin typeface="Courier"/>
+              </a:rPr>
+              <a:t> </a:t>
+            </a:r>
+            <a:r>
+              <a:rPr sz="2400" dirty="0">
+                <a:solidFill>
+                  <a:srgbClr val="4070A0"/>
+                </a:solidFill>
+                <a:latin typeface="Courier"/>
+              </a:rPr>
+              <a:t>`</a:t>
+            </a:r>
+            <a:r>
+              <a:rPr sz="2400" dirty="0">
+                <a:solidFill>
+                  <a:srgbClr val="7D9029"/>
+                </a:solidFill>
+                <a:latin typeface="Courier"/>
+              </a:rPr>
+              <a:t>*</a:t>
+            </a:r>
+            <a:r>
+              <a:rPr sz="2400" dirty="0">
+                <a:solidFill>
+                  <a:srgbClr val="4070A0"/>
+                </a:solidFill>
+                <a:latin typeface="Courier"/>
+              </a:rPr>
+              <a:t>`</a:t>
+            </a:r>
+            <a:r>
+              <a:rPr sz="2400" dirty="0">
+                <a:latin typeface="Courier"/>
+              </a:rPr>
+              <a:t> (</a:t>
+            </a:r>
+            <a:r>
+              <a:rPr sz="2400" dirty="0">
+                <a:solidFill>
+                  <a:srgbClr val="40A070"/>
+                </a:solidFill>
+                <a:latin typeface="Courier"/>
+              </a:rPr>
+              <a:t>50</a:t>
+            </a:r>
+            <a:r>
+              <a:rPr sz="2400" dirty="0">
+                <a:latin typeface="Courier"/>
+              </a:rPr>
+              <a:t>)  </a:t>
+            </a:r>
+            <a:r>
+              <a:rPr sz="2400" dirty="0">
+                <a:solidFill>
+                  <a:srgbClr val="4070A0"/>
+                </a:solidFill>
+                <a:latin typeface="Courier"/>
+              </a:rPr>
+              <a:t>%&gt;%</a:t>
+            </a:r>
+            <a:br>
+              <a:rPr sz="2400" dirty="0"/>
+            </a:br>
+            <a:r>
+              <a:rPr sz="2400" dirty="0">
+                <a:latin typeface="Courier"/>
+              </a:rPr>
+              <a:t>   </a:t>
+            </a:r>
+            <a:r>
+              <a:rPr sz="2400" dirty="0">
+                <a:solidFill>
+                  <a:srgbClr val="06287E"/>
+                </a:solidFill>
+                <a:latin typeface="Courier"/>
+              </a:rPr>
+              <a:t>matrix</a:t>
+            </a:r>
+            <a:r>
+              <a:rPr sz="2400" dirty="0">
+                <a:latin typeface="Courier"/>
+              </a:rPr>
+              <a:t>(</a:t>
+            </a:r>
+            <a:r>
+              <a:rPr sz="2400" dirty="0" err="1">
+                <a:solidFill>
+                  <a:srgbClr val="7D9029"/>
+                </a:solidFill>
+                <a:latin typeface="Courier"/>
+              </a:rPr>
+              <a:t>ncol</a:t>
+            </a:r>
+            <a:r>
+              <a:rPr sz="2400" dirty="0">
+                <a:solidFill>
+                  <a:srgbClr val="7D9029"/>
+                </a:solidFill>
+                <a:latin typeface="Courier"/>
+              </a:rPr>
+              <a:t>=</a:t>
+            </a:r>
+            <a:r>
+              <a:rPr sz="2400" dirty="0">
+                <a:solidFill>
+                  <a:srgbClr val="40A070"/>
+                </a:solidFill>
+                <a:latin typeface="Courier"/>
+              </a:rPr>
+              <a:t>100</a:t>
+            </a:r>
+            <a:r>
+              <a:rPr sz="2400" dirty="0">
+                <a:latin typeface="Courier"/>
+              </a:rPr>
+              <a:t>)  </a:t>
+            </a:r>
+            <a:r>
+              <a:rPr sz="2400" dirty="0">
+                <a:solidFill>
+                  <a:srgbClr val="4070A0"/>
+                </a:solidFill>
+                <a:latin typeface="Courier"/>
+              </a:rPr>
+              <a:t>%&gt;%</a:t>
+            </a:r>
+            <a:br>
+              <a:rPr sz="2400" dirty="0"/>
+            </a:br>
+            <a:r>
+              <a:rPr sz="2400" dirty="0">
+                <a:latin typeface="Courier"/>
+              </a:rPr>
+              <a:t>   </a:t>
+            </a:r>
+            <a:r>
+              <a:rPr sz="2400" dirty="0" err="1">
+                <a:latin typeface="Courier"/>
+              </a:rPr>
+              <a:t>rowMeans</a:t>
+            </a:r>
+            <a:r>
+              <a:rPr sz="2400" dirty="0">
+                <a:latin typeface="Courier"/>
+              </a:rPr>
+              <a:t> </a:t>
+            </a:r>
+            <a:r>
+              <a:rPr sz="2400" dirty="0">
+                <a:solidFill>
+                  <a:srgbClr val="4070A0"/>
+                </a:solidFill>
+                <a:latin typeface="Courier"/>
+              </a:rPr>
+              <a:t>%&gt;%</a:t>
+            </a:r>
+            <a:r>
+              <a:rPr sz="2400" dirty="0">
+                <a:latin typeface="Courier"/>
+              </a:rPr>
+              <a:t> round </a:t>
+            </a:r>
+            <a:r>
+              <a:rPr sz="2400" dirty="0">
+                <a:solidFill>
+                  <a:srgbClr val="4070A0"/>
+                </a:solidFill>
+                <a:latin typeface="Courier"/>
+              </a:rPr>
+              <a:t>%&gt;%</a:t>
+            </a:r>
+            <a:r>
+              <a:rPr sz="2400" dirty="0">
+                <a:latin typeface="Courier"/>
+              </a:rPr>
+              <a:t> </a:t>
+            </a:r>
+            <a:br>
+              <a:rPr sz="2400" dirty="0"/>
+            </a:br>
+            <a:r>
+              <a:rPr sz="2400" dirty="0">
+                <a:latin typeface="Courier"/>
+              </a:rPr>
+              <a:t>   </a:t>
+            </a:r>
+            <a:r>
+              <a:rPr sz="2400" dirty="0">
+                <a:solidFill>
+                  <a:srgbClr val="4070A0"/>
+                </a:solidFill>
+                <a:latin typeface="Courier"/>
+              </a:rPr>
+              <a:t>`</a:t>
+            </a:r>
+            <a:r>
+              <a:rPr sz="2400" dirty="0">
+                <a:solidFill>
+                  <a:srgbClr val="7D9029"/>
+                </a:solidFill>
+                <a:latin typeface="Courier"/>
+              </a:rPr>
+              <a:t>%%</a:t>
+            </a:r>
+            <a:r>
+              <a:rPr sz="2400" dirty="0">
+                <a:solidFill>
+                  <a:srgbClr val="4070A0"/>
+                </a:solidFill>
+                <a:latin typeface="Courier"/>
+              </a:rPr>
+              <a:t>`</a:t>
+            </a:r>
+            <a:r>
+              <a:rPr sz="2400" dirty="0">
+                <a:latin typeface="Courier"/>
+              </a:rPr>
+              <a:t>(</a:t>
+            </a:r>
+            <a:r>
+              <a:rPr sz="2400" dirty="0">
+                <a:solidFill>
+                  <a:srgbClr val="40A070"/>
+                </a:solidFill>
+                <a:latin typeface="Courier"/>
+              </a:rPr>
+              <a:t>7</a:t>
+            </a:r>
+            <a:r>
+              <a:rPr sz="2400" dirty="0">
+                <a:latin typeface="Courier"/>
+              </a:rPr>
+              <a:t>) </a:t>
+            </a:r>
+            <a:r>
+              <a:rPr sz="2400" dirty="0">
+                <a:solidFill>
+                  <a:srgbClr val="4070A0"/>
+                </a:solidFill>
+                <a:latin typeface="Courier"/>
+              </a:rPr>
+              <a:t>%&gt;%</a:t>
+            </a:r>
+            <a:r>
+              <a:rPr sz="2400" dirty="0">
+                <a:latin typeface="Courier"/>
+              </a:rPr>
+              <a:t> hist</a:t>
+            </a:r>
+          </a:p>
+        </p:txBody>
+      </p:sp>
+    </p:spTree>
+  </p:cSld>
+  <p:clrMapOvr>
+    <a:masterClrMapping/>
+  </p:clrMapOvr>
+</p:sld>
+</file>
+
+<file path=ppt/slides/slide13.xml><?xml version="1.0" encoding="utf-8"?>
+<p:sld xmlns:a="http://schemas.openxmlformats.org/drawingml/2006/main" xmlns:r="http://schemas.openxmlformats.org/officeDocument/2006/relationships" xmlns:p="http://schemas.openxmlformats.org/presentationml/2006/main">
+  <p:cSld>
+    <p:spTree>
+      <p:nvGrpSpPr>
+        <p:cNvPr id="1" name=""/>
+        <p:cNvGrpSpPr/>
+        <p:nvPr/>
+      </p:nvGrpSpPr>
+      <p:grpSpPr>
+        <a:xfrm>
+          <a:off x="0" y="0"/>
+          <a:ext cx="0" cy="0"/>
+          <a:chOff x="0" y="0"/>
+          <a:chExt cx="0" cy="0"/>
+        </a:xfrm>
+      </p:grpSpPr>
+      <p:sp>
+        <p:nvSpPr>
+          <p:cNvPr id="7" name="Title 1"/>
+          <p:cNvSpPr>
+            <a:spLocks noGrp="1"/>
+          </p:cNvSpPr>
+          <p:nvPr>
+            <p:ph type="ctrTitle"/>
+          </p:nvPr>
+        </p:nvSpPr>
+        <p:spPr>
+          <a:xfrm>
+            <a:off x="1783577" y="4036880"/>
+            <a:ext cx="8463639" cy="862715"/>
+          </a:xfrm>
+        </p:spPr>
+        <p:txBody>
+          <a:bodyPr/>
+          <a:lstStyle/>
+          <a:p>
+            <a:pPr marL="0" lvl="0" indent="0">
+              <a:buNone/>
+            </a:pPr>
+            <a:r>
+              <a:t>Table One</a:t>
+            </a:r>
+          </a:p>
+        </p:txBody>
+      </p:sp>
+    </p:spTree>
+  </p:cSld>
+  <p:clrMapOvr>
+    <a:masterClrMapping/>
+  </p:clrMapOvr>
+</p:sld>
+</file>
+
+<file path=ppt/slides/slide14.xml><?xml version="1.0" encoding="utf-8"?>
+<p:sld xmlns:a="http://schemas.openxmlformats.org/drawingml/2006/main" xmlns:r="http://schemas.openxmlformats.org/officeDocument/2006/relationships" xmlns:p="http://schemas.openxmlformats.org/presentationml/2006/main">
+  <p:cSld>
+    <p:spTree>
+      <p:nvGrpSpPr>
+        <p:cNvPr id="1" name=""/>
+        <p:cNvGrpSpPr/>
+        <p:nvPr/>
+      </p:nvGrpSpPr>
+      <p:grpSpPr>
+        <a:xfrm>
+          <a:off x="0" y="0"/>
+          <a:ext cx="0" cy="0"/>
+          <a:chOff x="0" y="0"/>
+          <a:chExt cx="0" cy="0"/>
+        </a:xfrm>
+      </p:grpSpPr>
+      <p:sp>
+        <p:nvSpPr>
+          <p:cNvPr id="11" name="Title 1">
+            <a:extLst>
+              <a:ext uri="{FF2B5EF4-FFF2-40B4-BE49-F238E27FC236}">
+                <a16:creationId xmlns:a16="http://schemas.microsoft.com/office/drawing/2014/main" id="{2391D614-6EEB-4C42-A746-C9FB67E11481}"/>
+              </a:ext>
+            </a:extLst>
+          </p:cNvPr>
+          <p:cNvSpPr>
+            <a:spLocks noGrp="1"/>
+          </p:cNvSpPr>
+          <p:nvPr>
+            <p:ph type="title"/>
+          </p:nvPr>
+        </p:nvSpPr>
+        <p:spPr>
+          <a:xfrm>
+            <a:off x="838198" y="362260"/>
+            <a:ext cx="8486957" cy="637553"/>
+          </a:xfrm>
+        </p:spPr>
+        <p:txBody>
+          <a:bodyPr/>
+          <a:lstStyle/>
+          <a:p>
+            <a:pPr marL="0" lvl="0" indent="0">
+              <a:buNone/>
+            </a:pPr>
+            <a:r>
+              <a:t>自动化Table 1</a:t>
+            </a:r>
+          </a:p>
+        </p:txBody>
+      </p:sp>
+      <p:sp>
+        <p:nvSpPr>
+          <p:cNvPr id="12" name="Content Placeholder 2">
+            <a:extLst>
+              <a:ext uri="{FF2B5EF4-FFF2-40B4-BE49-F238E27FC236}">
+                <a16:creationId xmlns:a16="http://schemas.microsoft.com/office/drawing/2014/main" id="{91E23ACD-CC52-4FE4-A28E-15DDE627EE00}"/>
+              </a:ext>
+            </a:extLst>
+          </p:cNvPr>
+          <p:cNvSpPr>
+            <a:spLocks noGrp="1"/>
+          </p:cNvSpPr>
+          <p:nvPr>
+            <p:ph idx="1"/>
+          </p:nvPr>
+        </p:nvSpPr>
+        <p:spPr/>
+        <p:txBody>
+          <a:bodyPr/>
+          <a:lstStyle/>
+          <a:p>
+            <a:pPr marL="0" lvl="0" indent="0">
+              <a:buNone/>
+            </a:pPr>
+            <a:r>
+              <a:rPr dirty="0"/>
+              <a:t>Table 1 </a:t>
+            </a:r>
+            <a:r>
+              <a:rPr dirty="0" err="1"/>
+              <a:t>是医学领域最常见的表格</a:t>
+            </a:r>
+            <a:endParaRPr dirty="0"/>
+          </a:p>
+          <a:p>
+            <a:pPr marL="0" lvl="0" indent="0">
+              <a:buNone/>
+            </a:pPr>
+            <a:r>
+              <a:rPr dirty="0" err="1"/>
+              <a:t>其他领域，Descriptive</a:t>
+            </a:r>
+            <a:r>
+              <a:rPr dirty="0"/>
+              <a:t> </a:t>
+            </a:r>
+            <a:r>
+              <a:rPr dirty="0" err="1"/>
+              <a:t>Statistics和回归结果也颇为常见</a:t>
+            </a:r>
+            <a:endParaRPr dirty="0"/>
+          </a:p>
+          <a:p>
+            <a:pPr marL="0" lvl="0" indent="0">
+              <a:buNone/>
+            </a:pPr>
+            <a:r>
+              <a:rPr dirty="0" err="1"/>
+              <a:t>gtsummary是Table</a:t>
+            </a:r>
+            <a:r>
+              <a:rPr dirty="0"/>
+              <a:t> 1 </a:t>
+            </a:r>
+            <a:r>
+              <a:rPr dirty="0" err="1"/>
+              <a:t>的首选</a:t>
+            </a:r>
+            <a:endParaRPr dirty="0"/>
+          </a:p>
+          <a:p>
+            <a:pPr marL="0" lvl="0" indent="0">
+              <a:buNone/>
+            </a:pPr>
+            <a:r>
+              <a:rPr dirty="0" err="1"/>
+              <a:t>gtsummary支持kableExtra和flextable，flextable支持度最好</a:t>
+            </a:r>
+            <a:endParaRPr dirty="0"/>
+          </a:p>
+          <a:p>
+            <a:pPr lvl="0" indent="0">
+              <a:buNone/>
+            </a:pPr>
+            <a:endParaRPr lang="en-US" i="1" dirty="0">
+              <a:solidFill>
+                <a:srgbClr val="60A0B0"/>
+              </a:solidFill>
+              <a:latin typeface="Courier"/>
+            </a:endParaRPr>
+          </a:p>
+          <a:p>
+            <a:pPr lvl="0" indent="0">
+              <a:buNone/>
+            </a:pPr>
+            <a:r>
+              <a:rPr sz="2400" i="1" dirty="0">
+                <a:solidFill>
+                  <a:srgbClr val="60A0B0"/>
+                </a:solidFill>
+                <a:latin typeface="Courier"/>
+              </a:rPr>
+              <a:t># </a:t>
+            </a:r>
+            <a:r>
+              <a:rPr sz="2400" i="1" dirty="0" err="1">
+                <a:solidFill>
+                  <a:srgbClr val="60A0B0"/>
+                </a:solidFill>
+                <a:latin typeface="Courier"/>
+              </a:rPr>
+              <a:t>加载必要的包</a:t>
+            </a:r>
+            <a:br>
+              <a:rPr sz="2400" dirty="0"/>
+            </a:br>
+            <a:r>
+              <a:rPr sz="2400" dirty="0" err="1">
+                <a:latin typeface="Courier"/>
+              </a:rPr>
+              <a:t>pacman</a:t>
+            </a:r>
+            <a:r>
+              <a:rPr sz="2400" dirty="0">
+                <a:solidFill>
+                  <a:srgbClr val="4070A0"/>
+                </a:solidFill>
+                <a:latin typeface="Courier"/>
+              </a:rPr>
+              <a:t>::</a:t>
+            </a:r>
+            <a:r>
+              <a:rPr sz="2400" dirty="0" err="1">
+                <a:solidFill>
+                  <a:srgbClr val="06287E"/>
+                </a:solidFill>
+                <a:latin typeface="Courier"/>
+              </a:rPr>
+              <a:t>p_load</a:t>
+            </a:r>
+            <a:r>
+              <a:rPr sz="2400" dirty="0">
+                <a:latin typeface="Courier"/>
+              </a:rPr>
+              <a:t>(</a:t>
+            </a:r>
+            <a:r>
+              <a:rPr sz="2400" dirty="0" err="1">
+                <a:latin typeface="Courier"/>
+              </a:rPr>
+              <a:t>gtsummary</a:t>
+            </a:r>
+            <a:r>
+              <a:rPr sz="2400" dirty="0">
+                <a:latin typeface="Courier"/>
+              </a:rPr>
+              <a:t>, </a:t>
+            </a:r>
+            <a:r>
+              <a:rPr sz="2400" dirty="0" err="1">
+                <a:latin typeface="Courier"/>
+              </a:rPr>
+              <a:t>kableExtra</a:t>
+            </a:r>
+            <a:r>
+              <a:rPr sz="2400" dirty="0">
+                <a:latin typeface="Courier"/>
+              </a:rPr>
+              <a:t>, </a:t>
+            </a:r>
+            <a:r>
+              <a:rPr sz="2400" dirty="0" err="1">
+                <a:latin typeface="Courier"/>
+              </a:rPr>
+              <a:t>flextable</a:t>
+            </a:r>
+            <a:r>
+              <a:rPr sz="2400" dirty="0">
+                <a:latin typeface="Courier"/>
+              </a:rPr>
+              <a:t>, </a:t>
+            </a:r>
+            <a:r>
+              <a:rPr sz="2400" dirty="0" err="1">
+                <a:latin typeface="Courier"/>
+              </a:rPr>
+              <a:t>readr</a:t>
+            </a:r>
+            <a:r>
+              <a:rPr sz="2400" dirty="0">
+                <a:latin typeface="Courier"/>
+              </a:rPr>
+              <a:t>, </a:t>
+            </a:r>
+            <a:r>
+              <a:rPr sz="2400" dirty="0" err="1">
+                <a:latin typeface="Courier"/>
+              </a:rPr>
+              <a:t>magrittr</a:t>
+            </a:r>
+            <a:r>
+              <a:rPr sz="2400" dirty="0">
+                <a:latin typeface="Courier"/>
+              </a:rPr>
+              <a:t>)</a:t>
+            </a:r>
+          </a:p>
+        </p:txBody>
+      </p:sp>
+    </p:spTree>
+  </p:cSld>
+  <p:clrMapOvr>
+    <a:masterClrMapping/>
+  </p:clrMapOvr>
+</p:sld>
+</file>
+
+<file path=ppt/slides/slide15.xml><?xml version="1.0" encoding="utf-8"?>
+<p:sld xmlns:a="http://schemas.openxmlformats.org/drawingml/2006/main" xmlns:r="http://schemas.openxmlformats.org/officeDocument/2006/relationships" xmlns:p="http://schemas.openxmlformats.org/presentationml/2006/main">
+  <p:cSld>
+    <p:spTree>
+      <p:nvGrpSpPr>
+        <p:cNvPr id="1" name=""/>
+        <p:cNvGrpSpPr/>
+        <p:nvPr/>
+      </p:nvGrpSpPr>
+      <p:grpSpPr>
+        <a:xfrm>
+          <a:off x="0" y="0"/>
+          <a:ext cx="0" cy="0"/>
+          <a:chOff x="0" y="0"/>
+          <a:chExt cx="0" cy="0"/>
+        </a:xfrm>
+      </p:grpSpPr>
+      <p:sp>
+        <p:nvSpPr>
+          <p:cNvPr id="11" name="Title 1">
+            <a:extLst>
+              <a:ext uri="{FF2B5EF4-FFF2-40B4-BE49-F238E27FC236}">
+                <a16:creationId xmlns:a16="http://schemas.microsoft.com/office/drawing/2014/main" id="{2391D614-6EEB-4C42-A746-C9FB67E11481}"/>
+              </a:ext>
+            </a:extLst>
+          </p:cNvPr>
+          <p:cNvSpPr>
+            <a:spLocks noGrp="1"/>
+          </p:cNvSpPr>
+          <p:nvPr>
+            <p:ph type="title"/>
+          </p:nvPr>
+        </p:nvSpPr>
+        <p:spPr>
+          <a:xfrm>
+            <a:off x="838198" y="362260"/>
+            <a:ext cx="8486957" cy="637553"/>
+          </a:xfrm>
+        </p:spPr>
+        <p:txBody>
+          <a:bodyPr/>
+          <a:lstStyle/>
+          <a:p>
+            <a:pPr marL="0" lvl="0" indent="0">
+              <a:buNone/>
+            </a:pPr>
+            <a:r>
+              <a:rPr dirty="0"/>
+              <a:t>Example</a:t>
+            </a:r>
+          </a:p>
+        </p:txBody>
+      </p:sp>
+      <p:sp>
+        <p:nvSpPr>
+          <p:cNvPr id="12" name="Content Placeholder 2">
+            <a:extLst>
+              <a:ext uri="{FF2B5EF4-FFF2-40B4-BE49-F238E27FC236}">
+                <a16:creationId xmlns:a16="http://schemas.microsoft.com/office/drawing/2014/main" id="{91E23ACD-CC52-4FE4-A28E-15DDE627EE00}"/>
+              </a:ext>
+            </a:extLst>
+          </p:cNvPr>
+          <p:cNvSpPr>
+            <a:spLocks noGrp="1"/>
+          </p:cNvSpPr>
+          <p:nvPr>
+            <p:ph idx="1"/>
+          </p:nvPr>
+        </p:nvSpPr>
+        <p:spPr/>
+        <p:txBody>
+          <a:bodyPr/>
+          <a:lstStyle/>
+          <a:p>
+            <a:pPr marL="0" lvl="0" indent="0">
+              <a:buNone/>
+            </a:pPr>
+            <a:r>
+              <a:rPr dirty="0"/>
+              <a:t>Table One</a:t>
+            </a:r>
+            <a:r>
+              <a:rPr lang="zh-CN" altLang="en-US" dirty="0"/>
+              <a:t>（该表为</a:t>
+            </a:r>
+            <a:r>
+              <a:rPr lang="en-US" altLang="zh-CN" dirty="0" err="1"/>
+              <a:t>gtsummary</a:t>
+            </a:r>
+            <a:r>
+              <a:rPr lang="zh-CN" altLang="en-US" dirty="0"/>
+              <a:t>自动生成）</a:t>
+            </a:r>
+            <a:endParaRPr dirty="0"/>
+          </a:p>
+        </p:txBody>
+      </p:sp>
+      <p:graphicFrame>
+        <p:nvGraphicFramePr>
+          <p:cNvPr id="152109816" name="表格 152109815"/>
+          <p:cNvGraphicFramePr>
+            <a:graphicFrameLocks noGrp="1"/>
+          </p:cNvGraphicFramePr>
+          <p:nvPr>
+            <p:extLst>
+              <p:ext uri="{D42A27DB-BD31-4B8C-83A1-F6EECF244321}">
+                <p14:modId xmlns:p14="http://schemas.microsoft.com/office/powerpoint/2010/main" val="709905179"/>
+              </p:ext>
+            </p:extLst>
+          </p:nvPr>
+        </p:nvGraphicFramePr>
+        <p:xfrm>
+          <a:off x="923026" y="2070339"/>
+          <a:ext cx="4068399" cy="4315961"/>
+        </p:xfrm>
+        <a:graphic>
+          <a:graphicData uri="http://schemas.openxmlformats.org/drawingml/2006/table">
+            <a:tbl>
+              <a:tblPr/>
+              <a:tblGrid>
+                <a:gridCol w="1114731">
+                  <a:extLst>
+                    <a:ext uri="{9D8B030D-6E8A-4147-A177-3AD203B41FA5}">
+                      <a16:colId xmlns:a16="http://schemas.microsoft.com/office/drawing/2014/main" val="20000"/>
+                    </a:ext>
+                  </a:extLst>
+                </a:gridCol>
+                <a:gridCol w="493857">
+                  <a:extLst>
+                    <a:ext uri="{9D8B030D-6E8A-4147-A177-3AD203B41FA5}">
+                      <a16:colId xmlns:a16="http://schemas.microsoft.com/office/drawing/2014/main" val="20001"/>
+                    </a:ext>
+                  </a:extLst>
+                </a:gridCol>
+                <a:gridCol w="831579">
+                  <a:extLst>
+                    <a:ext uri="{9D8B030D-6E8A-4147-A177-3AD203B41FA5}">
+                      <a16:colId xmlns:a16="http://schemas.microsoft.com/office/drawing/2014/main" val="20002"/>
+                    </a:ext>
+                  </a:extLst>
+                </a:gridCol>
+                <a:gridCol w="909273">
+                  <a:extLst>
+                    <a:ext uri="{9D8B030D-6E8A-4147-A177-3AD203B41FA5}">
+                      <a16:colId xmlns:a16="http://schemas.microsoft.com/office/drawing/2014/main" val="20003"/>
+                    </a:ext>
+                  </a:extLst>
+                </a:gridCol>
+                <a:gridCol w="718959">
+                  <a:extLst>
+                    <a:ext uri="{9D8B030D-6E8A-4147-A177-3AD203B41FA5}">
+                      <a16:colId xmlns:a16="http://schemas.microsoft.com/office/drawing/2014/main" val="20004"/>
+                    </a:ext>
+                  </a:extLst>
+                </a:gridCol>
+              </a:tblGrid>
+              <a:tr h="388536">
+                <a:tc>
+                  <a:txBody>
+                    <a:bodyPr/>
+                    <a:lstStyle/>
+                    <a:p>
+                      <a:pPr marL="63500" marR="63500" algn="l">
+                        <a:lnSpc>
+                          <a:spcPct val="100000"/>
+                        </a:lnSpc>
+                        <a:spcBef>
+                          <a:spcPts val="200"/>
+                        </a:spcBef>
+                        <a:spcAft>
+                          <a:spcPts val="200"/>
+                        </a:spcAft>
+                        <a:buNone/>
+                      </a:pPr>
+                      <a:r>
+                        <a:rPr sz="1100">
+                          <a:solidFill>
+                            <a:srgbClr val="000000">
+                              <a:alpha val="100000"/>
+                            </a:srgbClr>
+                          </a:solidFill>
+                          <a:latin typeface="Arial"/>
+                        </a:rPr>
+                        <a:t>Characteristic</a:t>
+                      </a:r>
+                    </a:p>
+                  </a:txBody>
+                  <a:tcPr marL="0" marR="0" marT="0" marB="0" anchor="ctr">
+                    <a:lnL w="0" cap="flat" cmpd="sng" algn="ctr">
+                      <a:solidFill>
+                        <a:srgbClr val="FFFFFF">
+                          <a:alpha val="0"/>
+                        </a:srgbClr>
+                      </a:solidFill>
+                      <a:prstDash val="solid"/>
+                    </a:lnL>
+                    <a:lnR w="0" cap="flat" cmpd="sng" algn="ctr">
+                      <a:solidFill>
+                        <a:srgbClr val="FFFFFF">
+                          <a:alpha val="0"/>
+                        </a:srgbClr>
+                      </a:solidFill>
+                      <a:prstDash val="solid"/>
+                    </a:lnR>
+                    <a:lnT w="12700" cap="flat" cmpd="sng" algn="ctr">
+                      <a:solidFill>
+                        <a:srgbClr val="000000">
+                          <a:alpha val="100000"/>
+                        </a:srgbClr>
+                      </a:solidFill>
+                      <a:prstDash val="solid"/>
+                    </a:lnT>
+                    <a:lnB w="12700" cap="flat" cmpd="sng" algn="ctr">
+                      <a:solidFill>
+                        <a:srgbClr val="000000">
+                          <a:alpha val="100000"/>
+                        </a:srgbClr>
+                      </a:solidFill>
+                      <a:prstDash val="solid"/>
+                    </a:lnB>
+                  </a:tcPr>
+                </a:tc>
+                <a:tc>
+                  <a:txBody>
+                    <a:bodyPr/>
+                    <a:lstStyle/>
+                    <a:p>
+                      <a:pPr marL="63500" marR="63500" algn="ctr">
+                        <a:lnSpc>
+                          <a:spcPct val="100000"/>
+                        </a:lnSpc>
+                        <a:spcBef>
+                          <a:spcPts val="200"/>
+                        </a:spcBef>
+                        <a:spcAft>
+                          <a:spcPts val="200"/>
+                        </a:spcAft>
+                        <a:buNone/>
+                      </a:pPr>
+                      <a:r>
+                        <a:rPr sz="1100">
+                          <a:solidFill>
+                            <a:srgbClr val="000000">
+                              <a:alpha val="100000"/>
+                            </a:srgbClr>
+                          </a:solidFill>
+                          <a:latin typeface="Arial"/>
+                        </a:rPr>
+                        <a:t>N</a:t>
+                      </a:r>
+                    </a:p>
+                  </a:txBody>
+                  <a:tcPr marL="0" marR="0" marT="0" marB="0" anchor="ctr">
+                    <a:lnL w="0" cap="flat" cmpd="sng" algn="ctr">
+                      <a:solidFill>
+                        <a:srgbClr val="FFFFFF">
+                          <a:alpha val="0"/>
+                        </a:srgbClr>
+                      </a:solidFill>
+                      <a:prstDash val="solid"/>
+                    </a:lnL>
+                    <a:lnR w="0" cap="flat" cmpd="sng" algn="ctr">
+                      <a:solidFill>
+                        <a:srgbClr val="FFFFFF">
+                          <a:alpha val="0"/>
+                        </a:srgbClr>
+                      </a:solidFill>
+                      <a:prstDash val="solid"/>
+                    </a:lnR>
+                    <a:lnT w="12700" cap="flat" cmpd="sng" algn="ctr">
+                      <a:solidFill>
+                        <a:srgbClr val="000000">
+                          <a:alpha val="100000"/>
+                        </a:srgbClr>
+                      </a:solidFill>
+                      <a:prstDash val="solid"/>
+                    </a:lnT>
+                    <a:lnB w="12700" cap="flat" cmpd="sng" algn="ctr">
+                      <a:solidFill>
+                        <a:srgbClr val="000000">
+                          <a:alpha val="100000"/>
+                        </a:srgbClr>
+                      </a:solidFill>
+                      <a:prstDash val="solid"/>
+                    </a:lnB>
+                  </a:tcPr>
+                </a:tc>
+                <a:tc>
+                  <a:txBody>
+                    <a:bodyPr/>
+                    <a:lstStyle/>
+                    <a:p>
+                      <a:pPr marL="63500" marR="63500" algn="ctr">
+                        <a:lnSpc>
+                          <a:spcPct val="100000"/>
+                        </a:lnSpc>
+                        <a:spcBef>
+                          <a:spcPts val="200"/>
+                        </a:spcBef>
+                        <a:spcAft>
+                          <a:spcPts val="200"/>
+                        </a:spcAft>
+                        <a:buNone/>
+                      </a:pPr>
+                      <a:r>
+                        <a:rPr sz="1100">
+                          <a:solidFill>
+                            <a:srgbClr val="000000">
+                              <a:alpha val="100000"/>
+                            </a:srgbClr>
+                          </a:solidFill>
+                          <a:latin typeface="Arial"/>
+                        </a:rPr>
+                        <a:t>0, N = 74</a:t>
+                      </a:r>
+                      <a:r>
+                        <a:rPr sz="1100" baseline="40000">
+                          <a:solidFill>
+                            <a:srgbClr val="000000">
+                              <a:alpha val="100000"/>
+                            </a:srgbClr>
+                          </a:solidFill>
+                          <a:latin typeface="Arial"/>
+                        </a:rPr>
+                        <a:t>1</a:t>
+                      </a:r>
+                    </a:p>
+                  </a:txBody>
+                  <a:tcPr marL="0" marR="0" marT="0" marB="0" anchor="ctr">
+                    <a:lnL w="0" cap="flat" cmpd="sng" algn="ctr">
+                      <a:solidFill>
+                        <a:srgbClr val="FFFFFF">
+                          <a:alpha val="0"/>
+                        </a:srgbClr>
+                      </a:solidFill>
+                      <a:prstDash val="solid"/>
+                    </a:lnL>
+                    <a:lnR w="0" cap="flat" cmpd="sng" algn="ctr">
+                      <a:solidFill>
+                        <a:srgbClr val="FFFFFF">
+                          <a:alpha val="0"/>
+                        </a:srgbClr>
+                      </a:solidFill>
+                      <a:prstDash val="solid"/>
+                    </a:lnR>
+                    <a:lnT w="12700" cap="flat" cmpd="sng" algn="ctr">
+                      <a:solidFill>
+                        <a:srgbClr val="000000">
+                          <a:alpha val="100000"/>
+                        </a:srgbClr>
+                      </a:solidFill>
+                      <a:prstDash val="solid"/>
+                    </a:lnT>
+                    <a:lnB w="12700" cap="flat" cmpd="sng" algn="ctr">
+                      <a:solidFill>
+                        <a:srgbClr val="000000">
+                          <a:alpha val="100000"/>
+                        </a:srgbClr>
+                      </a:solidFill>
+                      <a:prstDash val="solid"/>
+                    </a:lnB>
+                  </a:tcPr>
+                </a:tc>
+                <a:tc>
+                  <a:txBody>
+                    <a:bodyPr/>
+                    <a:lstStyle/>
+                    <a:p>
+                      <a:pPr marL="63500" marR="63500" algn="ctr">
+                        <a:lnSpc>
+                          <a:spcPct val="100000"/>
+                        </a:lnSpc>
+                        <a:spcBef>
+                          <a:spcPts val="200"/>
+                        </a:spcBef>
+                        <a:spcAft>
+                          <a:spcPts val="200"/>
+                        </a:spcAft>
+                        <a:buNone/>
+                      </a:pPr>
+                      <a:r>
+                        <a:rPr sz="1100">
+                          <a:solidFill>
+                            <a:srgbClr val="000000">
+                              <a:alpha val="100000"/>
+                            </a:srgbClr>
+                          </a:solidFill>
+                          <a:latin typeface="Arial"/>
+                        </a:rPr>
+                        <a:t>1, N = 136</a:t>
+                      </a:r>
+                      <a:r>
+                        <a:rPr sz="1100" baseline="40000">
+                          <a:solidFill>
+                            <a:srgbClr val="000000">
+                              <a:alpha val="100000"/>
+                            </a:srgbClr>
+                          </a:solidFill>
+                          <a:latin typeface="Arial"/>
+                        </a:rPr>
+                        <a:t>1</a:t>
+                      </a:r>
+                    </a:p>
+                  </a:txBody>
+                  <a:tcPr marL="0" marR="0" marT="0" marB="0" anchor="ctr">
+                    <a:lnL w="0" cap="flat" cmpd="sng" algn="ctr">
+                      <a:solidFill>
+                        <a:srgbClr val="FFFFFF">
+                          <a:alpha val="0"/>
+                        </a:srgbClr>
+                      </a:solidFill>
+                      <a:prstDash val="solid"/>
+                    </a:lnL>
+                    <a:lnR w="0" cap="flat" cmpd="sng" algn="ctr">
+                      <a:solidFill>
+                        <a:srgbClr val="FFFFFF">
+                          <a:alpha val="0"/>
+                        </a:srgbClr>
+                      </a:solidFill>
+                      <a:prstDash val="solid"/>
+                    </a:lnR>
+                    <a:lnT w="12700" cap="flat" cmpd="sng" algn="ctr">
+                      <a:solidFill>
+                        <a:srgbClr val="000000">
+                          <a:alpha val="100000"/>
+                        </a:srgbClr>
+                      </a:solidFill>
+                      <a:prstDash val="solid"/>
+                    </a:lnT>
+                    <a:lnB w="12700" cap="flat" cmpd="sng" algn="ctr">
+                      <a:solidFill>
+                        <a:srgbClr val="000000">
+                          <a:alpha val="100000"/>
+                        </a:srgbClr>
+                      </a:solidFill>
+                      <a:prstDash val="solid"/>
+                    </a:lnB>
+                  </a:tcPr>
+                </a:tc>
+                <a:tc>
+                  <a:txBody>
+                    <a:bodyPr/>
+                    <a:lstStyle/>
+                    <a:p>
+                      <a:pPr marL="63500" marR="63500" algn="ctr">
+                        <a:lnSpc>
+                          <a:spcPct val="100000"/>
+                        </a:lnSpc>
+                        <a:spcBef>
+                          <a:spcPts val="200"/>
+                        </a:spcBef>
+                        <a:spcAft>
+                          <a:spcPts val="200"/>
+                        </a:spcAft>
+                        <a:buNone/>
+                      </a:pPr>
+                      <a:r>
+                        <a:rPr sz="1100">
+                          <a:solidFill>
+                            <a:srgbClr val="000000">
+                              <a:alpha val="100000"/>
+                            </a:srgbClr>
+                          </a:solidFill>
+                          <a:latin typeface="Arial"/>
+                        </a:rPr>
+                        <a:t>p-value</a:t>
+                      </a:r>
+                      <a:r>
+                        <a:rPr sz="1100" baseline="40000">
+                          <a:solidFill>
+                            <a:srgbClr val="000000">
+                              <a:alpha val="100000"/>
+                            </a:srgbClr>
+                          </a:solidFill>
+                          <a:latin typeface="Arial"/>
+                        </a:rPr>
+                        <a:t>2</a:t>
+                      </a:r>
+                    </a:p>
+                  </a:txBody>
+                  <a:tcPr marL="0" marR="0" marT="0" marB="0" anchor="ctr">
+                    <a:lnL w="0" cap="flat" cmpd="sng" algn="ctr">
+                      <a:solidFill>
+                        <a:srgbClr val="FFFFFF">
+                          <a:alpha val="0"/>
+                        </a:srgbClr>
+                      </a:solidFill>
+                      <a:prstDash val="solid"/>
+                    </a:lnL>
+                    <a:lnR w="0" cap="flat" cmpd="sng" algn="ctr">
+                      <a:solidFill>
+                        <a:srgbClr val="FFFFFF">
+                          <a:alpha val="0"/>
+                        </a:srgbClr>
+                      </a:solidFill>
+                      <a:prstDash val="solid"/>
+                    </a:lnR>
+                    <a:lnT w="12700" cap="flat" cmpd="sng" algn="ctr">
+                      <a:solidFill>
+                        <a:srgbClr val="000000">
+                          <a:alpha val="100000"/>
+                        </a:srgbClr>
+                      </a:solidFill>
+                      <a:prstDash val="solid"/>
+                    </a:lnT>
+                    <a:lnB w="12700" cap="flat" cmpd="sng" algn="ctr">
+                      <a:solidFill>
+                        <a:srgbClr val="000000">
+                          <a:alpha val="100000"/>
+                        </a:srgbClr>
+                      </a:solidFill>
+                      <a:prstDash val="solid"/>
+                    </a:lnB>
+                  </a:tcPr>
+                </a:tc>
+                <a:extLst>
+                  <a:ext uri="{0D108BD9-81ED-4DB2-BD59-A6C34878D82A}">
+                    <a16:rowId xmlns:a16="http://schemas.microsoft.com/office/drawing/2014/main" val="10000"/>
+                  </a:ext>
+                </a:extLst>
+              </a:tr>
+              <a:tr h="391879">
+                <a:tc>
+                  <a:txBody>
+                    <a:bodyPr/>
+                    <a:lstStyle/>
+                    <a:p>
+                      <a:pPr marL="63500" marR="63500" algn="l">
+                        <a:lnSpc>
+                          <a:spcPct val="100000"/>
+                        </a:lnSpc>
+                        <a:spcBef>
+                          <a:spcPts val="500"/>
+                        </a:spcBef>
+                        <a:spcAft>
+                          <a:spcPts val="500"/>
+                        </a:spcAft>
+                        <a:buNone/>
+                      </a:pPr>
+                      <a:r>
+                        <a:rPr sz="1100" b="1">
+                          <a:solidFill>
+                            <a:srgbClr val="000000">
+                              <a:alpha val="100000"/>
+                            </a:srgbClr>
+                          </a:solidFill>
+                          <a:latin typeface="Arial"/>
+                        </a:rPr>
+                        <a:t>AgeGroup</a:t>
+                      </a:r>
+                    </a:p>
+                  </a:txBody>
+                  <a:tcPr marL="0" marR="0" marT="0" marB="0">
+                    <a:lnL w="0" cap="flat" cmpd="sng" algn="ctr">
+                      <a:solidFill>
+                        <a:srgbClr val="FFFFFF">
+                          <a:alpha val="0"/>
+                        </a:srgbClr>
+                      </a:solidFill>
+                      <a:prstDash val="solid"/>
+                    </a:lnL>
+                    <a:lnR w="0" cap="flat" cmpd="sng" algn="ctr">
+                      <a:solidFill>
+                        <a:srgbClr val="FFFFFF">
+                          <a:alpha val="0"/>
+                        </a:srgbClr>
+                      </a:solidFill>
+                      <a:prstDash val="solid"/>
+                    </a:lnR>
+                    <a:lnT w="12700" cap="flat" cmpd="sng" algn="ctr">
+                      <a:solidFill>
+                        <a:srgbClr val="000000"/>
+                      </a:solidFill>
+                      <a:prstDash val="solid"/>
+                      <a:round/>
+                      <a:headEnd type="none" w="med" len="med"/>
+                      <a:tailEnd type="none" w="med" len="med"/>
+                    </a:lnT>
+                    <a:lnB w="0" cap="flat" cmpd="sng" algn="ctr">
+                      <a:solidFill>
+                        <a:srgbClr val="FFFFFF">
+                          <a:alpha val="0"/>
+                        </a:srgbClr>
+                      </a:solidFill>
+                      <a:prstDash val="solid"/>
+                    </a:lnB>
+                  </a:tcPr>
+                </a:tc>
+                <a:tc>
+                  <a:txBody>
+                    <a:bodyPr/>
+                    <a:lstStyle/>
+                    <a:p>
+                      <a:pPr marL="63500" marR="63500" algn="ctr">
+                        <a:lnSpc>
+                          <a:spcPct val="100000"/>
+                        </a:lnSpc>
+                        <a:spcBef>
+                          <a:spcPts val="500"/>
+                        </a:spcBef>
+                        <a:spcAft>
+                          <a:spcPts val="500"/>
+                        </a:spcAft>
+                        <a:buNone/>
+                      </a:pPr>
+                      <a:r>
+                        <a:rPr sz="1100">
+                          <a:solidFill>
+                            <a:srgbClr val="000000">
+                              <a:alpha val="100000"/>
+                            </a:srgbClr>
+                          </a:solidFill>
+                          <a:latin typeface="Arial"/>
+                        </a:rPr>
+                        <a:t>210</a:t>
+                      </a:r>
+                    </a:p>
+                  </a:txBody>
+                  <a:tcPr marL="0" marR="0" marT="0" marB="0" anchor="ctr">
+                    <a:lnL w="0" cap="flat" cmpd="sng" algn="ctr">
+                      <a:solidFill>
+                        <a:srgbClr val="FFFFFF">
+                          <a:alpha val="0"/>
+                        </a:srgbClr>
+                      </a:solidFill>
+                      <a:prstDash val="solid"/>
+                    </a:lnL>
+                    <a:lnR w="0" cap="flat" cmpd="sng" algn="ctr">
+                      <a:solidFill>
+                        <a:srgbClr val="FFFFFF">
+                          <a:alpha val="0"/>
+                        </a:srgbClr>
+                      </a:solidFill>
+                      <a:prstDash val="solid"/>
+                    </a:lnR>
+                    <a:lnT w="12700" cap="flat" cmpd="sng" algn="ctr">
+                      <a:solidFill>
+                        <a:srgbClr val="000000"/>
+                      </a:solidFill>
+                      <a:prstDash val="solid"/>
+                      <a:round/>
+                      <a:headEnd type="none" w="med" len="med"/>
+                      <a:tailEnd type="none" w="med" len="med"/>
+                    </a:lnT>
+                    <a:lnB w="0" cap="flat" cmpd="sng" algn="ctr">
+                      <a:solidFill>
+                        <a:srgbClr val="FFFFFF">
+                          <a:alpha val="0"/>
+                        </a:srgbClr>
+                      </a:solidFill>
+                      <a:prstDash val="solid"/>
+                    </a:lnB>
+                  </a:tcPr>
+                </a:tc>
+                <a:tc>
+                  <a:txBody>
+                    <a:bodyPr/>
+                    <a:lstStyle/>
+                    <a:p>
+                      <a:pPr marL="63500" marR="63500" algn="ctr">
+                        <a:lnSpc>
+                          <a:spcPct val="100000"/>
+                        </a:lnSpc>
+                        <a:spcBef>
+                          <a:spcPts val="500"/>
+                        </a:spcBef>
+                        <a:spcAft>
+                          <a:spcPts val="500"/>
+                        </a:spcAft>
+                        <a:buNone/>
+                      </a:pPr>
+                      <a:endParaRPr/>
+                    </a:p>
+                  </a:txBody>
+                  <a:tcPr marL="0" marR="0" marT="0" marB="0" anchor="ctr">
+                    <a:lnL w="0" cap="flat" cmpd="sng" algn="ctr">
+                      <a:solidFill>
+                        <a:srgbClr val="FFFFFF">
+                          <a:alpha val="0"/>
+                        </a:srgbClr>
+                      </a:solidFill>
+                      <a:prstDash val="solid"/>
+                    </a:lnL>
+                    <a:lnR w="0" cap="flat" cmpd="sng" algn="ctr">
+                      <a:solidFill>
+                        <a:srgbClr val="FFFFFF">
+                          <a:alpha val="0"/>
+                        </a:srgbClr>
+                      </a:solidFill>
+                      <a:prstDash val="solid"/>
+                    </a:lnR>
+                    <a:lnT w="12700" cap="flat" cmpd="sng" algn="ctr">
+                      <a:solidFill>
+                        <a:srgbClr val="000000"/>
+                      </a:solidFill>
+                      <a:prstDash val="solid"/>
+                      <a:round/>
+                      <a:headEnd type="none" w="med" len="med"/>
+                      <a:tailEnd type="none" w="med" len="med"/>
+                    </a:lnT>
+                    <a:lnB w="0" cap="flat" cmpd="sng" algn="ctr">
+                      <a:solidFill>
+                        <a:srgbClr val="FFFFFF">
+                          <a:alpha val="0"/>
+                        </a:srgbClr>
+                      </a:solidFill>
+                      <a:prstDash val="solid"/>
+                    </a:lnB>
+                  </a:tcPr>
+                </a:tc>
+                <a:tc>
+                  <a:txBody>
+                    <a:bodyPr/>
+                    <a:lstStyle/>
+                    <a:p>
+                      <a:pPr marL="63500" marR="63500" algn="ctr">
+                        <a:lnSpc>
+                          <a:spcPct val="100000"/>
+                        </a:lnSpc>
+                        <a:spcBef>
+                          <a:spcPts val="500"/>
+                        </a:spcBef>
+                        <a:spcAft>
+                          <a:spcPts val="500"/>
+                        </a:spcAft>
+                        <a:buNone/>
+                      </a:pPr>
+                      <a:endParaRPr/>
+                    </a:p>
+                  </a:txBody>
+                  <a:tcPr marL="0" marR="0" marT="0" marB="0" anchor="ctr">
+                    <a:lnL w="0" cap="flat" cmpd="sng" algn="ctr">
+                      <a:solidFill>
+                        <a:srgbClr val="FFFFFF">
+                          <a:alpha val="0"/>
+                        </a:srgbClr>
+                      </a:solidFill>
+                      <a:prstDash val="solid"/>
+                    </a:lnL>
+                    <a:lnR w="0" cap="flat" cmpd="sng" algn="ctr">
+                      <a:solidFill>
+                        <a:srgbClr val="FFFFFF">
+                          <a:alpha val="0"/>
+                        </a:srgbClr>
+                      </a:solidFill>
+                      <a:prstDash val="solid"/>
+                    </a:lnR>
+                    <a:lnT w="12700" cap="flat" cmpd="sng" algn="ctr">
+                      <a:solidFill>
+                        <a:srgbClr val="000000"/>
+                      </a:solidFill>
+                      <a:prstDash val="solid"/>
+                      <a:round/>
+                      <a:headEnd type="none" w="med" len="med"/>
+                      <a:tailEnd type="none" w="med" len="med"/>
+                    </a:lnT>
+                    <a:lnB w="0" cap="flat" cmpd="sng" algn="ctr">
+                      <a:solidFill>
+                        <a:srgbClr val="FFFFFF">
+                          <a:alpha val="0"/>
+                        </a:srgbClr>
+                      </a:solidFill>
+                      <a:prstDash val="solid"/>
+                    </a:lnB>
+                  </a:tcPr>
+                </a:tc>
+                <a:tc>
+                  <a:txBody>
+                    <a:bodyPr/>
+                    <a:lstStyle/>
+                    <a:p>
+                      <a:pPr marL="63500" marR="63500" algn="ctr">
+                        <a:lnSpc>
+                          <a:spcPct val="100000"/>
+                        </a:lnSpc>
+                        <a:spcBef>
+                          <a:spcPts val="500"/>
+                        </a:spcBef>
+                        <a:spcAft>
+                          <a:spcPts val="500"/>
+                        </a:spcAft>
+                        <a:buNone/>
+                      </a:pPr>
+                      <a:r>
+                        <a:rPr sz="1100">
+                          <a:solidFill>
+                            <a:srgbClr val="000000">
+                              <a:alpha val="100000"/>
+                            </a:srgbClr>
+                          </a:solidFill>
+                          <a:latin typeface="Arial"/>
+                        </a:rPr>
+                        <a:t>0.2</a:t>
+                      </a:r>
+                    </a:p>
+                  </a:txBody>
+                  <a:tcPr marL="0" marR="0" marT="0" marB="0" anchor="ctr">
+                    <a:lnL w="0" cap="flat" cmpd="sng" algn="ctr">
+                      <a:solidFill>
+                        <a:srgbClr val="FFFFFF">
+                          <a:alpha val="0"/>
+                        </a:srgbClr>
+                      </a:solidFill>
+                      <a:prstDash val="solid"/>
+                    </a:lnL>
+                    <a:lnR w="0" cap="flat" cmpd="sng" algn="ctr">
+                      <a:solidFill>
+                        <a:srgbClr val="FFFFFF">
+                          <a:alpha val="0"/>
+                        </a:srgbClr>
+                      </a:solidFill>
+                      <a:prstDash val="solid"/>
+                    </a:lnR>
+                    <a:lnT w="12700" cap="flat" cmpd="sng" algn="ctr">
+                      <a:solidFill>
+                        <a:srgbClr val="000000"/>
+                      </a:solidFill>
+                      <a:prstDash val="solid"/>
+                      <a:round/>
+                      <a:headEnd type="none" w="med" len="med"/>
+                      <a:tailEnd type="none" w="med" len="med"/>
+                    </a:lnT>
+                    <a:lnB w="0" cap="flat" cmpd="sng" algn="ctr">
+                      <a:solidFill>
+                        <a:srgbClr val="FFFFFF">
+                          <a:alpha val="0"/>
+                        </a:srgbClr>
+                      </a:solidFill>
+                      <a:prstDash val="solid"/>
+                    </a:lnB>
+                  </a:tcPr>
+                </a:tc>
+                <a:extLst>
+                  <a:ext uri="{0D108BD9-81ED-4DB2-BD59-A6C34878D82A}">
+                    <a16:rowId xmlns:a16="http://schemas.microsoft.com/office/drawing/2014/main" val="10001"/>
+                  </a:ext>
+                </a:extLst>
+              </a:tr>
+              <a:tr h="391879">
+                <a:tc>
+                  <a:txBody>
+                    <a:bodyPr/>
+                    <a:lstStyle/>
+                    <a:p>
+                      <a:pPr marL="190500" marR="63500" algn="l">
+                        <a:lnSpc>
+                          <a:spcPct val="100000"/>
+                        </a:lnSpc>
+                        <a:spcBef>
+                          <a:spcPts val="500"/>
+                        </a:spcBef>
+                        <a:spcAft>
+                          <a:spcPts val="500"/>
+                        </a:spcAft>
+                        <a:buNone/>
+                      </a:pPr>
+                      <a:r>
+                        <a:rPr sz="1100">
+                          <a:solidFill>
+                            <a:srgbClr val="000000">
+                              <a:alpha val="100000"/>
+                            </a:srgbClr>
+                          </a:solidFill>
+                          <a:latin typeface="Arial"/>
+                        </a:rPr>
+                        <a:t>0</a:t>
+                      </a:r>
+                    </a:p>
+                  </a:txBody>
+                  <a:tcPr marL="0" marR="0" marT="0" marB="0">
+                    <a:lnL w="0" cap="flat" cmpd="sng" algn="ctr">
+                      <a:solidFill>
+                        <a:srgbClr val="FFFFFF">
+                          <a:alpha val="0"/>
+                        </a:srgbClr>
+                      </a:solidFill>
+                      <a:prstDash val="solid"/>
+                    </a:lnL>
+                    <a:lnR w="0" cap="flat" cmpd="sng" algn="ctr">
+                      <a:solidFill>
+                        <a:srgbClr val="FFFFFF">
+                          <a:alpha val="0"/>
+                        </a:srgbClr>
+                      </a:solidFill>
+                      <a:prstDash val="solid"/>
+                    </a:lnR>
+                    <a:lnT w="0" cap="flat" cmpd="sng" algn="ctr">
+                      <a:solidFill>
+                        <a:srgbClr val="FFFFFF">
+                          <a:alpha val="0"/>
+                        </a:srgbClr>
+                      </a:solidFill>
+                      <a:prstDash val="solid"/>
+                    </a:lnT>
+                    <a:lnB w="0" cap="flat" cmpd="sng" algn="ctr">
+                      <a:solidFill>
+                        <a:srgbClr val="FFFFFF">
+                          <a:alpha val="0"/>
+                        </a:srgbClr>
+                      </a:solidFill>
+                      <a:prstDash val="solid"/>
+                    </a:lnB>
+                  </a:tcPr>
+                </a:tc>
+                <a:tc>
+                  <a:txBody>
+                    <a:bodyPr/>
+                    <a:lstStyle/>
+                    <a:p>
+                      <a:pPr marL="63500" marR="63500" algn="ctr">
+                        <a:lnSpc>
+                          <a:spcPct val="100000"/>
+                        </a:lnSpc>
+                        <a:spcBef>
+                          <a:spcPts val="500"/>
+                        </a:spcBef>
+                        <a:spcAft>
+                          <a:spcPts val="500"/>
+                        </a:spcAft>
+                        <a:buNone/>
+                      </a:pPr>
+                      <a:endParaRPr/>
+                    </a:p>
+                  </a:txBody>
+                  <a:tcPr marL="0" marR="0" marT="0" marB="0" anchor="ctr">
+                    <a:lnL w="0" cap="flat" cmpd="sng" algn="ctr">
+                      <a:solidFill>
+                        <a:srgbClr val="FFFFFF">
+                          <a:alpha val="0"/>
+                        </a:srgbClr>
+                      </a:solidFill>
+                      <a:prstDash val="solid"/>
+                    </a:lnL>
+                    <a:lnR w="0" cap="flat" cmpd="sng" algn="ctr">
+                      <a:solidFill>
+                        <a:srgbClr val="FFFFFF">
+                          <a:alpha val="0"/>
+                        </a:srgbClr>
+                      </a:solidFill>
+                      <a:prstDash val="solid"/>
+                    </a:lnR>
+                    <a:lnT w="0" cap="flat" cmpd="sng" algn="ctr">
+                      <a:solidFill>
+                        <a:srgbClr val="FFFFFF">
+                          <a:alpha val="0"/>
+                        </a:srgbClr>
+                      </a:solidFill>
+                      <a:prstDash val="solid"/>
+                    </a:lnT>
+                    <a:lnB w="0" cap="flat" cmpd="sng" algn="ctr">
+                      <a:solidFill>
+                        <a:srgbClr val="FFFFFF">
+                          <a:alpha val="0"/>
+                        </a:srgbClr>
+                      </a:solidFill>
+                      <a:prstDash val="solid"/>
+                    </a:lnB>
+                  </a:tcPr>
+                </a:tc>
+                <a:tc>
+                  <a:txBody>
+                    <a:bodyPr/>
+                    <a:lstStyle/>
+                    <a:p>
+                      <a:pPr marL="63500" marR="63500" algn="ctr">
+                        <a:lnSpc>
+                          <a:spcPct val="100000"/>
+                        </a:lnSpc>
+                        <a:spcBef>
+                          <a:spcPts val="500"/>
+                        </a:spcBef>
+                        <a:spcAft>
+                          <a:spcPts val="500"/>
+                        </a:spcAft>
+                        <a:buNone/>
+                      </a:pPr>
+                      <a:r>
+                        <a:rPr sz="1100">
+                          <a:solidFill>
+                            <a:srgbClr val="000000">
+                              <a:alpha val="100000"/>
+                            </a:srgbClr>
+                          </a:solidFill>
+                          <a:latin typeface="Arial"/>
+                        </a:rPr>
+                        <a:t>47 (64%)</a:t>
+                      </a:r>
+                    </a:p>
+                  </a:txBody>
+                  <a:tcPr marL="0" marR="0" marT="0" marB="0" anchor="ctr">
+                    <a:lnL w="0" cap="flat" cmpd="sng" algn="ctr">
+                      <a:solidFill>
+                        <a:srgbClr val="FFFFFF">
+                          <a:alpha val="0"/>
+                        </a:srgbClr>
+                      </a:solidFill>
+                      <a:prstDash val="solid"/>
+                    </a:lnL>
+                    <a:lnR w="0" cap="flat" cmpd="sng" algn="ctr">
+                      <a:solidFill>
+                        <a:srgbClr val="FFFFFF">
+                          <a:alpha val="0"/>
+                        </a:srgbClr>
+                      </a:solidFill>
+                      <a:prstDash val="solid"/>
+                    </a:lnR>
+                    <a:lnT w="0" cap="flat" cmpd="sng" algn="ctr">
+                      <a:solidFill>
+                        <a:srgbClr val="FFFFFF">
+                          <a:alpha val="0"/>
+                        </a:srgbClr>
+                      </a:solidFill>
+                      <a:prstDash val="solid"/>
+                    </a:lnT>
+                    <a:lnB w="0" cap="flat" cmpd="sng" algn="ctr">
+                      <a:solidFill>
+                        <a:srgbClr val="FFFFFF">
+                          <a:alpha val="0"/>
+                        </a:srgbClr>
+                      </a:solidFill>
+                      <a:prstDash val="solid"/>
+                    </a:lnB>
+                  </a:tcPr>
+                </a:tc>
+                <a:tc>
+                  <a:txBody>
+                    <a:bodyPr/>
+                    <a:lstStyle/>
+                    <a:p>
+                      <a:pPr marL="63500" marR="63500" algn="ctr">
+                        <a:lnSpc>
+                          <a:spcPct val="100000"/>
+                        </a:lnSpc>
+                        <a:spcBef>
+                          <a:spcPts val="500"/>
+                        </a:spcBef>
+                        <a:spcAft>
+                          <a:spcPts val="500"/>
+                        </a:spcAft>
+                        <a:buNone/>
+                      </a:pPr>
+                      <a:r>
+                        <a:rPr sz="1100">
+                          <a:solidFill>
+                            <a:srgbClr val="000000">
+                              <a:alpha val="100000"/>
+                            </a:srgbClr>
+                          </a:solidFill>
+                          <a:latin typeface="Arial"/>
+                        </a:rPr>
+                        <a:t>98 (72%)</a:t>
+                      </a:r>
+                    </a:p>
+                  </a:txBody>
+                  <a:tcPr marL="0" marR="0" marT="0" marB="0" anchor="ctr">
+                    <a:lnL w="0" cap="flat" cmpd="sng" algn="ctr">
+                      <a:solidFill>
+                        <a:srgbClr val="FFFFFF">
+                          <a:alpha val="0"/>
+                        </a:srgbClr>
+                      </a:solidFill>
+                      <a:prstDash val="solid"/>
+                    </a:lnL>
+                    <a:lnR w="0" cap="flat" cmpd="sng" algn="ctr">
+                      <a:solidFill>
+                        <a:srgbClr val="FFFFFF">
+                          <a:alpha val="0"/>
+                        </a:srgbClr>
+                      </a:solidFill>
+                      <a:prstDash val="solid"/>
+                    </a:lnR>
+                    <a:lnT w="0" cap="flat" cmpd="sng" algn="ctr">
+                      <a:solidFill>
+                        <a:srgbClr val="FFFFFF">
+                          <a:alpha val="0"/>
+                        </a:srgbClr>
+                      </a:solidFill>
+                      <a:prstDash val="solid"/>
+                    </a:lnT>
+                    <a:lnB w="0" cap="flat" cmpd="sng" algn="ctr">
+                      <a:solidFill>
+                        <a:srgbClr val="FFFFFF">
+                          <a:alpha val="0"/>
+                        </a:srgbClr>
+                      </a:solidFill>
+                      <a:prstDash val="solid"/>
+                    </a:lnB>
+                  </a:tcPr>
+                </a:tc>
+                <a:tc>
+                  <a:txBody>
+                    <a:bodyPr/>
+                    <a:lstStyle/>
+                    <a:p>
+                      <a:pPr marL="63500" marR="63500" algn="ctr">
+                        <a:lnSpc>
+                          <a:spcPct val="100000"/>
+                        </a:lnSpc>
+                        <a:spcBef>
+                          <a:spcPts val="500"/>
+                        </a:spcBef>
+                        <a:spcAft>
+                          <a:spcPts val="500"/>
+                        </a:spcAft>
+                        <a:buNone/>
+                      </a:pPr>
+                      <a:endParaRPr/>
+                    </a:p>
+                  </a:txBody>
+                  <a:tcPr marL="0" marR="0" marT="0" marB="0" anchor="ctr">
+                    <a:lnL w="0" cap="flat" cmpd="sng" algn="ctr">
+                      <a:solidFill>
+                        <a:srgbClr val="FFFFFF">
+                          <a:alpha val="0"/>
+                        </a:srgbClr>
+                      </a:solidFill>
+                      <a:prstDash val="solid"/>
+                    </a:lnL>
+                    <a:lnR w="0" cap="flat" cmpd="sng" algn="ctr">
+                      <a:solidFill>
+                        <a:srgbClr val="FFFFFF">
+                          <a:alpha val="0"/>
+                        </a:srgbClr>
+                      </a:solidFill>
+                      <a:prstDash val="solid"/>
+                    </a:lnR>
+                    <a:lnT w="0" cap="flat" cmpd="sng" algn="ctr">
+                      <a:solidFill>
+                        <a:srgbClr val="FFFFFF">
+                          <a:alpha val="0"/>
+                        </a:srgbClr>
+                      </a:solidFill>
+                      <a:prstDash val="solid"/>
+                    </a:lnT>
+                    <a:lnB w="0" cap="flat" cmpd="sng" algn="ctr">
+                      <a:solidFill>
+                        <a:srgbClr val="FFFFFF">
+                          <a:alpha val="0"/>
+                        </a:srgbClr>
+                      </a:solidFill>
+                      <a:prstDash val="solid"/>
+                    </a:lnB>
+                  </a:tcPr>
+                </a:tc>
+                <a:extLst>
+                  <a:ext uri="{0D108BD9-81ED-4DB2-BD59-A6C34878D82A}">
+                    <a16:rowId xmlns:a16="http://schemas.microsoft.com/office/drawing/2014/main" val="10002"/>
+                  </a:ext>
+                </a:extLst>
+              </a:tr>
+              <a:tr h="391879">
+                <a:tc>
+                  <a:txBody>
+                    <a:bodyPr/>
+                    <a:lstStyle/>
+                    <a:p>
+                      <a:pPr marL="190500" marR="63500" algn="l">
+                        <a:lnSpc>
+                          <a:spcPct val="100000"/>
+                        </a:lnSpc>
+                        <a:spcBef>
+                          <a:spcPts val="500"/>
+                        </a:spcBef>
+                        <a:spcAft>
+                          <a:spcPts val="500"/>
+                        </a:spcAft>
+                        <a:buNone/>
+                      </a:pPr>
+                      <a:r>
+                        <a:rPr sz="1100">
+                          <a:solidFill>
+                            <a:srgbClr val="000000">
+                              <a:alpha val="100000"/>
+                            </a:srgbClr>
+                          </a:solidFill>
+                          <a:latin typeface="Arial"/>
+                        </a:rPr>
+                        <a:t>1</a:t>
+                      </a:r>
+                    </a:p>
+                  </a:txBody>
+                  <a:tcPr marL="0" marR="0" marT="0" marB="0">
+                    <a:lnL w="0" cap="flat" cmpd="sng" algn="ctr">
+                      <a:solidFill>
+                        <a:srgbClr val="FFFFFF">
+                          <a:alpha val="0"/>
+                        </a:srgbClr>
+                      </a:solidFill>
+                      <a:prstDash val="solid"/>
+                    </a:lnL>
+                    <a:lnR w="0" cap="flat" cmpd="sng" algn="ctr">
+                      <a:solidFill>
+                        <a:srgbClr val="FFFFFF">
+                          <a:alpha val="0"/>
+                        </a:srgbClr>
+                      </a:solidFill>
+                      <a:prstDash val="solid"/>
+                    </a:lnR>
+                    <a:lnT w="0" cap="flat" cmpd="sng" algn="ctr">
+                      <a:solidFill>
+                        <a:srgbClr val="FFFFFF">
+                          <a:alpha val="0"/>
+                        </a:srgbClr>
+                      </a:solidFill>
+                      <a:prstDash val="solid"/>
+                    </a:lnT>
+                    <a:lnB w="0" cap="flat" cmpd="sng" algn="ctr">
+                      <a:solidFill>
+                        <a:srgbClr val="FFFFFF">
+                          <a:alpha val="0"/>
+                        </a:srgbClr>
+                      </a:solidFill>
+                      <a:prstDash val="solid"/>
+                    </a:lnB>
+                  </a:tcPr>
+                </a:tc>
+                <a:tc>
+                  <a:txBody>
+                    <a:bodyPr/>
+                    <a:lstStyle/>
+                    <a:p>
+                      <a:pPr marL="63500" marR="63500" algn="ctr">
+                        <a:lnSpc>
+                          <a:spcPct val="100000"/>
+                        </a:lnSpc>
+                        <a:spcBef>
+                          <a:spcPts val="500"/>
+                        </a:spcBef>
+                        <a:spcAft>
+                          <a:spcPts val="500"/>
+                        </a:spcAft>
+                        <a:buNone/>
+                      </a:pPr>
+                      <a:endParaRPr/>
+                    </a:p>
+                  </a:txBody>
+                  <a:tcPr marL="0" marR="0" marT="0" marB="0" anchor="ctr">
+                    <a:lnL w="0" cap="flat" cmpd="sng" algn="ctr">
+                      <a:solidFill>
+                        <a:srgbClr val="FFFFFF">
+                          <a:alpha val="0"/>
+                        </a:srgbClr>
+                      </a:solidFill>
+                      <a:prstDash val="solid"/>
+                    </a:lnL>
+                    <a:lnR w="0" cap="flat" cmpd="sng" algn="ctr">
+                      <a:solidFill>
+                        <a:srgbClr val="FFFFFF">
+                          <a:alpha val="0"/>
+                        </a:srgbClr>
+                      </a:solidFill>
+                      <a:prstDash val="solid"/>
+                    </a:lnR>
+                    <a:lnT w="0" cap="flat" cmpd="sng" algn="ctr">
+                      <a:solidFill>
+                        <a:srgbClr val="FFFFFF">
+                          <a:alpha val="0"/>
+                        </a:srgbClr>
+                      </a:solidFill>
+                      <a:prstDash val="solid"/>
+                    </a:lnT>
+                    <a:lnB w="0" cap="flat" cmpd="sng" algn="ctr">
+                      <a:solidFill>
+                        <a:srgbClr val="FFFFFF">
+                          <a:alpha val="0"/>
+                        </a:srgbClr>
+                      </a:solidFill>
+                      <a:prstDash val="solid"/>
+                    </a:lnB>
+                  </a:tcPr>
+                </a:tc>
+                <a:tc>
+                  <a:txBody>
+                    <a:bodyPr/>
+                    <a:lstStyle/>
+                    <a:p>
+                      <a:pPr marL="63500" marR="63500" algn="ctr">
+                        <a:lnSpc>
+                          <a:spcPct val="100000"/>
+                        </a:lnSpc>
+                        <a:spcBef>
+                          <a:spcPts val="500"/>
+                        </a:spcBef>
+                        <a:spcAft>
+                          <a:spcPts val="500"/>
+                        </a:spcAft>
+                        <a:buNone/>
+                      </a:pPr>
+                      <a:r>
+                        <a:rPr sz="1100">
+                          <a:solidFill>
+                            <a:srgbClr val="000000">
+                              <a:alpha val="100000"/>
+                            </a:srgbClr>
+                          </a:solidFill>
+                          <a:latin typeface="Arial"/>
+                        </a:rPr>
+                        <a:t>27 (36%)</a:t>
+                      </a:r>
+                    </a:p>
+                  </a:txBody>
+                  <a:tcPr marL="0" marR="0" marT="0" marB="0" anchor="ctr">
+                    <a:lnL w="0" cap="flat" cmpd="sng" algn="ctr">
+                      <a:solidFill>
+                        <a:srgbClr val="FFFFFF">
+                          <a:alpha val="0"/>
+                        </a:srgbClr>
+                      </a:solidFill>
+                      <a:prstDash val="solid"/>
+                    </a:lnL>
+                    <a:lnR w="0" cap="flat" cmpd="sng" algn="ctr">
+                      <a:solidFill>
+                        <a:srgbClr val="FFFFFF">
+                          <a:alpha val="0"/>
+                        </a:srgbClr>
+                      </a:solidFill>
+                      <a:prstDash val="solid"/>
+                    </a:lnR>
+                    <a:lnT w="0" cap="flat" cmpd="sng" algn="ctr">
+                      <a:solidFill>
+                        <a:srgbClr val="FFFFFF">
+                          <a:alpha val="0"/>
+                        </a:srgbClr>
+                      </a:solidFill>
+                      <a:prstDash val="solid"/>
+                    </a:lnT>
+                    <a:lnB w="0" cap="flat" cmpd="sng" algn="ctr">
+                      <a:solidFill>
+                        <a:srgbClr val="FFFFFF">
+                          <a:alpha val="0"/>
+                        </a:srgbClr>
+                      </a:solidFill>
+                      <a:prstDash val="solid"/>
+                    </a:lnB>
+                  </a:tcPr>
+                </a:tc>
+                <a:tc>
+                  <a:txBody>
+                    <a:bodyPr/>
+                    <a:lstStyle/>
+                    <a:p>
+                      <a:pPr marL="63500" marR="63500" algn="ctr">
+                        <a:lnSpc>
+                          <a:spcPct val="100000"/>
+                        </a:lnSpc>
+                        <a:spcBef>
+                          <a:spcPts val="500"/>
+                        </a:spcBef>
+                        <a:spcAft>
+                          <a:spcPts val="500"/>
+                        </a:spcAft>
+                        <a:buNone/>
+                      </a:pPr>
+                      <a:r>
+                        <a:rPr sz="1100">
+                          <a:solidFill>
+                            <a:srgbClr val="000000">
+                              <a:alpha val="100000"/>
+                            </a:srgbClr>
+                          </a:solidFill>
+                          <a:latin typeface="Arial"/>
+                        </a:rPr>
+                        <a:t>38 (28%)</a:t>
+                      </a:r>
+                    </a:p>
+                  </a:txBody>
+                  <a:tcPr marL="0" marR="0" marT="0" marB="0" anchor="ctr">
+                    <a:lnL w="0" cap="flat" cmpd="sng" algn="ctr">
+                      <a:solidFill>
+                        <a:srgbClr val="FFFFFF">
+                          <a:alpha val="0"/>
+                        </a:srgbClr>
+                      </a:solidFill>
+                      <a:prstDash val="solid"/>
+                    </a:lnL>
+                    <a:lnR w="0" cap="flat" cmpd="sng" algn="ctr">
+                      <a:solidFill>
+                        <a:srgbClr val="FFFFFF">
+                          <a:alpha val="0"/>
+                        </a:srgbClr>
+                      </a:solidFill>
+                      <a:prstDash val="solid"/>
+                    </a:lnR>
+                    <a:lnT w="0" cap="flat" cmpd="sng" algn="ctr">
+                      <a:solidFill>
+                        <a:srgbClr val="FFFFFF">
+                          <a:alpha val="0"/>
+                        </a:srgbClr>
+                      </a:solidFill>
+                      <a:prstDash val="solid"/>
+                    </a:lnT>
+                    <a:lnB w="0" cap="flat" cmpd="sng" algn="ctr">
+                      <a:solidFill>
+                        <a:srgbClr val="FFFFFF">
+                          <a:alpha val="0"/>
+                        </a:srgbClr>
+                      </a:solidFill>
+                      <a:prstDash val="solid"/>
+                    </a:lnB>
+                  </a:tcPr>
+                </a:tc>
+                <a:tc>
+                  <a:txBody>
+                    <a:bodyPr/>
+                    <a:lstStyle/>
+                    <a:p>
+                      <a:pPr marL="63500" marR="63500" algn="ctr">
+                        <a:lnSpc>
+                          <a:spcPct val="100000"/>
+                        </a:lnSpc>
+                        <a:spcBef>
+                          <a:spcPts val="500"/>
+                        </a:spcBef>
+                        <a:spcAft>
+                          <a:spcPts val="500"/>
+                        </a:spcAft>
+                        <a:buNone/>
+                      </a:pPr>
+                      <a:endParaRPr/>
+                    </a:p>
+                  </a:txBody>
+                  <a:tcPr marL="0" marR="0" marT="0" marB="0" anchor="ctr">
+                    <a:lnL w="0" cap="flat" cmpd="sng" algn="ctr">
+                      <a:solidFill>
+                        <a:srgbClr val="FFFFFF">
+                          <a:alpha val="0"/>
+                        </a:srgbClr>
+                      </a:solidFill>
+                      <a:prstDash val="solid"/>
+                    </a:lnL>
+                    <a:lnR w="0" cap="flat" cmpd="sng" algn="ctr">
+                      <a:solidFill>
+                        <a:srgbClr val="FFFFFF">
+                          <a:alpha val="0"/>
+                        </a:srgbClr>
+                      </a:solidFill>
+                      <a:prstDash val="solid"/>
+                    </a:lnR>
+                    <a:lnT w="0" cap="flat" cmpd="sng" algn="ctr">
+                      <a:solidFill>
+                        <a:srgbClr val="FFFFFF">
+                          <a:alpha val="0"/>
+                        </a:srgbClr>
+                      </a:solidFill>
+                      <a:prstDash val="solid"/>
+                    </a:lnT>
+                    <a:lnB w="0" cap="flat" cmpd="sng" algn="ctr">
+                      <a:solidFill>
+                        <a:srgbClr val="FFFFFF">
+                          <a:alpha val="0"/>
+                        </a:srgbClr>
+                      </a:solidFill>
+                      <a:prstDash val="solid"/>
+                    </a:lnB>
+                  </a:tcPr>
+                </a:tc>
+                <a:extLst>
+                  <a:ext uri="{0D108BD9-81ED-4DB2-BD59-A6C34878D82A}">
+                    <a16:rowId xmlns:a16="http://schemas.microsoft.com/office/drawing/2014/main" val="10003"/>
+                  </a:ext>
+                </a:extLst>
+              </a:tr>
+              <a:tr h="364184">
+                <a:tc>
+                  <a:txBody>
+                    <a:bodyPr/>
+                    <a:lstStyle/>
+                    <a:p>
+                      <a:pPr marL="63500" marR="63500" algn="l">
+                        <a:lnSpc>
+                          <a:spcPct val="100000"/>
+                        </a:lnSpc>
+                        <a:spcBef>
+                          <a:spcPts val="500"/>
+                        </a:spcBef>
+                        <a:spcAft>
+                          <a:spcPts val="500"/>
+                        </a:spcAft>
+                        <a:buNone/>
+                      </a:pPr>
+                      <a:r>
+                        <a:rPr sz="1100" b="1">
+                          <a:solidFill>
+                            <a:srgbClr val="000000">
+                              <a:alpha val="100000"/>
+                            </a:srgbClr>
+                          </a:solidFill>
+                          <a:latin typeface="Arial"/>
+                        </a:rPr>
+                        <a:t>Gender</a:t>
+                      </a:r>
+                    </a:p>
+                  </a:txBody>
+                  <a:tcPr marL="0" marR="0" marT="0" marB="0">
+                    <a:lnL w="0" cap="flat" cmpd="sng" algn="ctr">
+                      <a:solidFill>
+                        <a:srgbClr val="FFFFFF">
+                          <a:alpha val="0"/>
+                        </a:srgbClr>
+                      </a:solidFill>
+                      <a:prstDash val="solid"/>
+                    </a:lnL>
+                    <a:lnR w="0" cap="flat" cmpd="sng" algn="ctr">
+                      <a:solidFill>
+                        <a:srgbClr val="FFFFFF">
+                          <a:alpha val="0"/>
+                        </a:srgbClr>
+                      </a:solidFill>
+                      <a:prstDash val="solid"/>
+                    </a:lnR>
+                    <a:lnT w="0" cap="flat" cmpd="sng" algn="ctr">
+                      <a:solidFill>
+                        <a:srgbClr val="FFFFFF">
+                          <a:alpha val="0"/>
+                        </a:srgbClr>
+                      </a:solidFill>
+                      <a:prstDash val="solid"/>
+                    </a:lnT>
+                    <a:lnB w="0" cap="flat" cmpd="sng" algn="ctr">
+                      <a:solidFill>
+                        <a:srgbClr val="FFFFFF">
+                          <a:alpha val="0"/>
+                        </a:srgbClr>
+                      </a:solidFill>
+                      <a:prstDash val="solid"/>
+                    </a:lnB>
+                  </a:tcPr>
+                </a:tc>
+                <a:tc>
+                  <a:txBody>
+                    <a:bodyPr/>
+                    <a:lstStyle/>
+                    <a:p>
+                      <a:pPr marL="63500" marR="63500" algn="ctr">
+                        <a:lnSpc>
+                          <a:spcPct val="100000"/>
+                        </a:lnSpc>
+                        <a:spcBef>
+                          <a:spcPts val="500"/>
+                        </a:spcBef>
+                        <a:spcAft>
+                          <a:spcPts val="500"/>
+                        </a:spcAft>
+                        <a:buNone/>
+                      </a:pPr>
+                      <a:r>
+                        <a:rPr sz="1100">
+                          <a:solidFill>
+                            <a:srgbClr val="000000">
+                              <a:alpha val="100000"/>
+                            </a:srgbClr>
+                          </a:solidFill>
+                          <a:latin typeface="Arial"/>
+                        </a:rPr>
+                        <a:t>210</a:t>
+                      </a:r>
+                    </a:p>
+                  </a:txBody>
+                  <a:tcPr marL="0" marR="0" marT="0" marB="0" anchor="ctr">
+                    <a:lnL w="0" cap="flat" cmpd="sng" algn="ctr">
+                      <a:solidFill>
+                        <a:srgbClr val="FFFFFF">
+                          <a:alpha val="0"/>
+                        </a:srgbClr>
+                      </a:solidFill>
+                      <a:prstDash val="solid"/>
+                    </a:lnL>
+                    <a:lnR w="0" cap="flat" cmpd="sng" algn="ctr">
+                      <a:solidFill>
+                        <a:srgbClr val="FFFFFF">
+                          <a:alpha val="0"/>
+                        </a:srgbClr>
+                      </a:solidFill>
+                      <a:prstDash val="solid"/>
+                    </a:lnR>
+                    <a:lnT w="0" cap="flat" cmpd="sng" algn="ctr">
+                      <a:solidFill>
+                        <a:srgbClr val="FFFFFF">
+                          <a:alpha val="0"/>
+                        </a:srgbClr>
+                      </a:solidFill>
+                      <a:prstDash val="solid"/>
+                    </a:lnT>
+                    <a:lnB w="0" cap="flat" cmpd="sng" algn="ctr">
+                      <a:solidFill>
+                        <a:srgbClr val="FFFFFF">
+                          <a:alpha val="0"/>
+                        </a:srgbClr>
+                      </a:solidFill>
+                      <a:prstDash val="solid"/>
+                    </a:lnB>
+                  </a:tcPr>
+                </a:tc>
+                <a:tc>
+                  <a:txBody>
+                    <a:bodyPr/>
+                    <a:lstStyle/>
+                    <a:p>
+                      <a:pPr marL="63500" marR="63500" algn="ctr">
+                        <a:lnSpc>
+                          <a:spcPct val="100000"/>
+                        </a:lnSpc>
+                        <a:spcBef>
+                          <a:spcPts val="500"/>
+                        </a:spcBef>
+                        <a:spcAft>
+                          <a:spcPts val="500"/>
+                        </a:spcAft>
+                        <a:buNone/>
+                      </a:pPr>
+                      <a:endParaRPr/>
+                    </a:p>
+                  </a:txBody>
+                  <a:tcPr marL="0" marR="0" marT="0" marB="0" anchor="ctr">
+                    <a:lnL w="0" cap="flat" cmpd="sng" algn="ctr">
+                      <a:solidFill>
+                        <a:srgbClr val="FFFFFF">
+                          <a:alpha val="0"/>
+                        </a:srgbClr>
+                      </a:solidFill>
+                      <a:prstDash val="solid"/>
+                    </a:lnL>
+                    <a:lnR w="0" cap="flat" cmpd="sng" algn="ctr">
+                      <a:solidFill>
+                        <a:srgbClr val="FFFFFF">
+                          <a:alpha val="0"/>
+                        </a:srgbClr>
+                      </a:solidFill>
+                      <a:prstDash val="solid"/>
+                    </a:lnR>
+                    <a:lnT w="0" cap="flat" cmpd="sng" algn="ctr">
+                      <a:solidFill>
+                        <a:srgbClr val="FFFFFF">
+                          <a:alpha val="0"/>
+                        </a:srgbClr>
+                      </a:solidFill>
+                      <a:prstDash val="solid"/>
+                    </a:lnT>
+                    <a:lnB w="0" cap="flat" cmpd="sng" algn="ctr">
+                      <a:solidFill>
+                        <a:srgbClr val="FFFFFF">
+                          <a:alpha val="0"/>
+                        </a:srgbClr>
+                      </a:solidFill>
+                      <a:prstDash val="solid"/>
+                    </a:lnB>
+                  </a:tcPr>
+                </a:tc>
+                <a:tc>
+                  <a:txBody>
+                    <a:bodyPr/>
+                    <a:lstStyle/>
+                    <a:p>
+                      <a:pPr marL="63500" marR="63500" algn="ctr">
+                        <a:lnSpc>
+                          <a:spcPct val="100000"/>
+                        </a:lnSpc>
+                        <a:spcBef>
+                          <a:spcPts val="500"/>
+                        </a:spcBef>
+                        <a:spcAft>
+                          <a:spcPts val="500"/>
+                        </a:spcAft>
+                        <a:buNone/>
+                      </a:pPr>
+                      <a:endParaRPr/>
+                    </a:p>
+                  </a:txBody>
+                  <a:tcPr marL="0" marR="0" marT="0" marB="0" anchor="ctr">
+                    <a:lnL w="0" cap="flat" cmpd="sng" algn="ctr">
+                      <a:solidFill>
+                        <a:srgbClr val="FFFFFF">
+                          <a:alpha val="0"/>
+                        </a:srgbClr>
+                      </a:solidFill>
+                      <a:prstDash val="solid"/>
+                    </a:lnL>
+                    <a:lnR w="0" cap="flat" cmpd="sng" algn="ctr">
+                      <a:solidFill>
+                        <a:srgbClr val="FFFFFF">
+                          <a:alpha val="0"/>
+                        </a:srgbClr>
+                      </a:solidFill>
+                      <a:prstDash val="solid"/>
+                    </a:lnR>
+                    <a:lnT w="0" cap="flat" cmpd="sng" algn="ctr">
+                      <a:solidFill>
+                        <a:srgbClr val="FFFFFF">
+                          <a:alpha val="0"/>
+                        </a:srgbClr>
+                      </a:solidFill>
+                      <a:prstDash val="solid"/>
+                    </a:lnT>
+                    <a:lnB w="0" cap="flat" cmpd="sng" algn="ctr">
+                      <a:solidFill>
+                        <a:srgbClr val="FFFFFF">
+                          <a:alpha val="0"/>
+                        </a:srgbClr>
+                      </a:solidFill>
+                      <a:prstDash val="solid"/>
+                    </a:lnB>
+                  </a:tcPr>
+                </a:tc>
+                <a:tc>
+                  <a:txBody>
+                    <a:bodyPr/>
+                    <a:lstStyle/>
+                    <a:p>
+                      <a:pPr marL="63500" marR="63500" algn="ctr">
+                        <a:lnSpc>
+                          <a:spcPct val="100000"/>
+                        </a:lnSpc>
+                        <a:spcBef>
+                          <a:spcPts val="500"/>
+                        </a:spcBef>
+                        <a:spcAft>
+                          <a:spcPts val="500"/>
+                        </a:spcAft>
+                        <a:buNone/>
+                      </a:pPr>
+                      <a:r>
+                        <a:rPr sz="1100">
+                          <a:solidFill>
+                            <a:srgbClr val="000000">
+                              <a:alpha val="100000"/>
+                            </a:srgbClr>
+                          </a:solidFill>
+                          <a:latin typeface="Arial"/>
+                        </a:rPr>
+                        <a:t>0.7</a:t>
+                      </a:r>
+                    </a:p>
+                  </a:txBody>
+                  <a:tcPr marL="0" marR="0" marT="0" marB="0" anchor="ctr">
+                    <a:lnL w="0" cap="flat" cmpd="sng" algn="ctr">
+                      <a:solidFill>
+                        <a:srgbClr val="FFFFFF">
+                          <a:alpha val="0"/>
+                        </a:srgbClr>
+                      </a:solidFill>
+                      <a:prstDash val="solid"/>
+                    </a:lnL>
+                    <a:lnR w="0" cap="flat" cmpd="sng" algn="ctr">
+                      <a:solidFill>
+                        <a:srgbClr val="FFFFFF">
+                          <a:alpha val="0"/>
+                        </a:srgbClr>
+                      </a:solidFill>
+                      <a:prstDash val="solid"/>
+                    </a:lnR>
+                    <a:lnT w="0" cap="flat" cmpd="sng" algn="ctr">
+                      <a:solidFill>
+                        <a:srgbClr val="FFFFFF">
+                          <a:alpha val="0"/>
+                        </a:srgbClr>
+                      </a:solidFill>
+                      <a:prstDash val="solid"/>
+                    </a:lnT>
+                    <a:lnB w="0" cap="flat" cmpd="sng" algn="ctr">
+                      <a:solidFill>
+                        <a:srgbClr val="FFFFFF">
+                          <a:alpha val="0"/>
+                        </a:srgbClr>
+                      </a:solidFill>
+                      <a:prstDash val="solid"/>
+                    </a:lnB>
+                  </a:tcPr>
+                </a:tc>
+                <a:extLst>
+                  <a:ext uri="{0D108BD9-81ED-4DB2-BD59-A6C34878D82A}">
+                    <a16:rowId xmlns:a16="http://schemas.microsoft.com/office/drawing/2014/main" val="10004"/>
+                  </a:ext>
+                </a:extLst>
+              </a:tr>
+              <a:tr h="391879">
+                <a:tc>
+                  <a:txBody>
+                    <a:bodyPr/>
+                    <a:lstStyle/>
+                    <a:p>
+                      <a:pPr marL="190500" marR="63500" algn="l">
+                        <a:lnSpc>
+                          <a:spcPct val="100000"/>
+                        </a:lnSpc>
+                        <a:spcBef>
+                          <a:spcPts val="500"/>
+                        </a:spcBef>
+                        <a:spcAft>
+                          <a:spcPts val="500"/>
+                        </a:spcAft>
+                        <a:buNone/>
+                      </a:pPr>
+                      <a:r>
+                        <a:rPr sz="1100">
+                          <a:solidFill>
+                            <a:srgbClr val="000000">
+                              <a:alpha val="100000"/>
+                            </a:srgbClr>
+                          </a:solidFill>
+                          <a:latin typeface="Arial"/>
+                        </a:rPr>
+                        <a:t>1</a:t>
+                      </a:r>
+                    </a:p>
+                  </a:txBody>
+                  <a:tcPr marL="0" marR="0" marT="0" marB="0">
+                    <a:lnL w="0" cap="flat" cmpd="sng" algn="ctr">
+                      <a:solidFill>
+                        <a:srgbClr val="FFFFFF">
+                          <a:alpha val="0"/>
+                        </a:srgbClr>
+                      </a:solidFill>
+                      <a:prstDash val="solid"/>
+                    </a:lnL>
+                    <a:lnR w="0" cap="flat" cmpd="sng" algn="ctr">
+                      <a:solidFill>
+                        <a:srgbClr val="FFFFFF">
+                          <a:alpha val="0"/>
+                        </a:srgbClr>
+                      </a:solidFill>
+                      <a:prstDash val="solid"/>
+                    </a:lnR>
+                    <a:lnT w="0" cap="flat" cmpd="sng" algn="ctr">
+                      <a:solidFill>
+                        <a:srgbClr val="FFFFFF">
+                          <a:alpha val="0"/>
+                        </a:srgbClr>
+                      </a:solidFill>
+                      <a:prstDash val="solid"/>
+                    </a:lnT>
+                    <a:lnB w="0" cap="flat" cmpd="sng" algn="ctr">
+                      <a:solidFill>
+                        <a:srgbClr val="FFFFFF">
+                          <a:alpha val="0"/>
+                        </a:srgbClr>
+                      </a:solidFill>
+                      <a:prstDash val="solid"/>
+                    </a:lnB>
+                  </a:tcPr>
+                </a:tc>
+                <a:tc>
+                  <a:txBody>
+                    <a:bodyPr/>
+                    <a:lstStyle/>
+                    <a:p>
+                      <a:pPr marL="63500" marR="63500" algn="ctr">
+                        <a:lnSpc>
+                          <a:spcPct val="100000"/>
+                        </a:lnSpc>
+                        <a:spcBef>
+                          <a:spcPts val="500"/>
+                        </a:spcBef>
+                        <a:spcAft>
+                          <a:spcPts val="500"/>
+                        </a:spcAft>
+                        <a:buNone/>
+                      </a:pPr>
+                      <a:endParaRPr/>
+                    </a:p>
+                  </a:txBody>
+                  <a:tcPr marL="0" marR="0" marT="0" marB="0" anchor="ctr">
+                    <a:lnL w="0" cap="flat" cmpd="sng" algn="ctr">
+                      <a:solidFill>
+                        <a:srgbClr val="FFFFFF">
+                          <a:alpha val="0"/>
+                        </a:srgbClr>
+                      </a:solidFill>
+                      <a:prstDash val="solid"/>
+                    </a:lnL>
+                    <a:lnR w="0" cap="flat" cmpd="sng" algn="ctr">
+                      <a:solidFill>
+                        <a:srgbClr val="FFFFFF">
+                          <a:alpha val="0"/>
+                        </a:srgbClr>
+                      </a:solidFill>
+                      <a:prstDash val="solid"/>
+                    </a:lnR>
+                    <a:lnT w="0" cap="flat" cmpd="sng" algn="ctr">
+                      <a:solidFill>
+                        <a:srgbClr val="FFFFFF">
+                          <a:alpha val="0"/>
+                        </a:srgbClr>
+                      </a:solidFill>
+                      <a:prstDash val="solid"/>
+                    </a:lnT>
+                    <a:lnB w="0" cap="flat" cmpd="sng" algn="ctr">
+                      <a:solidFill>
+                        <a:srgbClr val="FFFFFF">
+                          <a:alpha val="0"/>
+                        </a:srgbClr>
+                      </a:solidFill>
+                      <a:prstDash val="solid"/>
+                    </a:lnB>
+                  </a:tcPr>
+                </a:tc>
+                <a:tc>
+                  <a:txBody>
+                    <a:bodyPr/>
+                    <a:lstStyle/>
+                    <a:p>
+                      <a:pPr marL="63500" marR="63500" algn="ctr">
+                        <a:lnSpc>
+                          <a:spcPct val="100000"/>
+                        </a:lnSpc>
+                        <a:spcBef>
+                          <a:spcPts val="500"/>
+                        </a:spcBef>
+                        <a:spcAft>
+                          <a:spcPts val="500"/>
+                        </a:spcAft>
+                        <a:buNone/>
+                      </a:pPr>
+                      <a:r>
+                        <a:rPr sz="1100">
+                          <a:solidFill>
+                            <a:srgbClr val="000000">
+                              <a:alpha val="100000"/>
+                            </a:srgbClr>
+                          </a:solidFill>
+                          <a:latin typeface="Arial"/>
+                        </a:rPr>
+                        <a:t>39 (53%)</a:t>
+                      </a:r>
+                    </a:p>
+                  </a:txBody>
+                  <a:tcPr marL="0" marR="0" marT="0" marB="0" anchor="ctr">
+                    <a:lnL w="0" cap="flat" cmpd="sng" algn="ctr">
+                      <a:solidFill>
+                        <a:srgbClr val="FFFFFF">
+                          <a:alpha val="0"/>
+                        </a:srgbClr>
+                      </a:solidFill>
+                      <a:prstDash val="solid"/>
+                    </a:lnL>
+                    <a:lnR w="0" cap="flat" cmpd="sng" algn="ctr">
+                      <a:solidFill>
+                        <a:srgbClr val="FFFFFF">
+                          <a:alpha val="0"/>
+                        </a:srgbClr>
+                      </a:solidFill>
+                      <a:prstDash val="solid"/>
+                    </a:lnR>
+                    <a:lnT w="0" cap="flat" cmpd="sng" algn="ctr">
+                      <a:solidFill>
+                        <a:srgbClr val="FFFFFF">
+                          <a:alpha val="0"/>
+                        </a:srgbClr>
+                      </a:solidFill>
+                      <a:prstDash val="solid"/>
+                    </a:lnT>
+                    <a:lnB w="0" cap="flat" cmpd="sng" algn="ctr">
+                      <a:solidFill>
+                        <a:srgbClr val="FFFFFF">
+                          <a:alpha val="0"/>
+                        </a:srgbClr>
+                      </a:solidFill>
+                      <a:prstDash val="solid"/>
+                    </a:lnB>
+                  </a:tcPr>
+                </a:tc>
+                <a:tc>
+                  <a:txBody>
+                    <a:bodyPr/>
+                    <a:lstStyle/>
+                    <a:p>
+                      <a:pPr marL="63500" marR="63500" algn="ctr">
+                        <a:lnSpc>
+                          <a:spcPct val="100000"/>
+                        </a:lnSpc>
+                        <a:spcBef>
+                          <a:spcPts val="500"/>
+                        </a:spcBef>
+                        <a:spcAft>
+                          <a:spcPts val="500"/>
+                        </a:spcAft>
+                        <a:buNone/>
+                      </a:pPr>
+                      <a:r>
+                        <a:rPr sz="1100">
+                          <a:solidFill>
+                            <a:srgbClr val="000000">
+                              <a:alpha val="100000"/>
+                            </a:srgbClr>
+                          </a:solidFill>
+                          <a:latin typeface="Arial"/>
+                        </a:rPr>
+                        <a:t>68 (50%)</a:t>
+                      </a:r>
+                    </a:p>
+                  </a:txBody>
+                  <a:tcPr marL="0" marR="0" marT="0" marB="0" anchor="ctr">
+                    <a:lnL w="0" cap="flat" cmpd="sng" algn="ctr">
+                      <a:solidFill>
+                        <a:srgbClr val="FFFFFF">
+                          <a:alpha val="0"/>
+                        </a:srgbClr>
+                      </a:solidFill>
+                      <a:prstDash val="solid"/>
+                    </a:lnL>
+                    <a:lnR w="0" cap="flat" cmpd="sng" algn="ctr">
+                      <a:solidFill>
+                        <a:srgbClr val="FFFFFF">
+                          <a:alpha val="0"/>
+                        </a:srgbClr>
+                      </a:solidFill>
+                      <a:prstDash val="solid"/>
+                    </a:lnR>
+                    <a:lnT w="0" cap="flat" cmpd="sng" algn="ctr">
+                      <a:solidFill>
+                        <a:srgbClr val="FFFFFF">
+                          <a:alpha val="0"/>
+                        </a:srgbClr>
+                      </a:solidFill>
+                      <a:prstDash val="solid"/>
+                    </a:lnT>
+                    <a:lnB w="0" cap="flat" cmpd="sng" algn="ctr">
+                      <a:solidFill>
+                        <a:srgbClr val="FFFFFF">
+                          <a:alpha val="0"/>
+                        </a:srgbClr>
+                      </a:solidFill>
+                      <a:prstDash val="solid"/>
+                    </a:lnB>
+                  </a:tcPr>
+                </a:tc>
+                <a:tc>
+                  <a:txBody>
+                    <a:bodyPr/>
+                    <a:lstStyle/>
+                    <a:p>
+                      <a:pPr marL="63500" marR="63500" algn="ctr">
+                        <a:lnSpc>
+                          <a:spcPct val="100000"/>
+                        </a:lnSpc>
+                        <a:spcBef>
+                          <a:spcPts val="500"/>
+                        </a:spcBef>
+                        <a:spcAft>
+                          <a:spcPts val="500"/>
+                        </a:spcAft>
+                        <a:buNone/>
+                      </a:pPr>
+                      <a:endParaRPr/>
+                    </a:p>
+                  </a:txBody>
+                  <a:tcPr marL="0" marR="0" marT="0" marB="0" anchor="ctr">
+                    <a:lnL w="0" cap="flat" cmpd="sng" algn="ctr">
+                      <a:solidFill>
+                        <a:srgbClr val="FFFFFF">
+                          <a:alpha val="0"/>
+                        </a:srgbClr>
+                      </a:solidFill>
+                      <a:prstDash val="solid"/>
+                    </a:lnL>
+                    <a:lnR w="0" cap="flat" cmpd="sng" algn="ctr">
+                      <a:solidFill>
+                        <a:srgbClr val="FFFFFF">
+                          <a:alpha val="0"/>
+                        </a:srgbClr>
+                      </a:solidFill>
+                      <a:prstDash val="solid"/>
+                    </a:lnR>
+                    <a:lnT w="0" cap="flat" cmpd="sng" algn="ctr">
+                      <a:solidFill>
+                        <a:srgbClr val="FFFFFF">
+                          <a:alpha val="0"/>
+                        </a:srgbClr>
+                      </a:solidFill>
+                      <a:prstDash val="solid"/>
+                    </a:lnT>
+                    <a:lnB w="0" cap="flat" cmpd="sng" algn="ctr">
+                      <a:solidFill>
+                        <a:srgbClr val="FFFFFF">
+                          <a:alpha val="0"/>
+                        </a:srgbClr>
+                      </a:solidFill>
+                      <a:prstDash val="solid"/>
+                    </a:lnB>
+                  </a:tcPr>
+                </a:tc>
+                <a:extLst>
+                  <a:ext uri="{0D108BD9-81ED-4DB2-BD59-A6C34878D82A}">
+                    <a16:rowId xmlns:a16="http://schemas.microsoft.com/office/drawing/2014/main" val="10005"/>
+                  </a:ext>
+                </a:extLst>
+              </a:tr>
+              <a:tr h="391879">
+                <a:tc>
+                  <a:txBody>
+                    <a:bodyPr/>
+                    <a:lstStyle/>
+                    <a:p>
+                      <a:pPr marL="190500" marR="63500" algn="l">
+                        <a:lnSpc>
+                          <a:spcPct val="100000"/>
+                        </a:lnSpc>
+                        <a:spcBef>
+                          <a:spcPts val="500"/>
+                        </a:spcBef>
+                        <a:spcAft>
+                          <a:spcPts val="500"/>
+                        </a:spcAft>
+                        <a:buNone/>
+                      </a:pPr>
+                      <a:r>
+                        <a:rPr sz="1100">
+                          <a:solidFill>
+                            <a:srgbClr val="000000">
+                              <a:alpha val="100000"/>
+                            </a:srgbClr>
+                          </a:solidFill>
+                          <a:latin typeface="Arial"/>
+                        </a:rPr>
+                        <a:t>2</a:t>
+                      </a:r>
+                    </a:p>
+                  </a:txBody>
+                  <a:tcPr marL="0" marR="0" marT="0" marB="0">
+                    <a:lnL w="0" cap="flat" cmpd="sng" algn="ctr">
+                      <a:solidFill>
+                        <a:srgbClr val="FFFFFF">
+                          <a:alpha val="0"/>
+                        </a:srgbClr>
+                      </a:solidFill>
+                      <a:prstDash val="solid"/>
+                    </a:lnL>
+                    <a:lnR w="0" cap="flat" cmpd="sng" algn="ctr">
+                      <a:solidFill>
+                        <a:srgbClr val="FFFFFF">
+                          <a:alpha val="0"/>
+                        </a:srgbClr>
+                      </a:solidFill>
+                      <a:prstDash val="solid"/>
+                    </a:lnR>
+                    <a:lnT w="0" cap="flat" cmpd="sng" algn="ctr">
+                      <a:solidFill>
+                        <a:srgbClr val="FFFFFF">
+                          <a:alpha val="0"/>
+                        </a:srgbClr>
+                      </a:solidFill>
+                      <a:prstDash val="solid"/>
+                    </a:lnT>
+                    <a:lnB w="0" cap="flat" cmpd="sng" algn="ctr">
+                      <a:solidFill>
+                        <a:srgbClr val="FFFFFF">
+                          <a:alpha val="0"/>
+                        </a:srgbClr>
+                      </a:solidFill>
+                      <a:prstDash val="solid"/>
+                    </a:lnB>
+                  </a:tcPr>
+                </a:tc>
+                <a:tc>
+                  <a:txBody>
+                    <a:bodyPr/>
+                    <a:lstStyle/>
+                    <a:p>
+                      <a:pPr marL="63500" marR="63500" algn="ctr">
+                        <a:lnSpc>
+                          <a:spcPct val="100000"/>
+                        </a:lnSpc>
+                        <a:spcBef>
+                          <a:spcPts val="500"/>
+                        </a:spcBef>
+                        <a:spcAft>
+                          <a:spcPts val="500"/>
+                        </a:spcAft>
+                        <a:buNone/>
+                      </a:pPr>
+                      <a:endParaRPr/>
+                    </a:p>
+                  </a:txBody>
+                  <a:tcPr marL="0" marR="0" marT="0" marB="0" anchor="ctr">
+                    <a:lnL w="0" cap="flat" cmpd="sng" algn="ctr">
+                      <a:solidFill>
+                        <a:srgbClr val="FFFFFF">
+                          <a:alpha val="0"/>
+                        </a:srgbClr>
+                      </a:solidFill>
+                      <a:prstDash val="solid"/>
+                    </a:lnL>
+                    <a:lnR w="0" cap="flat" cmpd="sng" algn="ctr">
+                      <a:solidFill>
+                        <a:srgbClr val="FFFFFF">
+                          <a:alpha val="0"/>
+                        </a:srgbClr>
+                      </a:solidFill>
+                      <a:prstDash val="solid"/>
+                    </a:lnR>
+                    <a:lnT w="0" cap="flat" cmpd="sng" algn="ctr">
+                      <a:solidFill>
+                        <a:srgbClr val="FFFFFF">
+                          <a:alpha val="0"/>
+                        </a:srgbClr>
+                      </a:solidFill>
+                      <a:prstDash val="solid"/>
+                    </a:lnT>
+                    <a:lnB w="0" cap="flat" cmpd="sng" algn="ctr">
+                      <a:solidFill>
+                        <a:srgbClr val="FFFFFF">
+                          <a:alpha val="0"/>
+                        </a:srgbClr>
+                      </a:solidFill>
+                      <a:prstDash val="solid"/>
+                    </a:lnB>
+                  </a:tcPr>
+                </a:tc>
+                <a:tc>
+                  <a:txBody>
+                    <a:bodyPr/>
+                    <a:lstStyle/>
+                    <a:p>
+                      <a:pPr marL="63500" marR="63500" algn="ctr">
+                        <a:lnSpc>
+                          <a:spcPct val="100000"/>
+                        </a:lnSpc>
+                        <a:spcBef>
+                          <a:spcPts val="500"/>
+                        </a:spcBef>
+                        <a:spcAft>
+                          <a:spcPts val="500"/>
+                        </a:spcAft>
+                        <a:buNone/>
+                      </a:pPr>
+                      <a:r>
+                        <a:rPr sz="1100">
+                          <a:solidFill>
+                            <a:srgbClr val="000000">
+                              <a:alpha val="100000"/>
+                            </a:srgbClr>
+                          </a:solidFill>
+                          <a:latin typeface="Arial"/>
+                        </a:rPr>
+                        <a:t>35 (47%)</a:t>
+                      </a:r>
+                    </a:p>
+                  </a:txBody>
+                  <a:tcPr marL="0" marR="0" marT="0" marB="0" anchor="ctr">
+                    <a:lnL w="0" cap="flat" cmpd="sng" algn="ctr">
+                      <a:solidFill>
+                        <a:srgbClr val="FFFFFF">
+                          <a:alpha val="0"/>
+                        </a:srgbClr>
+                      </a:solidFill>
+                      <a:prstDash val="solid"/>
+                    </a:lnL>
+                    <a:lnR w="0" cap="flat" cmpd="sng" algn="ctr">
+                      <a:solidFill>
+                        <a:srgbClr val="FFFFFF">
+                          <a:alpha val="0"/>
+                        </a:srgbClr>
+                      </a:solidFill>
+                      <a:prstDash val="solid"/>
+                    </a:lnR>
+                    <a:lnT w="0" cap="flat" cmpd="sng" algn="ctr">
+                      <a:solidFill>
+                        <a:srgbClr val="FFFFFF">
+                          <a:alpha val="0"/>
+                        </a:srgbClr>
+                      </a:solidFill>
+                      <a:prstDash val="solid"/>
+                    </a:lnT>
+                    <a:lnB w="0" cap="flat" cmpd="sng" algn="ctr">
+                      <a:solidFill>
+                        <a:srgbClr val="FFFFFF">
+                          <a:alpha val="0"/>
+                        </a:srgbClr>
+                      </a:solidFill>
+                      <a:prstDash val="solid"/>
+                    </a:lnB>
+                  </a:tcPr>
+                </a:tc>
+                <a:tc>
+                  <a:txBody>
+                    <a:bodyPr/>
+                    <a:lstStyle/>
+                    <a:p>
+                      <a:pPr marL="63500" marR="63500" algn="ctr">
+                        <a:lnSpc>
+                          <a:spcPct val="100000"/>
+                        </a:lnSpc>
+                        <a:spcBef>
+                          <a:spcPts val="500"/>
+                        </a:spcBef>
+                        <a:spcAft>
+                          <a:spcPts val="500"/>
+                        </a:spcAft>
+                        <a:buNone/>
+                      </a:pPr>
+                      <a:r>
+                        <a:rPr sz="1100">
+                          <a:solidFill>
+                            <a:srgbClr val="000000">
+                              <a:alpha val="100000"/>
+                            </a:srgbClr>
+                          </a:solidFill>
+                          <a:latin typeface="Arial"/>
+                        </a:rPr>
+                        <a:t>68 (50%)</a:t>
+                      </a:r>
+                    </a:p>
+                  </a:txBody>
+                  <a:tcPr marL="0" marR="0" marT="0" marB="0" anchor="ctr">
+                    <a:lnL w="0" cap="flat" cmpd="sng" algn="ctr">
+                      <a:solidFill>
+                        <a:srgbClr val="FFFFFF">
+                          <a:alpha val="0"/>
+                        </a:srgbClr>
+                      </a:solidFill>
+                      <a:prstDash val="solid"/>
+                    </a:lnL>
+                    <a:lnR w="0" cap="flat" cmpd="sng" algn="ctr">
+                      <a:solidFill>
+                        <a:srgbClr val="FFFFFF">
+                          <a:alpha val="0"/>
+                        </a:srgbClr>
+                      </a:solidFill>
+                      <a:prstDash val="solid"/>
+                    </a:lnR>
+                    <a:lnT w="0" cap="flat" cmpd="sng" algn="ctr">
+                      <a:solidFill>
+                        <a:srgbClr val="FFFFFF">
+                          <a:alpha val="0"/>
+                        </a:srgbClr>
+                      </a:solidFill>
+                      <a:prstDash val="solid"/>
+                    </a:lnT>
+                    <a:lnB w="0" cap="flat" cmpd="sng" algn="ctr">
+                      <a:solidFill>
+                        <a:srgbClr val="FFFFFF">
+                          <a:alpha val="0"/>
+                        </a:srgbClr>
+                      </a:solidFill>
+                      <a:prstDash val="solid"/>
+                    </a:lnB>
+                  </a:tcPr>
+                </a:tc>
+                <a:tc>
+                  <a:txBody>
+                    <a:bodyPr/>
+                    <a:lstStyle/>
+                    <a:p>
+                      <a:pPr marL="63500" marR="63500" algn="ctr">
+                        <a:lnSpc>
+                          <a:spcPct val="100000"/>
+                        </a:lnSpc>
+                        <a:spcBef>
+                          <a:spcPts val="500"/>
+                        </a:spcBef>
+                        <a:spcAft>
+                          <a:spcPts val="500"/>
+                        </a:spcAft>
+                        <a:buNone/>
+                      </a:pPr>
+                      <a:endParaRPr/>
+                    </a:p>
+                  </a:txBody>
+                  <a:tcPr marL="0" marR="0" marT="0" marB="0" anchor="ctr">
+                    <a:lnL w="0" cap="flat" cmpd="sng" algn="ctr">
+                      <a:solidFill>
+                        <a:srgbClr val="FFFFFF">
+                          <a:alpha val="0"/>
+                        </a:srgbClr>
+                      </a:solidFill>
+                      <a:prstDash val="solid"/>
+                    </a:lnL>
+                    <a:lnR w="0" cap="flat" cmpd="sng" algn="ctr">
+                      <a:solidFill>
+                        <a:srgbClr val="FFFFFF">
+                          <a:alpha val="0"/>
+                        </a:srgbClr>
+                      </a:solidFill>
+                      <a:prstDash val="solid"/>
+                    </a:lnR>
+                    <a:lnT w="0" cap="flat" cmpd="sng" algn="ctr">
+                      <a:solidFill>
+                        <a:srgbClr val="FFFFFF">
+                          <a:alpha val="0"/>
+                        </a:srgbClr>
+                      </a:solidFill>
+                      <a:prstDash val="solid"/>
+                    </a:lnT>
+                    <a:lnB w="0" cap="flat" cmpd="sng" algn="ctr">
+                      <a:solidFill>
+                        <a:srgbClr val="FFFFFF">
+                          <a:alpha val="0"/>
+                        </a:srgbClr>
+                      </a:solidFill>
+                      <a:prstDash val="solid"/>
+                    </a:lnB>
+                  </a:tcPr>
+                </a:tc>
+                <a:extLst>
+                  <a:ext uri="{0D108BD9-81ED-4DB2-BD59-A6C34878D82A}">
+                    <a16:rowId xmlns:a16="http://schemas.microsoft.com/office/drawing/2014/main" val="10006"/>
+                  </a:ext>
+                </a:extLst>
+              </a:tr>
+              <a:tr h="362888">
+                <a:tc>
+                  <a:txBody>
+                    <a:bodyPr/>
+                    <a:lstStyle/>
+                    <a:p>
+                      <a:pPr marL="63500" marR="63500" algn="l">
+                        <a:lnSpc>
+                          <a:spcPct val="100000"/>
+                        </a:lnSpc>
+                        <a:spcBef>
+                          <a:spcPts val="500"/>
+                        </a:spcBef>
+                        <a:spcAft>
+                          <a:spcPts val="500"/>
+                        </a:spcAft>
+                        <a:buNone/>
+                      </a:pPr>
+                      <a:r>
+                        <a:rPr sz="1100" b="1">
+                          <a:solidFill>
+                            <a:srgbClr val="000000">
+                              <a:alpha val="100000"/>
+                            </a:srgbClr>
+                          </a:solidFill>
+                          <a:latin typeface="Arial"/>
+                        </a:rPr>
+                        <a:t>Metastasis</a:t>
+                      </a:r>
+                    </a:p>
+                  </a:txBody>
+                  <a:tcPr marL="0" marR="0" marT="0" marB="0">
+                    <a:lnL w="0" cap="flat" cmpd="sng" algn="ctr">
+                      <a:solidFill>
+                        <a:srgbClr val="FFFFFF">
+                          <a:alpha val="0"/>
+                        </a:srgbClr>
+                      </a:solidFill>
+                      <a:prstDash val="solid"/>
+                    </a:lnL>
+                    <a:lnR w="0" cap="flat" cmpd="sng" algn="ctr">
+                      <a:solidFill>
+                        <a:srgbClr val="FFFFFF">
+                          <a:alpha val="0"/>
+                        </a:srgbClr>
+                      </a:solidFill>
+                      <a:prstDash val="solid"/>
+                    </a:lnR>
+                    <a:lnT w="0" cap="flat" cmpd="sng" algn="ctr">
+                      <a:solidFill>
+                        <a:srgbClr val="FFFFFF">
+                          <a:alpha val="0"/>
+                        </a:srgbClr>
+                      </a:solidFill>
+                      <a:prstDash val="solid"/>
+                    </a:lnT>
+                    <a:lnB w="0" cap="flat" cmpd="sng" algn="ctr">
+                      <a:solidFill>
+                        <a:srgbClr val="FFFFFF">
+                          <a:alpha val="0"/>
+                        </a:srgbClr>
+                      </a:solidFill>
+                      <a:prstDash val="solid"/>
+                    </a:lnB>
+                  </a:tcPr>
+                </a:tc>
+                <a:tc>
+                  <a:txBody>
+                    <a:bodyPr/>
+                    <a:lstStyle/>
+                    <a:p>
+                      <a:pPr marL="63500" marR="63500" algn="ctr">
+                        <a:lnSpc>
+                          <a:spcPct val="100000"/>
+                        </a:lnSpc>
+                        <a:spcBef>
+                          <a:spcPts val="500"/>
+                        </a:spcBef>
+                        <a:spcAft>
+                          <a:spcPts val="500"/>
+                        </a:spcAft>
+                        <a:buNone/>
+                      </a:pPr>
+                      <a:r>
+                        <a:rPr sz="1100">
+                          <a:solidFill>
+                            <a:srgbClr val="000000">
+                              <a:alpha val="100000"/>
+                            </a:srgbClr>
+                          </a:solidFill>
+                          <a:latin typeface="Arial"/>
+                        </a:rPr>
+                        <a:t>210</a:t>
+                      </a:r>
+                    </a:p>
+                  </a:txBody>
+                  <a:tcPr marL="0" marR="0" marT="0" marB="0" anchor="ctr">
+                    <a:lnL w="0" cap="flat" cmpd="sng" algn="ctr">
+                      <a:solidFill>
+                        <a:srgbClr val="FFFFFF">
+                          <a:alpha val="0"/>
+                        </a:srgbClr>
+                      </a:solidFill>
+                      <a:prstDash val="solid"/>
+                    </a:lnL>
+                    <a:lnR w="0" cap="flat" cmpd="sng" algn="ctr">
+                      <a:solidFill>
+                        <a:srgbClr val="FFFFFF">
+                          <a:alpha val="0"/>
+                        </a:srgbClr>
+                      </a:solidFill>
+                      <a:prstDash val="solid"/>
+                    </a:lnR>
+                    <a:lnT w="0" cap="flat" cmpd="sng" algn="ctr">
+                      <a:solidFill>
+                        <a:srgbClr val="FFFFFF">
+                          <a:alpha val="0"/>
+                        </a:srgbClr>
+                      </a:solidFill>
+                      <a:prstDash val="solid"/>
+                    </a:lnT>
+                    <a:lnB w="0" cap="flat" cmpd="sng" algn="ctr">
+                      <a:solidFill>
+                        <a:srgbClr val="FFFFFF">
+                          <a:alpha val="0"/>
+                        </a:srgbClr>
+                      </a:solidFill>
+                      <a:prstDash val="solid"/>
+                    </a:lnB>
+                  </a:tcPr>
+                </a:tc>
+                <a:tc>
+                  <a:txBody>
+                    <a:bodyPr/>
+                    <a:lstStyle/>
+                    <a:p>
+                      <a:pPr marL="63500" marR="63500" algn="ctr">
+                        <a:lnSpc>
+                          <a:spcPct val="100000"/>
+                        </a:lnSpc>
+                        <a:spcBef>
+                          <a:spcPts val="500"/>
+                        </a:spcBef>
+                        <a:spcAft>
+                          <a:spcPts val="500"/>
+                        </a:spcAft>
+                        <a:buNone/>
+                      </a:pPr>
+                      <a:endParaRPr/>
+                    </a:p>
+                  </a:txBody>
+                  <a:tcPr marL="0" marR="0" marT="0" marB="0" anchor="ctr">
+                    <a:lnL w="0" cap="flat" cmpd="sng" algn="ctr">
+                      <a:solidFill>
+                        <a:srgbClr val="FFFFFF">
+                          <a:alpha val="0"/>
+                        </a:srgbClr>
+                      </a:solidFill>
+                      <a:prstDash val="solid"/>
+                    </a:lnL>
+                    <a:lnR w="0" cap="flat" cmpd="sng" algn="ctr">
+                      <a:solidFill>
+                        <a:srgbClr val="FFFFFF">
+                          <a:alpha val="0"/>
+                        </a:srgbClr>
+                      </a:solidFill>
+                      <a:prstDash val="solid"/>
+                    </a:lnR>
+                    <a:lnT w="0" cap="flat" cmpd="sng" algn="ctr">
+                      <a:solidFill>
+                        <a:srgbClr val="FFFFFF">
+                          <a:alpha val="0"/>
+                        </a:srgbClr>
+                      </a:solidFill>
+                      <a:prstDash val="solid"/>
+                    </a:lnT>
+                    <a:lnB w="0" cap="flat" cmpd="sng" algn="ctr">
+                      <a:solidFill>
+                        <a:srgbClr val="FFFFFF">
+                          <a:alpha val="0"/>
+                        </a:srgbClr>
+                      </a:solidFill>
+                      <a:prstDash val="solid"/>
+                    </a:lnB>
+                  </a:tcPr>
+                </a:tc>
+                <a:tc>
+                  <a:txBody>
+                    <a:bodyPr/>
+                    <a:lstStyle/>
+                    <a:p>
+                      <a:pPr marL="63500" marR="63500" algn="ctr">
+                        <a:lnSpc>
+                          <a:spcPct val="100000"/>
+                        </a:lnSpc>
+                        <a:spcBef>
+                          <a:spcPts val="500"/>
+                        </a:spcBef>
+                        <a:spcAft>
+                          <a:spcPts val="500"/>
+                        </a:spcAft>
+                        <a:buNone/>
+                      </a:pPr>
+                      <a:endParaRPr/>
+                    </a:p>
+                  </a:txBody>
+                  <a:tcPr marL="0" marR="0" marT="0" marB="0" anchor="ctr">
+                    <a:lnL w="0" cap="flat" cmpd="sng" algn="ctr">
+                      <a:solidFill>
+                        <a:srgbClr val="FFFFFF">
+                          <a:alpha val="0"/>
+                        </a:srgbClr>
+                      </a:solidFill>
+                      <a:prstDash val="solid"/>
+                    </a:lnL>
+                    <a:lnR w="0" cap="flat" cmpd="sng" algn="ctr">
+                      <a:solidFill>
+                        <a:srgbClr val="FFFFFF">
+                          <a:alpha val="0"/>
+                        </a:srgbClr>
+                      </a:solidFill>
+                      <a:prstDash val="solid"/>
+                    </a:lnR>
+                    <a:lnT w="0" cap="flat" cmpd="sng" algn="ctr">
+                      <a:solidFill>
+                        <a:srgbClr val="FFFFFF">
+                          <a:alpha val="0"/>
+                        </a:srgbClr>
+                      </a:solidFill>
+                      <a:prstDash val="solid"/>
+                    </a:lnT>
+                    <a:lnB w="0" cap="flat" cmpd="sng" algn="ctr">
+                      <a:solidFill>
+                        <a:srgbClr val="FFFFFF">
+                          <a:alpha val="0"/>
+                        </a:srgbClr>
+                      </a:solidFill>
+                      <a:prstDash val="solid"/>
+                    </a:lnB>
+                  </a:tcPr>
+                </a:tc>
+                <a:tc>
+                  <a:txBody>
+                    <a:bodyPr/>
+                    <a:lstStyle/>
+                    <a:p>
+                      <a:pPr marL="63500" marR="63500" algn="ctr">
+                        <a:lnSpc>
+                          <a:spcPct val="100000"/>
+                        </a:lnSpc>
+                        <a:spcBef>
+                          <a:spcPts val="500"/>
+                        </a:spcBef>
+                        <a:spcAft>
+                          <a:spcPts val="500"/>
+                        </a:spcAft>
+                        <a:buNone/>
+                      </a:pPr>
+                      <a:r>
+                        <a:rPr sz="1100">
+                          <a:solidFill>
+                            <a:srgbClr val="000000">
+                              <a:alpha val="100000"/>
+                            </a:srgbClr>
+                          </a:solidFill>
+                          <a:latin typeface="Arial"/>
+                        </a:rPr>
+                        <a:t>0.2</a:t>
+                      </a:r>
+                    </a:p>
+                  </a:txBody>
+                  <a:tcPr marL="0" marR="0" marT="0" marB="0" anchor="ctr">
+                    <a:lnL w="0" cap="flat" cmpd="sng" algn="ctr">
+                      <a:solidFill>
+                        <a:srgbClr val="FFFFFF">
+                          <a:alpha val="0"/>
+                        </a:srgbClr>
+                      </a:solidFill>
+                      <a:prstDash val="solid"/>
+                    </a:lnL>
+                    <a:lnR w="0" cap="flat" cmpd="sng" algn="ctr">
+                      <a:solidFill>
+                        <a:srgbClr val="FFFFFF">
+                          <a:alpha val="0"/>
+                        </a:srgbClr>
+                      </a:solidFill>
+                      <a:prstDash val="solid"/>
+                    </a:lnR>
+                    <a:lnT w="0" cap="flat" cmpd="sng" algn="ctr">
+                      <a:solidFill>
+                        <a:srgbClr val="FFFFFF">
+                          <a:alpha val="0"/>
+                        </a:srgbClr>
+                      </a:solidFill>
+                      <a:prstDash val="solid"/>
+                    </a:lnT>
+                    <a:lnB w="0" cap="flat" cmpd="sng" algn="ctr">
+                      <a:solidFill>
+                        <a:srgbClr val="FFFFFF">
+                          <a:alpha val="0"/>
+                        </a:srgbClr>
+                      </a:solidFill>
+                      <a:prstDash val="solid"/>
+                    </a:lnB>
+                  </a:tcPr>
+                </a:tc>
+                <a:extLst>
+                  <a:ext uri="{0D108BD9-81ED-4DB2-BD59-A6C34878D82A}">
+                    <a16:rowId xmlns:a16="http://schemas.microsoft.com/office/drawing/2014/main" val="10007"/>
+                  </a:ext>
+                </a:extLst>
+              </a:tr>
+              <a:tr h="391879">
+                <a:tc>
+                  <a:txBody>
+                    <a:bodyPr/>
+                    <a:lstStyle/>
+                    <a:p>
+                      <a:pPr marL="190500" marR="63500" algn="l">
+                        <a:lnSpc>
+                          <a:spcPct val="100000"/>
+                        </a:lnSpc>
+                        <a:spcBef>
+                          <a:spcPts val="500"/>
+                        </a:spcBef>
+                        <a:spcAft>
+                          <a:spcPts val="500"/>
+                        </a:spcAft>
+                        <a:buNone/>
+                      </a:pPr>
+                      <a:r>
+                        <a:rPr sz="1100">
+                          <a:solidFill>
+                            <a:srgbClr val="000000">
+                              <a:alpha val="100000"/>
+                            </a:srgbClr>
+                          </a:solidFill>
+                          <a:latin typeface="Arial"/>
+                        </a:rPr>
+                        <a:t>0</a:t>
+                      </a:r>
+                    </a:p>
+                  </a:txBody>
+                  <a:tcPr marL="0" marR="0" marT="0" marB="0">
+                    <a:lnL w="0" cap="flat" cmpd="sng" algn="ctr">
+                      <a:solidFill>
+                        <a:srgbClr val="FFFFFF">
+                          <a:alpha val="0"/>
+                        </a:srgbClr>
+                      </a:solidFill>
+                      <a:prstDash val="solid"/>
+                    </a:lnL>
+                    <a:lnR w="0" cap="flat" cmpd="sng" algn="ctr">
+                      <a:solidFill>
+                        <a:srgbClr val="FFFFFF">
+                          <a:alpha val="0"/>
+                        </a:srgbClr>
+                      </a:solidFill>
+                      <a:prstDash val="solid"/>
+                    </a:lnR>
+                    <a:lnT w="0" cap="flat" cmpd="sng" algn="ctr">
+                      <a:solidFill>
+                        <a:srgbClr val="FFFFFF">
+                          <a:alpha val="0"/>
+                        </a:srgbClr>
+                      </a:solidFill>
+                      <a:prstDash val="solid"/>
+                    </a:lnT>
+                    <a:lnB w="0" cap="flat" cmpd="sng" algn="ctr">
+                      <a:solidFill>
+                        <a:srgbClr val="FFFFFF">
+                          <a:alpha val="0"/>
+                        </a:srgbClr>
+                      </a:solidFill>
+                      <a:prstDash val="solid"/>
+                    </a:lnB>
+                  </a:tcPr>
+                </a:tc>
+                <a:tc>
+                  <a:txBody>
+                    <a:bodyPr/>
+                    <a:lstStyle/>
+                    <a:p>
+                      <a:pPr marL="63500" marR="63500" algn="ctr">
+                        <a:lnSpc>
+                          <a:spcPct val="100000"/>
+                        </a:lnSpc>
+                        <a:spcBef>
+                          <a:spcPts val="500"/>
+                        </a:spcBef>
+                        <a:spcAft>
+                          <a:spcPts val="500"/>
+                        </a:spcAft>
+                        <a:buNone/>
+                      </a:pPr>
+                      <a:endParaRPr/>
+                    </a:p>
+                  </a:txBody>
+                  <a:tcPr marL="0" marR="0" marT="0" marB="0" anchor="ctr">
+                    <a:lnL w="0" cap="flat" cmpd="sng" algn="ctr">
+                      <a:solidFill>
+                        <a:srgbClr val="FFFFFF">
+                          <a:alpha val="0"/>
+                        </a:srgbClr>
+                      </a:solidFill>
+                      <a:prstDash val="solid"/>
+                    </a:lnL>
+                    <a:lnR w="0" cap="flat" cmpd="sng" algn="ctr">
+                      <a:solidFill>
+                        <a:srgbClr val="FFFFFF">
+                          <a:alpha val="0"/>
+                        </a:srgbClr>
+                      </a:solidFill>
+                      <a:prstDash val="solid"/>
+                    </a:lnR>
+                    <a:lnT w="0" cap="flat" cmpd="sng" algn="ctr">
+                      <a:solidFill>
+                        <a:srgbClr val="FFFFFF">
+                          <a:alpha val="0"/>
+                        </a:srgbClr>
+                      </a:solidFill>
+                      <a:prstDash val="solid"/>
+                    </a:lnT>
+                    <a:lnB w="0" cap="flat" cmpd="sng" algn="ctr">
+                      <a:solidFill>
+                        <a:srgbClr val="FFFFFF">
+                          <a:alpha val="0"/>
+                        </a:srgbClr>
+                      </a:solidFill>
+                      <a:prstDash val="solid"/>
+                    </a:lnB>
+                  </a:tcPr>
+                </a:tc>
+                <a:tc>
+                  <a:txBody>
+                    <a:bodyPr/>
+                    <a:lstStyle/>
+                    <a:p>
+                      <a:pPr marL="63500" marR="63500" algn="ctr">
+                        <a:lnSpc>
+                          <a:spcPct val="100000"/>
+                        </a:lnSpc>
+                        <a:spcBef>
+                          <a:spcPts val="500"/>
+                        </a:spcBef>
+                        <a:spcAft>
+                          <a:spcPts val="500"/>
+                        </a:spcAft>
+                        <a:buNone/>
+                      </a:pPr>
+                      <a:r>
+                        <a:rPr sz="1100">
+                          <a:solidFill>
+                            <a:srgbClr val="000000">
+                              <a:alpha val="100000"/>
+                            </a:srgbClr>
+                          </a:solidFill>
+                          <a:latin typeface="Arial"/>
+                        </a:rPr>
+                        <a:t>44 (59%)</a:t>
+                      </a:r>
+                    </a:p>
+                  </a:txBody>
+                  <a:tcPr marL="0" marR="0" marT="0" marB="0" anchor="ctr">
+                    <a:lnL w="0" cap="flat" cmpd="sng" algn="ctr">
+                      <a:solidFill>
+                        <a:srgbClr val="FFFFFF">
+                          <a:alpha val="0"/>
+                        </a:srgbClr>
+                      </a:solidFill>
+                      <a:prstDash val="solid"/>
+                    </a:lnL>
+                    <a:lnR w="0" cap="flat" cmpd="sng" algn="ctr">
+                      <a:solidFill>
+                        <a:srgbClr val="FFFFFF">
+                          <a:alpha val="0"/>
+                        </a:srgbClr>
+                      </a:solidFill>
+                      <a:prstDash val="solid"/>
+                    </a:lnR>
+                    <a:lnT w="0" cap="flat" cmpd="sng" algn="ctr">
+                      <a:solidFill>
+                        <a:srgbClr val="FFFFFF">
+                          <a:alpha val="0"/>
+                        </a:srgbClr>
+                      </a:solidFill>
+                      <a:prstDash val="solid"/>
+                    </a:lnT>
+                    <a:lnB w="0" cap="flat" cmpd="sng" algn="ctr">
+                      <a:solidFill>
+                        <a:srgbClr val="FFFFFF">
+                          <a:alpha val="0"/>
+                        </a:srgbClr>
+                      </a:solidFill>
+                      <a:prstDash val="solid"/>
+                    </a:lnB>
+                  </a:tcPr>
+                </a:tc>
+                <a:tc>
+                  <a:txBody>
+                    <a:bodyPr/>
+                    <a:lstStyle/>
+                    <a:p>
+                      <a:pPr marL="63500" marR="63500" algn="ctr">
+                        <a:lnSpc>
+                          <a:spcPct val="100000"/>
+                        </a:lnSpc>
+                        <a:spcBef>
+                          <a:spcPts val="500"/>
+                        </a:spcBef>
+                        <a:spcAft>
+                          <a:spcPts val="500"/>
+                        </a:spcAft>
+                        <a:buNone/>
+                      </a:pPr>
+                      <a:r>
+                        <a:rPr sz="1100">
+                          <a:solidFill>
+                            <a:srgbClr val="000000">
+                              <a:alpha val="100000"/>
+                            </a:srgbClr>
+                          </a:solidFill>
+                          <a:latin typeface="Arial"/>
+                        </a:rPr>
+                        <a:t>67 (49%)</a:t>
+                      </a:r>
+                    </a:p>
+                  </a:txBody>
+                  <a:tcPr marL="0" marR="0" marT="0" marB="0" anchor="ctr">
+                    <a:lnL w="0" cap="flat" cmpd="sng" algn="ctr">
+                      <a:solidFill>
+                        <a:srgbClr val="FFFFFF">
+                          <a:alpha val="0"/>
+                        </a:srgbClr>
+                      </a:solidFill>
+                      <a:prstDash val="solid"/>
+                    </a:lnL>
+                    <a:lnR w="0" cap="flat" cmpd="sng" algn="ctr">
+                      <a:solidFill>
+                        <a:srgbClr val="FFFFFF">
+                          <a:alpha val="0"/>
+                        </a:srgbClr>
+                      </a:solidFill>
+                      <a:prstDash val="solid"/>
+                    </a:lnR>
+                    <a:lnT w="0" cap="flat" cmpd="sng" algn="ctr">
+                      <a:solidFill>
+                        <a:srgbClr val="FFFFFF">
+                          <a:alpha val="0"/>
+                        </a:srgbClr>
+                      </a:solidFill>
+                      <a:prstDash val="solid"/>
+                    </a:lnT>
+                    <a:lnB w="0" cap="flat" cmpd="sng" algn="ctr">
+                      <a:solidFill>
+                        <a:srgbClr val="FFFFFF">
+                          <a:alpha val="0"/>
+                        </a:srgbClr>
+                      </a:solidFill>
+                      <a:prstDash val="solid"/>
+                    </a:lnB>
+                  </a:tcPr>
+                </a:tc>
+                <a:tc>
+                  <a:txBody>
+                    <a:bodyPr/>
+                    <a:lstStyle/>
+                    <a:p>
+                      <a:pPr marL="63500" marR="63500" algn="ctr">
+                        <a:lnSpc>
+                          <a:spcPct val="100000"/>
+                        </a:lnSpc>
+                        <a:spcBef>
+                          <a:spcPts val="500"/>
+                        </a:spcBef>
+                        <a:spcAft>
+                          <a:spcPts val="500"/>
+                        </a:spcAft>
+                        <a:buNone/>
+                      </a:pPr>
+                      <a:endParaRPr/>
+                    </a:p>
+                  </a:txBody>
+                  <a:tcPr marL="0" marR="0" marT="0" marB="0" anchor="ctr">
+                    <a:lnL w="0" cap="flat" cmpd="sng" algn="ctr">
+                      <a:solidFill>
+                        <a:srgbClr val="FFFFFF">
+                          <a:alpha val="0"/>
+                        </a:srgbClr>
+                      </a:solidFill>
+                      <a:prstDash val="solid"/>
+                    </a:lnL>
+                    <a:lnR w="0" cap="flat" cmpd="sng" algn="ctr">
+                      <a:solidFill>
+                        <a:srgbClr val="FFFFFF">
+                          <a:alpha val="0"/>
+                        </a:srgbClr>
+                      </a:solidFill>
+                      <a:prstDash val="solid"/>
+                    </a:lnR>
+                    <a:lnT w="0" cap="flat" cmpd="sng" algn="ctr">
+                      <a:solidFill>
+                        <a:srgbClr val="FFFFFF">
+                          <a:alpha val="0"/>
+                        </a:srgbClr>
+                      </a:solidFill>
+                      <a:prstDash val="solid"/>
+                    </a:lnT>
+                    <a:lnB w="0" cap="flat" cmpd="sng" algn="ctr">
+                      <a:solidFill>
+                        <a:srgbClr val="FFFFFF">
+                          <a:alpha val="0"/>
+                        </a:srgbClr>
+                      </a:solidFill>
+                      <a:prstDash val="solid"/>
+                    </a:lnB>
+                  </a:tcPr>
+                </a:tc>
+                <a:extLst>
+                  <a:ext uri="{0D108BD9-81ED-4DB2-BD59-A6C34878D82A}">
+                    <a16:rowId xmlns:a16="http://schemas.microsoft.com/office/drawing/2014/main" val="10008"/>
+                  </a:ext>
+                </a:extLst>
+              </a:tr>
+              <a:tr h="391879">
+                <a:tc>
+                  <a:txBody>
+                    <a:bodyPr/>
+                    <a:lstStyle/>
+                    <a:p>
+                      <a:pPr marL="190500" marR="63500" algn="l">
+                        <a:lnSpc>
+                          <a:spcPct val="100000"/>
+                        </a:lnSpc>
+                        <a:spcBef>
+                          <a:spcPts val="500"/>
+                        </a:spcBef>
+                        <a:spcAft>
+                          <a:spcPts val="500"/>
+                        </a:spcAft>
+                        <a:buNone/>
+                      </a:pPr>
+                      <a:r>
+                        <a:rPr sz="1100">
+                          <a:solidFill>
+                            <a:srgbClr val="000000">
+                              <a:alpha val="100000"/>
+                            </a:srgbClr>
+                          </a:solidFill>
+                          <a:latin typeface="Arial"/>
+                        </a:rPr>
+                        <a:t>1</a:t>
+                      </a:r>
+                    </a:p>
+                  </a:txBody>
+                  <a:tcPr marL="0" marR="0" marT="0" marB="0">
+                    <a:lnL w="0" cap="flat" cmpd="sng" algn="ctr">
+                      <a:solidFill>
+                        <a:srgbClr val="FFFFFF">
+                          <a:alpha val="0"/>
+                        </a:srgbClr>
+                      </a:solidFill>
+                      <a:prstDash val="solid"/>
+                    </a:lnL>
+                    <a:lnR w="0" cap="flat" cmpd="sng" algn="ctr">
+                      <a:solidFill>
+                        <a:srgbClr val="FFFFFF">
+                          <a:alpha val="0"/>
+                        </a:srgbClr>
+                      </a:solidFill>
+                      <a:prstDash val="solid"/>
+                    </a:lnR>
+                    <a:lnT w="0" cap="flat" cmpd="sng" algn="ctr">
+                      <a:solidFill>
+                        <a:srgbClr val="FFFFFF">
+                          <a:alpha val="0"/>
+                        </a:srgbClr>
+                      </a:solidFill>
+                      <a:prstDash val="solid"/>
+                    </a:lnT>
+                    <a:lnB w="12700" cap="flat" cmpd="sng" algn="ctr">
+                      <a:solidFill>
+                        <a:srgbClr val="000000">
+                          <a:alpha val="100000"/>
+                        </a:srgbClr>
+                      </a:solidFill>
+                      <a:prstDash val="solid"/>
+                    </a:lnB>
+                  </a:tcPr>
+                </a:tc>
+                <a:tc>
+                  <a:txBody>
+                    <a:bodyPr/>
+                    <a:lstStyle/>
+                    <a:p>
+                      <a:pPr marL="63500" marR="63500" algn="ctr">
+                        <a:lnSpc>
+                          <a:spcPct val="100000"/>
+                        </a:lnSpc>
+                        <a:spcBef>
+                          <a:spcPts val="500"/>
+                        </a:spcBef>
+                        <a:spcAft>
+                          <a:spcPts val="500"/>
+                        </a:spcAft>
+                        <a:buNone/>
+                      </a:pPr>
+                      <a:endParaRPr/>
+                    </a:p>
+                  </a:txBody>
+                  <a:tcPr marL="0" marR="0" marT="0" marB="0" anchor="ctr">
+                    <a:lnL w="0" cap="flat" cmpd="sng" algn="ctr">
+                      <a:solidFill>
+                        <a:srgbClr val="FFFFFF">
+                          <a:alpha val="0"/>
+                        </a:srgbClr>
+                      </a:solidFill>
+                      <a:prstDash val="solid"/>
+                    </a:lnL>
+                    <a:lnR w="0" cap="flat" cmpd="sng" algn="ctr">
+                      <a:solidFill>
+                        <a:srgbClr val="FFFFFF">
+                          <a:alpha val="0"/>
+                        </a:srgbClr>
+                      </a:solidFill>
+                      <a:prstDash val="solid"/>
+                    </a:lnR>
+                    <a:lnT w="0" cap="flat" cmpd="sng" algn="ctr">
+                      <a:solidFill>
+                        <a:srgbClr val="FFFFFF">
+                          <a:alpha val="0"/>
+                        </a:srgbClr>
+                      </a:solidFill>
+                      <a:prstDash val="solid"/>
+                    </a:lnT>
+                    <a:lnB w="12700" cap="flat" cmpd="sng" algn="ctr">
+                      <a:solidFill>
+                        <a:srgbClr val="000000">
+                          <a:alpha val="100000"/>
+                        </a:srgbClr>
+                      </a:solidFill>
+                      <a:prstDash val="solid"/>
+                    </a:lnB>
+                  </a:tcPr>
+                </a:tc>
+                <a:tc>
+                  <a:txBody>
+                    <a:bodyPr/>
+                    <a:lstStyle/>
+                    <a:p>
+                      <a:pPr marL="63500" marR="63500" algn="ctr">
+                        <a:lnSpc>
+                          <a:spcPct val="100000"/>
+                        </a:lnSpc>
+                        <a:spcBef>
+                          <a:spcPts val="500"/>
+                        </a:spcBef>
+                        <a:spcAft>
+                          <a:spcPts val="500"/>
+                        </a:spcAft>
+                        <a:buNone/>
+                      </a:pPr>
+                      <a:r>
+                        <a:rPr sz="1100">
+                          <a:solidFill>
+                            <a:srgbClr val="000000">
+                              <a:alpha val="100000"/>
+                            </a:srgbClr>
+                          </a:solidFill>
+                          <a:latin typeface="Arial"/>
+                        </a:rPr>
+                        <a:t>30 (41%)</a:t>
+                      </a:r>
+                    </a:p>
+                  </a:txBody>
+                  <a:tcPr marL="0" marR="0" marT="0" marB="0" anchor="ctr">
+                    <a:lnL w="0" cap="flat" cmpd="sng" algn="ctr">
+                      <a:solidFill>
+                        <a:srgbClr val="FFFFFF">
+                          <a:alpha val="0"/>
+                        </a:srgbClr>
+                      </a:solidFill>
+                      <a:prstDash val="solid"/>
+                    </a:lnL>
+                    <a:lnR w="0" cap="flat" cmpd="sng" algn="ctr">
+                      <a:solidFill>
+                        <a:srgbClr val="FFFFFF">
+                          <a:alpha val="0"/>
+                        </a:srgbClr>
+                      </a:solidFill>
+                      <a:prstDash val="solid"/>
+                    </a:lnR>
+                    <a:lnT w="0" cap="flat" cmpd="sng" algn="ctr">
+                      <a:solidFill>
+                        <a:srgbClr val="FFFFFF">
+                          <a:alpha val="0"/>
+                        </a:srgbClr>
+                      </a:solidFill>
+                      <a:prstDash val="solid"/>
+                    </a:lnT>
+                    <a:lnB w="12700" cap="flat" cmpd="sng" algn="ctr">
+                      <a:solidFill>
+                        <a:srgbClr val="000000">
+                          <a:alpha val="100000"/>
+                        </a:srgbClr>
+                      </a:solidFill>
+                      <a:prstDash val="solid"/>
+                    </a:lnB>
+                  </a:tcPr>
+                </a:tc>
+                <a:tc>
+                  <a:txBody>
+                    <a:bodyPr/>
+                    <a:lstStyle/>
+                    <a:p>
+                      <a:pPr marL="63500" marR="63500" algn="ctr">
+                        <a:lnSpc>
+                          <a:spcPct val="100000"/>
+                        </a:lnSpc>
+                        <a:spcBef>
+                          <a:spcPts val="500"/>
+                        </a:spcBef>
+                        <a:spcAft>
+                          <a:spcPts val="500"/>
+                        </a:spcAft>
+                        <a:buNone/>
+                      </a:pPr>
+                      <a:r>
+                        <a:rPr sz="1100">
+                          <a:solidFill>
+                            <a:srgbClr val="000000">
+                              <a:alpha val="100000"/>
+                            </a:srgbClr>
+                          </a:solidFill>
+                          <a:latin typeface="Arial"/>
+                        </a:rPr>
+                        <a:t>69 (51%)</a:t>
+                      </a:r>
+                    </a:p>
+                  </a:txBody>
+                  <a:tcPr marL="0" marR="0" marT="0" marB="0" anchor="ctr">
+                    <a:lnL w="0" cap="flat" cmpd="sng" algn="ctr">
+                      <a:solidFill>
+                        <a:srgbClr val="FFFFFF">
+                          <a:alpha val="0"/>
+                        </a:srgbClr>
+                      </a:solidFill>
+                      <a:prstDash val="solid"/>
+                    </a:lnL>
+                    <a:lnR w="0" cap="flat" cmpd="sng" algn="ctr">
+                      <a:solidFill>
+                        <a:srgbClr val="FFFFFF">
+                          <a:alpha val="0"/>
+                        </a:srgbClr>
+                      </a:solidFill>
+                      <a:prstDash val="solid"/>
+                    </a:lnR>
+                    <a:lnT w="0" cap="flat" cmpd="sng" algn="ctr">
+                      <a:solidFill>
+                        <a:srgbClr val="FFFFFF">
+                          <a:alpha val="0"/>
+                        </a:srgbClr>
+                      </a:solidFill>
+                      <a:prstDash val="solid"/>
+                    </a:lnT>
+                    <a:lnB w="12700" cap="flat" cmpd="sng" algn="ctr">
+                      <a:solidFill>
+                        <a:srgbClr val="000000">
+                          <a:alpha val="100000"/>
+                        </a:srgbClr>
+                      </a:solidFill>
+                      <a:prstDash val="solid"/>
+                    </a:lnB>
+                  </a:tcPr>
+                </a:tc>
+                <a:tc>
+                  <a:txBody>
+                    <a:bodyPr/>
+                    <a:lstStyle/>
+                    <a:p>
+                      <a:pPr marL="63500" marR="63500" algn="ctr">
+                        <a:lnSpc>
+                          <a:spcPct val="100000"/>
+                        </a:lnSpc>
+                        <a:spcBef>
+                          <a:spcPts val="500"/>
+                        </a:spcBef>
+                        <a:spcAft>
+                          <a:spcPts val="500"/>
+                        </a:spcAft>
+                        <a:buNone/>
+                      </a:pPr>
+                      <a:endParaRPr/>
+                    </a:p>
+                  </a:txBody>
+                  <a:tcPr marL="0" marR="0" marT="0" marB="0" anchor="ctr">
+                    <a:lnL w="0" cap="flat" cmpd="sng" algn="ctr">
+                      <a:solidFill>
+                        <a:srgbClr val="FFFFFF">
+                          <a:alpha val="0"/>
+                        </a:srgbClr>
+                      </a:solidFill>
+                      <a:prstDash val="solid"/>
+                    </a:lnL>
+                    <a:lnR w="0" cap="flat" cmpd="sng" algn="ctr">
+                      <a:solidFill>
+                        <a:srgbClr val="FFFFFF">
+                          <a:alpha val="0"/>
+                        </a:srgbClr>
+                      </a:solidFill>
+                      <a:prstDash val="solid"/>
+                    </a:lnR>
+                    <a:lnT w="0" cap="flat" cmpd="sng" algn="ctr">
+                      <a:solidFill>
+                        <a:srgbClr val="FFFFFF">
+                          <a:alpha val="0"/>
+                        </a:srgbClr>
+                      </a:solidFill>
+                      <a:prstDash val="solid"/>
+                    </a:lnT>
+                    <a:lnB w="12700" cap="flat" cmpd="sng" algn="ctr">
+                      <a:solidFill>
+                        <a:srgbClr val="000000">
+                          <a:alpha val="100000"/>
+                        </a:srgbClr>
+                      </a:solidFill>
+                      <a:prstDash val="solid"/>
+                    </a:lnB>
+                  </a:tcPr>
+                </a:tc>
+                <a:extLst>
+                  <a:ext uri="{0D108BD9-81ED-4DB2-BD59-A6C34878D82A}">
+                    <a16:rowId xmlns:a16="http://schemas.microsoft.com/office/drawing/2014/main" val="10009"/>
+                  </a:ext>
+                </a:extLst>
+              </a:tr>
+              <a:tr h="228600">
+                <a:tc gridSpan="5">
+                  <a:txBody>
+                    <a:bodyPr/>
+                    <a:lstStyle/>
+                    <a:p>
+                      <a:pPr marL="63500" marR="63500" algn="l">
+                        <a:lnSpc>
+                          <a:spcPct val="100000"/>
+                        </a:lnSpc>
+                        <a:spcBef>
+                          <a:spcPts val="500"/>
+                        </a:spcBef>
+                        <a:spcAft>
+                          <a:spcPts val="500"/>
+                        </a:spcAft>
+                        <a:buNone/>
+                      </a:pPr>
+                      <a:r>
+                        <a:rPr sz="1100" baseline="40000">
+                          <a:solidFill>
+                            <a:srgbClr val="000000">
+                              <a:alpha val="100000"/>
+                            </a:srgbClr>
+                          </a:solidFill>
+                          <a:latin typeface="Arial"/>
+                        </a:rPr>
+                        <a:t>1</a:t>
+                      </a:r>
+                      <a:r>
+                        <a:rPr sz="1100">
+                          <a:solidFill>
+                            <a:srgbClr val="000000">
+                              <a:alpha val="100000"/>
+                            </a:srgbClr>
+                          </a:solidFill>
+                          <a:latin typeface="Arial"/>
+                        </a:rPr>
+                        <a:t>n (%)</a:t>
+                      </a:r>
+                    </a:p>
+                  </a:txBody>
+                  <a:tcPr marL="0" marR="0" marT="0" marB="0" anchor="ctr">
+                    <a:lnL w="0" cap="flat" cmpd="sng" algn="ctr">
+                      <a:solidFill>
+                        <a:srgbClr val="FFFFFF">
+                          <a:alpha val="0"/>
+                        </a:srgbClr>
+                      </a:solidFill>
+                      <a:prstDash val="solid"/>
+                    </a:lnL>
+                    <a:lnR w="0" cap="flat" cmpd="sng" algn="ctr">
+                      <a:solidFill>
+                        <a:srgbClr val="FFFFFF">
+                          <a:alpha val="0"/>
+                        </a:srgbClr>
+                      </a:solidFill>
+                      <a:prstDash val="solid"/>
+                    </a:lnR>
+                    <a:lnT w="12700" cap="flat" cmpd="sng" algn="ctr">
+                      <a:solidFill>
+                        <a:srgbClr val="000000"/>
+                      </a:solidFill>
+                      <a:prstDash val="solid"/>
+                      <a:round/>
+                      <a:headEnd type="none" w="med" len="med"/>
+                      <a:tailEnd type="none" w="med" len="med"/>
+                    </a:lnT>
+                    <a:lnB w="0" cap="flat" cmpd="sng" algn="ctr">
+                      <a:solidFill>
+                        <a:srgbClr val="FFFFFF">
+                          <a:alpha val="0"/>
+                        </a:srgbClr>
+                      </a:solidFill>
+                      <a:prstDash val="solid"/>
+                    </a:lnB>
+                  </a:tcPr>
+                </a:tc>
+                <a:tc hMerge="1">
+                  <a:txBody>
+                    <a:bodyPr/>
+                    <a:lstStyle/>
+                    <a:p>
+                      <a:pPr marL="63500" marR="63500" algn="l">
+                        <a:lnSpc>
+                          <a:spcPct val="100000"/>
+                        </a:lnSpc>
+                        <a:spcBef>
+                          <a:spcPts val="500"/>
+                        </a:spcBef>
+                        <a:spcAft>
+                          <a:spcPts val="500"/>
+                        </a:spcAft>
+                        <a:buNone/>
+                      </a:pPr>
+                      <a:r>
+                        <a:rPr sz="1100">
+                          <a:solidFill>
+                            <a:srgbClr val="000000">
+                              <a:alpha val="100000"/>
+                            </a:srgbClr>
+                          </a:solidFill>
+                          <a:latin typeface="Arial"/>
+                        </a:rPr>
+                        <a:t>1</a:t>
+                      </a:r>
+                    </a:p>
+                  </a:txBody>
+                  <a:tcPr marL="0" marR="0" marT="0" marB="0" anchor="ctr">
+                    <a:lnL w="0" cap="flat" cmpd="sng" algn="ctr">
+                      <a:solidFill>
+                        <a:srgbClr val="FFFFFF">
+                          <a:alpha val="0"/>
+                        </a:srgbClr>
+                      </a:solidFill>
+                      <a:prstDash val="solid"/>
+                    </a:lnL>
+                    <a:lnR w="0" cap="flat" cmpd="sng" algn="ctr">
+                      <a:solidFill>
+                        <a:srgbClr val="FFFFFF">
+                          <a:alpha val="0"/>
+                        </a:srgbClr>
+                      </a:solidFill>
+                      <a:prstDash val="solid"/>
+                    </a:lnR>
+                    <a:lnT w="0" cap="flat" cmpd="sng" algn="ctr">
+                      <a:solidFill>
+                        <a:srgbClr val="FFFFFF">
+                          <a:alpha val="0"/>
+                        </a:srgbClr>
+                      </a:solidFill>
+                      <a:prstDash val="solid"/>
+                    </a:lnT>
+                    <a:lnB w="0" cap="flat" cmpd="sng" algn="ctr">
+                      <a:solidFill>
+                        <a:srgbClr val="FFFFFF">
+                          <a:alpha val="0"/>
+                        </a:srgbClr>
+                      </a:solidFill>
+                      <a:prstDash val="solid"/>
+                    </a:lnB>
+                  </a:tcPr>
+                </a:tc>
+                <a:tc hMerge="1">
+                  <a:txBody>
+                    <a:bodyPr/>
+                    <a:lstStyle/>
+                    <a:p>
+                      <a:pPr marL="63500" marR="63500" algn="l">
+                        <a:lnSpc>
+                          <a:spcPct val="100000"/>
+                        </a:lnSpc>
+                        <a:spcBef>
+                          <a:spcPts val="500"/>
+                        </a:spcBef>
+                        <a:spcAft>
+                          <a:spcPts val="500"/>
+                        </a:spcAft>
+                        <a:buNone/>
+                      </a:pPr>
+                      <a:r>
+                        <a:rPr sz="1100">
+                          <a:solidFill>
+                            <a:srgbClr val="000000">
+                              <a:alpha val="100000"/>
+                            </a:srgbClr>
+                          </a:solidFill>
+                          <a:latin typeface="Arial"/>
+                        </a:rPr>
+                        <a:t>1</a:t>
+                      </a:r>
+                    </a:p>
+                  </a:txBody>
+                  <a:tcPr marL="0" marR="0" marT="0" marB="0" anchor="ctr">
+                    <a:lnL w="0" cap="flat" cmpd="sng" algn="ctr">
+                      <a:solidFill>
+                        <a:srgbClr val="FFFFFF">
+                          <a:alpha val="0"/>
+                        </a:srgbClr>
+                      </a:solidFill>
+                      <a:prstDash val="solid"/>
+                    </a:lnL>
+                    <a:lnR w="0" cap="flat" cmpd="sng" algn="ctr">
+                      <a:solidFill>
+                        <a:srgbClr val="FFFFFF">
+                          <a:alpha val="0"/>
+                        </a:srgbClr>
+                      </a:solidFill>
+                      <a:prstDash val="solid"/>
+                    </a:lnR>
+                    <a:lnT w="0" cap="flat" cmpd="sng" algn="ctr">
+                      <a:solidFill>
+                        <a:srgbClr val="FFFFFF">
+                          <a:alpha val="0"/>
+                        </a:srgbClr>
+                      </a:solidFill>
+                      <a:prstDash val="solid"/>
+                    </a:lnT>
+                    <a:lnB w="0" cap="flat" cmpd="sng" algn="ctr">
+                      <a:solidFill>
+                        <a:srgbClr val="FFFFFF">
+                          <a:alpha val="0"/>
+                        </a:srgbClr>
+                      </a:solidFill>
+                      <a:prstDash val="solid"/>
+                    </a:lnB>
+                  </a:tcPr>
+                </a:tc>
+                <a:tc hMerge="1">
+                  <a:txBody>
+                    <a:bodyPr/>
+                    <a:lstStyle/>
+                    <a:p>
+                      <a:pPr marL="63500" marR="63500" algn="l">
+                        <a:lnSpc>
+                          <a:spcPct val="100000"/>
+                        </a:lnSpc>
+                        <a:spcBef>
+                          <a:spcPts val="500"/>
+                        </a:spcBef>
+                        <a:spcAft>
+                          <a:spcPts val="500"/>
+                        </a:spcAft>
+                        <a:buNone/>
+                      </a:pPr>
+                      <a:r>
+                        <a:rPr sz="1100">
+                          <a:solidFill>
+                            <a:srgbClr val="000000">
+                              <a:alpha val="100000"/>
+                            </a:srgbClr>
+                          </a:solidFill>
+                          <a:latin typeface="Arial"/>
+                        </a:rPr>
+                        <a:t>1</a:t>
+                      </a:r>
+                    </a:p>
+                  </a:txBody>
+                  <a:tcPr marL="0" marR="0" marT="0" marB="0" anchor="ctr">
+                    <a:lnL w="0" cap="flat" cmpd="sng" algn="ctr">
+                      <a:solidFill>
+                        <a:srgbClr val="FFFFFF">
+                          <a:alpha val="0"/>
+                        </a:srgbClr>
+                      </a:solidFill>
+                      <a:prstDash val="solid"/>
+                    </a:lnL>
+                    <a:lnR w="0" cap="flat" cmpd="sng" algn="ctr">
+                      <a:solidFill>
+                        <a:srgbClr val="FFFFFF">
+                          <a:alpha val="0"/>
+                        </a:srgbClr>
+                      </a:solidFill>
+                      <a:prstDash val="solid"/>
+                    </a:lnR>
+                    <a:lnT w="0" cap="flat" cmpd="sng" algn="ctr">
+                      <a:solidFill>
+                        <a:srgbClr val="FFFFFF">
+                          <a:alpha val="0"/>
+                        </a:srgbClr>
+                      </a:solidFill>
+                      <a:prstDash val="solid"/>
+                    </a:lnT>
+                    <a:lnB w="0" cap="flat" cmpd="sng" algn="ctr">
+                      <a:solidFill>
+                        <a:srgbClr val="FFFFFF">
+                          <a:alpha val="0"/>
+                        </a:srgbClr>
+                      </a:solidFill>
+                      <a:prstDash val="solid"/>
+                    </a:lnB>
+                  </a:tcPr>
+                </a:tc>
+                <a:tc hMerge="1">
+                  <a:txBody>
+                    <a:bodyPr/>
+                    <a:lstStyle/>
+                    <a:p>
+                      <a:pPr marL="63500" marR="63500" algn="l">
+                        <a:lnSpc>
+                          <a:spcPct val="100000"/>
+                        </a:lnSpc>
+                        <a:spcBef>
+                          <a:spcPts val="500"/>
+                        </a:spcBef>
+                        <a:spcAft>
+                          <a:spcPts val="500"/>
+                        </a:spcAft>
+                        <a:buNone/>
+                      </a:pPr>
+                      <a:r>
+                        <a:rPr sz="1100">
+                          <a:solidFill>
+                            <a:srgbClr val="000000">
+                              <a:alpha val="100000"/>
+                            </a:srgbClr>
+                          </a:solidFill>
+                          <a:latin typeface="Arial"/>
+                        </a:rPr>
+                        <a:t>1</a:t>
+                      </a:r>
+                    </a:p>
+                  </a:txBody>
+                  <a:tcPr marL="0" marR="0" marT="0" marB="0" anchor="ctr">
+                    <a:lnL w="0" cap="flat" cmpd="sng" algn="ctr">
+                      <a:solidFill>
+                        <a:srgbClr val="FFFFFF">
+                          <a:alpha val="0"/>
+                        </a:srgbClr>
+                      </a:solidFill>
+                      <a:prstDash val="solid"/>
+                    </a:lnL>
+                    <a:lnR w="0" cap="flat" cmpd="sng" algn="ctr">
+                      <a:solidFill>
+                        <a:srgbClr val="FFFFFF">
+                          <a:alpha val="0"/>
+                        </a:srgbClr>
+                      </a:solidFill>
+                      <a:prstDash val="solid"/>
+                    </a:lnR>
+                    <a:lnT w="0" cap="flat" cmpd="sng" algn="ctr">
+                      <a:solidFill>
+                        <a:srgbClr val="FFFFFF">
+                          <a:alpha val="0"/>
+                        </a:srgbClr>
+                      </a:solidFill>
+                      <a:prstDash val="solid"/>
+                    </a:lnT>
+                    <a:lnB w="0" cap="flat" cmpd="sng" algn="ctr">
+                      <a:solidFill>
+                        <a:srgbClr val="FFFFFF">
+                          <a:alpha val="0"/>
+                        </a:srgbClr>
+                      </a:solidFill>
+                      <a:prstDash val="solid"/>
+                    </a:lnB>
+                  </a:tcPr>
+                </a:tc>
+                <a:extLst>
+                  <a:ext uri="{0D108BD9-81ED-4DB2-BD59-A6C34878D82A}">
+                    <a16:rowId xmlns:a16="http://schemas.microsoft.com/office/drawing/2014/main" val="10010"/>
+                  </a:ext>
+                </a:extLst>
+              </a:tr>
+              <a:tr h="228600">
+                <a:tc gridSpan="5">
+                  <a:txBody>
+                    <a:bodyPr/>
+                    <a:lstStyle/>
+                    <a:p>
+                      <a:pPr marL="63500" marR="63500" algn="l">
+                        <a:lnSpc>
+                          <a:spcPct val="100000"/>
+                        </a:lnSpc>
+                        <a:spcBef>
+                          <a:spcPts val="500"/>
+                        </a:spcBef>
+                        <a:spcAft>
+                          <a:spcPts val="500"/>
+                        </a:spcAft>
+                        <a:buNone/>
+                      </a:pPr>
+                      <a:r>
+                        <a:rPr sz="1100" baseline="40000" dirty="0">
+                          <a:solidFill>
+                            <a:srgbClr val="000000">
+                              <a:alpha val="100000"/>
+                            </a:srgbClr>
+                          </a:solidFill>
+                          <a:latin typeface="Arial"/>
+                        </a:rPr>
+                        <a:t>2</a:t>
+                      </a:r>
+                      <a:r>
+                        <a:rPr sz="1100" dirty="0">
+                          <a:solidFill>
+                            <a:srgbClr val="000000">
+                              <a:alpha val="100000"/>
+                            </a:srgbClr>
+                          </a:solidFill>
+                          <a:latin typeface="Arial"/>
+                        </a:rPr>
+                        <a:t>Pearson's Chi-squared test</a:t>
+                      </a:r>
+                    </a:p>
+                  </a:txBody>
+                  <a:tcPr marL="0" marR="0" marT="0" marB="0" anchor="ctr">
+                    <a:lnL w="0" cap="flat" cmpd="sng" algn="ctr">
+                      <a:solidFill>
+                        <a:srgbClr val="FFFFFF">
+                          <a:alpha val="0"/>
+                        </a:srgbClr>
+                      </a:solidFill>
+                      <a:prstDash val="solid"/>
+                    </a:lnL>
+                    <a:lnR w="0" cap="flat" cmpd="sng" algn="ctr">
+                      <a:solidFill>
+                        <a:srgbClr val="FFFFFF">
+                          <a:alpha val="0"/>
+                        </a:srgbClr>
+                      </a:solidFill>
+                      <a:prstDash val="solid"/>
+                    </a:lnR>
+                    <a:lnT w="0" cap="flat" cmpd="sng" algn="ctr">
+                      <a:solidFill>
+                        <a:srgbClr val="FFFFFF">
+                          <a:alpha val="0"/>
+                        </a:srgbClr>
+                      </a:solidFill>
+                      <a:prstDash val="solid"/>
+                    </a:lnT>
+                    <a:lnB w="0" cap="flat" cmpd="sng" algn="ctr">
+                      <a:solidFill>
+                        <a:srgbClr val="FFFFFF">
+                          <a:alpha val="0"/>
+                        </a:srgbClr>
+                      </a:solidFill>
+                      <a:prstDash val="solid"/>
+                    </a:lnB>
+                  </a:tcPr>
+                </a:tc>
+                <a:tc hMerge="1">
+                  <a:txBody>
+                    <a:bodyPr/>
+                    <a:lstStyle/>
+                    <a:p>
+                      <a:pPr marL="63500" marR="63500" algn="l">
+                        <a:lnSpc>
+                          <a:spcPct val="100000"/>
+                        </a:lnSpc>
+                        <a:spcBef>
+                          <a:spcPts val="500"/>
+                        </a:spcBef>
+                        <a:spcAft>
+                          <a:spcPts val="500"/>
+                        </a:spcAft>
+                        <a:buNone/>
+                      </a:pPr>
+                      <a:r>
+                        <a:rPr sz="1100">
+                          <a:solidFill>
+                            <a:srgbClr val="000000">
+                              <a:alpha val="100000"/>
+                            </a:srgbClr>
+                          </a:solidFill>
+                          <a:latin typeface="Arial"/>
+                        </a:rPr>
+                        <a:t>2</a:t>
+                      </a:r>
+                    </a:p>
+                  </a:txBody>
+                  <a:tcPr marL="0" marR="0" marT="0" marB="0" anchor="ctr">
+                    <a:lnL w="0" cap="flat" cmpd="sng" algn="ctr">
+                      <a:solidFill>
+                        <a:srgbClr val="FFFFFF">
+                          <a:alpha val="0"/>
+                        </a:srgbClr>
+                      </a:solidFill>
+                      <a:prstDash val="solid"/>
+                    </a:lnL>
+                    <a:lnR w="0" cap="flat" cmpd="sng" algn="ctr">
+                      <a:solidFill>
+                        <a:srgbClr val="FFFFFF">
+                          <a:alpha val="0"/>
+                        </a:srgbClr>
+                      </a:solidFill>
+                      <a:prstDash val="solid"/>
+                    </a:lnR>
+                    <a:lnT w="0" cap="flat" cmpd="sng" algn="ctr">
+                      <a:solidFill>
+                        <a:srgbClr val="FFFFFF">
+                          <a:alpha val="0"/>
+                        </a:srgbClr>
+                      </a:solidFill>
+                      <a:prstDash val="solid"/>
+                    </a:lnT>
+                    <a:lnB w="0" cap="flat" cmpd="sng" algn="ctr">
+                      <a:solidFill>
+                        <a:srgbClr val="FFFFFF">
+                          <a:alpha val="0"/>
+                        </a:srgbClr>
+                      </a:solidFill>
+                      <a:prstDash val="solid"/>
+                    </a:lnB>
+                  </a:tcPr>
+                </a:tc>
+                <a:tc hMerge="1">
+                  <a:txBody>
+                    <a:bodyPr/>
+                    <a:lstStyle/>
+                    <a:p>
+                      <a:pPr marL="63500" marR="63500" algn="l">
+                        <a:lnSpc>
+                          <a:spcPct val="100000"/>
+                        </a:lnSpc>
+                        <a:spcBef>
+                          <a:spcPts val="500"/>
+                        </a:spcBef>
+                        <a:spcAft>
+                          <a:spcPts val="500"/>
+                        </a:spcAft>
+                        <a:buNone/>
+                      </a:pPr>
+                      <a:r>
+                        <a:rPr sz="1100">
+                          <a:solidFill>
+                            <a:srgbClr val="000000">
+                              <a:alpha val="100000"/>
+                            </a:srgbClr>
+                          </a:solidFill>
+                          <a:latin typeface="Arial"/>
+                        </a:rPr>
+                        <a:t>2</a:t>
+                      </a:r>
+                    </a:p>
+                  </a:txBody>
+                  <a:tcPr marL="0" marR="0" marT="0" marB="0" anchor="ctr">
+                    <a:lnL w="0" cap="flat" cmpd="sng" algn="ctr">
+                      <a:solidFill>
+                        <a:srgbClr val="FFFFFF">
+                          <a:alpha val="0"/>
+                        </a:srgbClr>
+                      </a:solidFill>
+                      <a:prstDash val="solid"/>
+                    </a:lnL>
+                    <a:lnR w="0" cap="flat" cmpd="sng" algn="ctr">
+                      <a:solidFill>
+                        <a:srgbClr val="FFFFFF">
+                          <a:alpha val="0"/>
+                        </a:srgbClr>
+                      </a:solidFill>
+                      <a:prstDash val="solid"/>
+                    </a:lnR>
+                    <a:lnT w="0" cap="flat" cmpd="sng" algn="ctr">
+                      <a:solidFill>
+                        <a:srgbClr val="FFFFFF">
+                          <a:alpha val="0"/>
+                        </a:srgbClr>
+                      </a:solidFill>
+                      <a:prstDash val="solid"/>
+                    </a:lnT>
+                    <a:lnB w="0" cap="flat" cmpd="sng" algn="ctr">
+                      <a:solidFill>
+                        <a:srgbClr val="FFFFFF">
+                          <a:alpha val="0"/>
+                        </a:srgbClr>
+                      </a:solidFill>
+                      <a:prstDash val="solid"/>
+                    </a:lnB>
+                  </a:tcPr>
+                </a:tc>
+                <a:tc hMerge="1">
+                  <a:txBody>
+                    <a:bodyPr/>
+                    <a:lstStyle/>
+                    <a:p>
+                      <a:pPr marL="63500" marR="63500" algn="l">
+                        <a:lnSpc>
+                          <a:spcPct val="100000"/>
+                        </a:lnSpc>
+                        <a:spcBef>
+                          <a:spcPts val="500"/>
+                        </a:spcBef>
+                        <a:spcAft>
+                          <a:spcPts val="500"/>
+                        </a:spcAft>
+                        <a:buNone/>
+                      </a:pPr>
+                      <a:r>
+                        <a:rPr sz="1100">
+                          <a:solidFill>
+                            <a:srgbClr val="000000">
+                              <a:alpha val="100000"/>
+                            </a:srgbClr>
+                          </a:solidFill>
+                          <a:latin typeface="Arial"/>
+                        </a:rPr>
+                        <a:t>2</a:t>
+                      </a:r>
+                    </a:p>
+                  </a:txBody>
+                  <a:tcPr marL="0" marR="0" marT="0" marB="0" anchor="ctr">
+                    <a:lnL w="0" cap="flat" cmpd="sng" algn="ctr">
+                      <a:solidFill>
+                        <a:srgbClr val="FFFFFF">
+                          <a:alpha val="0"/>
+                        </a:srgbClr>
+                      </a:solidFill>
+                      <a:prstDash val="solid"/>
+                    </a:lnL>
+                    <a:lnR w="0" cap="flat" cmpd="sng" algn="ctr">
+                      <a:solidFill>
+                        <a:srgbClr val="FFFFFF">
+                          <a:alpha val="0"/>
+                        </a:srgbClr>
+                      </a:solidFill>
+                      <a:prstDash val="solid"/>
+                    </a:lnR>
+                    <a:lnT w="0" cap="flat" cmpd="sng" algn="ctr">
+                      <a:solidFill>
+                        <a:srgbClr val="FFFFFF">
+                          <a:alpha val="0"/>
+                        </a:srgbClr>
+                      </a:solidFill>
+                      <a:prstDash val="solid"/>
+                    </a:lnT>
+                    <a:lnB w="0" cap="flat" cmpd="sng" algn="ctr">
+                      <a:solidFill>
+                        <a:srgbClr val="FFFFFF">
+                          <a:alpha val="0"/>
+                        </a:srgbClr>
+                      </a:solidFill>
+                      <a:prstDash val="solid"/>
+                    </a:lnB>
+                  </a:tcPr>
+                </a:tc>
+                <a:tc hMerge="1">
+                  <a:txBody>
+                    <a:bodyPr/>
+                    <a:lstStyle/>
+                    <a:p>
+                      <a:pPr marL="63500" marR="63500" algn="l">
+                        <a:lnSpc>
+                          <a:spcPct val="100000"/>
+                        </a:lnSpc>
+                        <a:spcBef>
+                          <a:spcPts val="500"/>
+                        </a:spcBef>
+                        <a:spcAft>
+                          <a:spcPts val="500"/>
+                        </a:spcAft>
+                        <a:buNone/>
+                      </a:pPr>
+                      <a:r>
+                        <a:rPr sz="1100">
+                          <a:solidFill>
+                            <a:srgbClr val="000000">
+                              <a:alpha val="100000"/>
+                            </a:srgbClr>
+                          </a:solidFill>
+                          <a:latin typeface="Arial"/>
+                        </a:rPr>
+                        <a:t>2</a:t>
+                      </a:r>
+                    </a:p>
+                  </a:txBody>
+                  <a:tcPr marL="0" marR="0" marT="0" marB="0" anchor="ctr">
+                    <a:lnL w="0" cap="flat" cmpd="sng" algn="ctr">
+                      <a:solidFill>
+                        <a:srgbClr val="FFFFFF">
+                          <a:alpha val="0"/>
+                        </a:srgbClr>
+                      </a:solidFill>
+                      <a:prstDash val="solid"/>
+                    </a:lnL>
+                    <a:lnR w="0" cap="flat" cmpd="sng" algn="ctr">
+                      <a:solidFill>
+                        <a:srgbClr val="FFFFFF">
+                          <a:alpha val="0"/>
+                        </a:srgbClr>
+                      </a:solidFill>
+                      <a:prstDash val="solid"/>
+                    </a:lnR>
+                    <a:lnT w="0" cap="flat" cmpd="sng" algn="ctr">
+                      <a:solidFill>
+                        <a:srgbClr val="FFFFFF">
+                          <a:alpha val="0"/>
+                        </a:srgbClr>
+                      </a:solidFill>
+                      <a:prstDash val="solid"/>
+                    </a:lnT>
+                    <a:lnB w="0" cap="flat" cmpd="sng" algn="ctr">
+                      <a:solidFill>
+                        <a:srgbClr val="FFFFFF">
+                          <a:alpha val="0"/>
+                        </a:srgbClr>
+                      </a:solidFill>
+                      <a:prstDash val="solid"/>
+                    </a:lnB>
+                  </a:tcPr>
+                </a:tc>
+                <a:extLst>
+                  <a:ext uri="{0D108BD9-81ED-4DB2-BD59-A6C34878D82A}">
+                    <a16:rowId xmlns:a16="http://schemas.microsoft.com/office/drawing/2014/main" val="10011"/>
+                  </a:ext>
+                </a:extLst>
+              </a:tr>
+            </a:tbl>
+          </a:graphicData>
+        </a:graphic>
+      </p:graphicFrame>
+    </p:spTree>
+  </p:cSld>
+  <p:clrMapOvr>
+    <a:masterClrMapping/>
+  </p:clrMapOvr>
+</p:sld>
+</file>
+
+<file path=ppt/slides/slide16.xml><?xml version="1.0" encoding="utf-8"?>
+<p:sld xmlns:a="http://schemas.openxmlformats.org/drawingml/2006/main" xmlns:r="http://schemas.openxmlformats.org/officeDocument/2006/relationships" xmlns:p="http://schemas.openxmlformats.org/presentationml/2006/main">
+  <p:cSld>
+    <p:spTree>
+      <p:nvGrpSpPr>
+        <p:cNvPr id="1" name=""/>
+        <p:cNvGrpSpPr/>
+        <p:nvPr/>
+      </p:nvGrpSpPr>
+      <p:grpSpPr>
+        <a:xfrm>
+          <a:off x="0" y="0"/>
+          <a:ext cx="0" cy="0"/>
+          <a:chOff x="0" y="0"/>
+          <a:chExt cx="0" cy="0"/>
+        </a:xfrm>
+      </p:grpSpPr>
+      <p:sp>
+        <p:nvSpPr>
+          <p:cNvPr id="7" name="Title 1"/>
+          <p:cNvSpPr>
+            <a:spLocks noGrp="1"/>
+          </p:cNvSpPr>
+          <p:nvPr>
+            <p:ph type="ctrTitle"/>
+          </p:nvPr>
+        </p:nvSpPr>
+        <p:spPr>
+          <a:xfrm>
+            <a:off x="1783577" y="4036880"/>
+            <a:ext cx="8463639" cy="862715"/>
+          </a:xfrm>
+        </p:spPr>
+        <p:txBody>
+          <a:bodyPr/>
+          <a:lstStyle/>
+          <a:p>
+            <a:pPr marL="0" lvl="0" indent="0">
+              <a:buNone/>
+            </a:pPr>
+            <a:r>
+              <a:t>课后作业</a:t>
+            </a:r>
+          </a:p>
+        </p:txBody>
+      </p:sp>
+    </p:spTree>
+  </p:cSld>
+  <p:clrMapOvr>
+    <a:masterClrMapping/>
+  </p:clrMapOvr>
+</p:sld>
+</file>
+
+<file path=ppt/slides/slide17.xml><?xml version="1.0" encoding="utf-8"?>
+<p:sld xmlns:a="http://schemas.openxmlformats.org/drawingml/2006/main" xmlns:r="http://schemas.openxmlformats.org/officeDocument/2006/relationships" xmlns:p="http://schemas.openxmlformats.org/presentationml/2006/main">
+  <p:cSld>
+    <p:spTree>
+      <p:nvGrpSpPr>
+        <p:cNvPr id="1" name=""/>
+        <p:cNvGrpSpPr/>
+        <p:nvPr/>
+      </p:nvGrpSpPr>
+      <p:grpSpPr>
+        <a:xfrm>
+          <a:off x="0" y="0"/>
+          <a:ext cx="0" cy="0"/>
+          <a:chOff x="0" y="0"/>
+          <a:chExt cx="0" cy="0"/>
+        </a:xfrm>
+      </p:grpSpPr>
+      <p:sp>
+        <p:nvSpPr>
+          <p:cNvPr id="11" name="Title 1">
+            <a:extLst>
+              <a:ext uri="{FF2B5EF4-FFF2-40B4-BE49-F238E27FC236}">
+                <a16:creationId xmlns:a16="http://schemas.microsoft.com/office/drawing/2014/main" id="{2391D614-6EEB-4C42-A746-C9FB67E11481}"/>
+              </a:ext>
+            </a:extLst>
+          </p:cNvPr>
+          <p:cNvSpPr>
+            <a:spLocks noGrp="1"/>
+          </p:cNvSpPr>
+          <p:nvPr>
+            <p:ph type="title"/>
+          </p:nvPr>
+        </p:nvSpPr>
+        <p:spPr>
+          <a:xfrm>
+            <a:off x="838198" y="362260"/>
+            <a:ext cx="8486957" cy="637553"/>
+          </a:xfrm>
+        </p:spPr>
+        <p:txBody>
+          <a:bodyPr/>
+          <a:lstStyle/>
+          <a:p>
+            <a:pPr marL="0" lvl="0" indent="0">
+              <a:buNone/>
+            </a:pPr>
+            <a:r>
+              <a:t>课后作业</a:t>
+            </a:r>
+          </a:p>
+        </p:txBody>
+      </p:sp>
+      <p:sp>
+        <p:nvSpPr>
+          <p:cNvPr id="12" name="Content Placeholder 2">
+            <a:extLst>
+              <a:ext uri="{FF2B5EF4-FFF2-40B4-BE49-F238E27FC236}">
+                <a16:creationId xmlns:a16="http://schemas.microsoft.com/office/drawing/2014/main" id="{91E23ACD-CC52-4FE4-A28E-15DDE627EE00}"/>
+              </a:ext>
+            </a:extLst>
+          </p:cNvPr>
+          <p:cNvSpPr>
+            <a:spLocks noGrp="1"/>
+          </p:cNvSpPr>
+          <p:nvPr>
+            <p:ph idx="1"/>
+          </p:nvPr>
+        </p:nvSpPr>
+        <p:spPr/>
+        <p:txBody>
+          <a:bodyPr/>
+          <a:lstStyle/>
+          <a:p>
+            <a:pPr marL="0" lvl="0" indent="0">
+              <a:buNone/>
+            </a:pPr>
+            <a:r>
+              <a:rPr dirty="0" err="1"/>
+              <a:t>新建一个R</a:t>
+            </a:r>
+            <a:r>
+              <a:rPr dirty="0"/>
+              <a:t> </a:t>
+            </a:r>
+            <a:r>
+              <a:rPr dirty="0" err="1"/>
+              <a:t>Markdown文档</a:t>
+            </a:r>
+            <a:endParaRPr dirty="0"/>
+          </a:p>
+          <a:p>
+            <a:pPr lvl="1"/>
+            <a:r>
+              <a:rPr dirty="0" err="1"/>
+              <a:t>创建一个代码块，并输入plot</a:t>
+            </a:r>
+            <a:r>
+              <a:rPr dirty="0"/>
+              <a:t>(cars)</a:t>
+            </a:r>
+          </a:p>
+          <a:p>
+            <a:pPr lvl="1"/>
+            <a:r>
+              <a:rPr dirty="0" err="1"/>
+              <a:t>给该图加入caption（题注</a:t>
+            </a:r>
+            <a:r>
+              <a:rPr dirty="0"/>
+              <a:t>）</a:t>
+            </a:r>
+          </a:p>
+          <a:p>
+            <a:pPr lvl="1"/>
+            <a:r>
+              <a:rPr dirty="0" err="1"/>
+              <a:t>读取数据baseline.csv，并转化成character</a:t>
+            </a:r>
+            <a:endParaRPr dirty="0"/>
+          </a:p>
+          <a:p>
+            <a:pPr lvl="1"/>
+            <a:r>
+              <a:rPr dirty="0"/>
+              <a:t>选取AgeGroup,Gender,Venous-differentiation,Event字段，并通过gtsummary输出表格</a:t>
+            </a:r>
+          </a:p>
+        </p:txBody>
+      </p:sp>
+    </p:spTree>
+  </p:cSld>
+  <p:clrMapOvr>
+    <a:masterClrMapping/>
+  </p:clrMapOvr>
 </p:sld>
 </file>
 
@@ -3927,11 +8231,10 @@
           <a:bodyPr/>
           <a:lstStyle/>
           <a:p>
-            <a:pPr lvl="0" marL="0" indent="0">
+            <a:pPr marL="0" lvl="0" indent="0">
               <a:buNone/>
             </a:pPr>
             <a:r>
-              <a:rPr/>
               <a:t>Table of Contents</a:t>
             </a:r>
           </a:p>
@@ -3966,10 +8269,49 @@
               <a:t>图片（Figures）</a:t>
             </a:r>
           </a:p>
+          <a:p>
+            <a:pPr lvl="1"/>
+            <a:r>
+              <a:rPr>
+                <a:hlinkClick r:id="rId3" action="ppaction://hlinksldjump"/>
+              </a:rPr>
+              <a:t>表格（Table）</a:t>
+            </a:r>
+          </a:p>
+          <a:p>
+            <a:pPr lvl="1"/>
+            <a:r>
+              <a:rPr>
+                <a:hlinkClick r:id="rId4" action="ppaction://hlinksldjump"/>
+              </a:rPr>
+              <a:t>管道操作（ %&gt;% ）</a:t>
+            </a:r>
+          </a:p>
+          <a:p>
+            <a:pPr lvl="1"/>
+            <a:r>
+              <a:rPr>
+                <a:hlinkClick r:id="rId5" action="ppaction://hlinksldjump"/>
+              </a:rPr>
+              <a:t>Table One</a:t>
+            </a:r>
+          </a:p>
+          <a:p>
+            <a:pPr lvl="1"/>
+            <a:r>
+              <a:rPr>
+                <a:hlinkClick r:id="rId6" action="ppaction://hlinksldjump"/>
+              </a:rPr>
+              <a:t>课后作业</a:t>
+            </a:r>
+          </a:p>
         </p:txBody>
       </p:sp>
     </p:spTree>
   </p:cSld>
+  <p:clrMapOvr>
+    <a:masterClrMapping/>
+  </p:clrMapOvr>
 </p:sld>
 </file>
 
@@ -4010,11 +8352,10 @@
           <a:bodyPr/>
           <a:lstStyle/>
           <a:p>
-            <a:pPr lvl="0" marL="0" indent="0">
+            <a:pPr marL="0" lvl="0" indent="0">
               <a:buNone/>
             </a:pPr>
             <a:r>
-              <a:rPr/>
               <a:t>图片（Figures）</a:t>
             </a:r>
           </a:p>
@@ -4022,6 +8363,9 @@
       </p:sp>
     </p:spTree>
   </p:cSld>
+  <p:clrMapOvr>
+    <a:masterClrMapping/>
+  </p:clrMapOvr>
 </p:sld>
 </file>
 
@@ -4068,11 +8412,10 @@
           <a:bodyPr/>
           <a:lstStyle/>
           <a:p>
-            <a:pPr lvl="0" marL="0" indent="0">
+            <a:pPr marL="0" lvl="0" indent="0">
               <a:buNone/>
             </a:pPr>
             <a:r>
-              <a:rPr/>
               <a:t>外部图片</a:t>
             </a:r>
           </a:p>
@@ -4099,20 +8442,21 @@
           <a:bodyPr/>
           <a:lstStyle/>
           <a:p>
-            <a:pPr lvl="0" marL="0" indent="0">
+            <a:pPr marL="0" lvl="0" indent="0">
               <a:buNone/>
             </a:pPr>
             <a:r>
-              <a:rPr/>
-              <a:t>我们可以直接用Markdown语法</a:t>
-            </a:r>
+              <a:rPr dirty="0" err="1"/>
+              <a:t>直接用Markdown</a:t>
+            </a:r>
+            <a:endParaRPr dirty="0"/>
           </a:p>
           <a:p>
             <a:pPr lvl="0" indent="0">
               <a:buNone/>
             </a:pPr>
             <a:r>
-              <a:rPr b="1">
+              <a:rPr b="1" dirty="0">
                 <a:solidFill>
                   <a:srgbClr val="FF0000"/>
                 </a:solidFill>
@@ -4121,60 +8465,432 @@
               <a:t>![A nice image.](images/flow.png)</a:t>
             </a:r>
             <a:r>
-              <a:rPr>
+              <a:rPr dirty="0">
                 <a:latin typeface="Courier"/>
               </a:rPr>
               <a:t>{width=50%}</a:t>
             </a:r>
-          </a:p>
-          <a:p>
-            <a:pPr lvl="0" marL="0" indent="0">
+            <a:endParaRPr lang="en-US" dirty="0">
+              <a:latin typeface="Courier"/>
+            </a:endParaRPr>
+          </a:p>
+          <a:p>
+            <a:pPr marL="0" indent="0">
+              <a:buFont typeface="Arial" panose="020B0604020202020204" pitchFamily="34" charset="0"/>
               <a:buNone/>
             </a:pPr>
             <a:r>
-              <a:rPr/>
-              <a:t>还可以用Chunk</a:t>
+              <a:rPr lang="zh-CN" altLang="en-US" dirty="0"/>
+              <a:t>用</a:t>
+            </a:r>
+            <a:r>
+              <a:rPr lang="en-US" altLang="zh-CN" dirty="0"/>
+              <a:t>Chunk</a:t>
+            </a:r>
+          </a:p>
+          <a:p>
+            <a:pPr indent="0">
+              <a:buFont typeface="Arial" panose="020B0604020202020204" pitchFamily="34" charset="0"/>
+              <a:buNone/>
+            </a:pPr>
+            <a:r>
+              <a:rPr lang="en-US" altLang="zh-CN" sz="2800" b="1" i="1" dirty="0">
+                <a:solidFill>
+                  <a:srgbClr val="60A0B0"/>
+                </a:solidFill>
+                <a:latin typeface="Courier"/>
+              </a:rPr>
+              <a:t>```{r, </a:t>
+            </a:r>
+            <a:r>
+              <a:rPr lang="en-US" altLang="zh-CN" sz="2800" b="1" i="1" dirty="0" err="1">
+                <a:solidFill>
+                  <a:srgbClr val="60A0B0"/>
+                </a:solidFill>
+                <a:latin typeface="Courier"/>
+              </a:rPr>
+              <a:t>out.width</a:t>
+            </a:r>
+            <a:r>
+              <a:rPr lang="en-US" altLang="zh-CN" sz="2800" b="1" i="1" dirty="0">
+                <a:solidFill>
+                  <a:srgbClr val="60A0B0"/>
+                </a:solidFill>
+                <a:latin typeface="Courier"/>
+              </a:rPr>
+              <a:t>="50%", </a:t>
+            </a:r>
+            <a:r>
+              <a:rPr lang="en-US" altLang="zh-CN" sz="2800" b="1" i="1" dirty="0" err="1">
+                <a:solidFill>
+                  <a:srgbClr val="60A0B0"/>
+                </a:solidFill>
+                <a:latin typeface="Courier"/>
+              </a:rPr>
+              <a:t>fig.cap</a:t>
+            </a:r>
+            <a:r>
+              <a:rPr lang="en-US" altLang="zh-CN" sz="2800" b="1" i="1" dirty="0">
+                <a:solidFill>
+                  <a:srgbClr val="60A0B0"/>
+                </a:solidFill>
+                <a:latin typeface="Courier"/>
+              </a:rPr>
+              <a:t>="A nice image."} </a:t>
+            </a:r>
+            <a:br>
+              <a:rPr lang="en-US" altLang="zh-CN" sz="2800" dirty="0"/>
+            </a:br>
+            <a:r>
+              <a:rPr lang="en-US" altLang="zh-CN" sz="2800" b="1" i="1" dirty="0" err="1">
+                <a:solidFill>
+                  <a:srgbClr val="60A0B0"/>
+                </a:solidFill>
+                <a:latin typeface="Courier"/>
+              </a:rPr>
+              <a:t>knitr</a:t>
+            </a:r>
+            <a:r>
+              <a:rPr lang="en-US" altLang="zh-CN" sz="2800" b="1" i="1" dirty="0">
+                <a:solidFill>
+                  <a:srgbClr val="60A0B0"/>
+                </a:solidFill>
+                <a:latin typeface="Courier"/>
+              </a:rPr>
+              <a:t>::</a:t>
+            </a:r>
+            <a:r>
+              <a:rPr lang="en-US" altLang="zh-CN" sz="2800" b="1" i="1" dirty="0" err="1">
+                <a:solidFill>
+                  <a:srgbClr val="60A0B0"/>
+                </a:solidFill>
+                <a:latin typeface="Courier"/>
+              </a:rPr>
+              <a:t>include_graphics</a:t>
+            </a:r>
+            <a:r>
+              <a:rPr lang="en-US" altLang="zh-CN" sz="2800" b="1" i="1" dirty="0">
+                <a:solidFill>
+                  <a:srgbClr val="60A0B0"/>
+                </a:solidFill>
+                <a:latin typeface="Courier"/>
+              </a:rPr>
+              <a:t>("images/flow.png")</a:t>
+            </a:r>
+            <a:br>
+              <a:rPr lang="en-US" altLang="zh-CN" dirty="0"/>
+            </a:br>
+            <a:r>
+              <a:rPr lang="en-US" altLang="zh-CN" b="1" i="1" dirty="0">
+                <a:solidFill>
+                  <a:srgbClr val="60A0B0"/>
+                </a:solidFill>
+                <a:latin typeface="Courier"/>
+              </a:rPr>
+              <a:t>```</a:t>
             </a:r>
           </a:p>
           <a:p>
             <a:pPr lvl="0" indent="0">
               <a:buNone/>
             </a:pPr>
-            <a:br/>
-            <a:r>
-              <a:rPr b="1" i="1">
-                <a:solidFill>
-                  <a:srgbClr val="60A0B0"/>
-                </a:solidFill>
-                <a:latin typeface="Courier"/>
-              </a:rPr>
-              <a:t>```{r, echo=FALSE, out.width="50%", fig.cap="A nice image."} </a:t>
-            </a:r>
-            <a:br/>
-            <a:r>
-              <a:rPr b="1" i="1">
-                <a:solidFill>
-                  <a:srgbClr val="60A0B0"/>
-                </a:solidFill>
-                <a:latin typeface="Courier"/>
-              </a:rPr>
-              <a:t>knitr::include_graphics("images/flow.png")</a:t>
-            </a:r>
-            <a:br/>
-            <a:r>
-              <a:rPr b="1" i="1">
-                <a:solidFill>
-                  <a:srgbClr val="60A0B0"/>
-                </a:solidFill>
-                <a:latin typeface="Courier"/>
-              </a:rPr>
-              <a:t>```</a:t>
-            </a:r>
+            <a:endParaRPr dirty="0">
+              <a:latin typeface="Courier"/>
+            </a:endParaRPr>
+          </a:p>
+        </p:txBody>
+      </p:sp>
+      <p:pic>
+        <p:nvPicPr>
+          <p:cNvPr id="4" name="Picture 1" descr="images/flow.png">
+            <a:extLst>
+              <a:ext uri="{FF2B5EF4-FFF2-40B4-BE49-F238E27FC236}">
+                <a16:creationId xmlns:a16="http://schemas.microsoft.com/office/drawing/2014/main" id="{05CC1C16-5116-41A7-B5E7-F12A52E0A860}"/>
+              </a:ext>
+            </a:extLst>
+          </p:cNvPr>
+          <p:cNvPicPr>
+            <a:picLocks noGrp="1" noChangeAspect="1"/>
+          </p:cNvPicPr>
+          <p:nvPr/>
+        </p:nvPicPr>
+        <p:blipFill>
+          <a:blip r:embed="rId2"/>
+          <a:stretch>
+            <a:fillRect/>
+          </a:stretch>
+        </p:blipFill>
+        <p:spPr bwMode="auto">
+          <a:xfrm>
+            <a:off x="1243640" y="4203031"/>
+            <a:ext cx="6151832" cy="2541311"/>
+          </a:xfrm>
+          <a:prstGeom prst="rect">
+            <a:avLst/>
+          </a:prstGeom>
+          <a:noFill/>
+          <a:ln w="9525">
+            <a:noFill/>
+            <a:headEnd/>
+            <a:tailEnd/>
+          </a:ln>
+        </p:spPr>
+      </p:pic>
+      <p:sp>
+        <p:nvSpPr>
+          <p:cNvPr id="5" name="Content Placeholder 2">
+            <a:extLst>
+              <a:ext uri="{FF2B5EF4-FFF2-40B4-BE49-F238E27FC236}">
+                <a16:creationId xmlns:a16="http://schemas.microsoft.com/office/drawing/2014/main" id="{DF1B90EA-C492-4319-A994-0A652933623E}"/>
+              </a:ext>
+            </a:extLst>
+          </p:cNvPr>
+          <p:cNvSpPr txBox="1">
+            <a:spLocks/>
+          </p:cNvSpPr>
+          <p:nvPr/>
+        </p:nvSpPr>
+        <p:spPr>
+          <a:xfrm>
+            <a:off x="838198" y="2516039"/>
+            <a:ext cx="10871199" cy="2254370"/>
+          </a:xfrm>
+          <a:prstGeom prst="rect">
+            <a:avLst/>
+          </a:prstGeom>
+        </p:spPr>
+        <p:txBody>
+          <a:bodyPr vert="horz" lIns="91440" tIns="45720" rIns="91440" bIns="45720" rtlCol="0">
+            <a:normAutofit/>
+          </a:bodyPr>
+          <a:lstStyle>
+            <a:lvl1pPr marL="228600" indent="-228600" algn="l" defTabSz="914400" rtl="0" eaLnBrk="1" latinLnBrk="0" hangingPunct="1">
+              <a:lnSpc>
+                <a:spcPct val="100000"/>
+              </a:lnSpc>
+              <a:spcBef>
+                <a:spcPts val="600"/>
+              </a:spcBef>
+              <a:spcAft>
+                <a:spcPts val="600"/>
+              </a:spcAft>
+              <a:buClr>
+                <a:srgbClr val="1296DB"/>
+              </a:buClr>
+              <a:buFont typeface="Arial" panose="020B0604020202020204" pitchFamily="34" charset="0"/>
+              <a:buChar char="•"/>
+              <a:defRPr sz="2600" kern="1200">
+                <a:ln>
+                  <a:noFill/>
+                </a:ln>
+                <a:solidFill>
+                  <a:schemeClr val="bg1"/>
+                </a:solidFill>
+                <a:latin typeface="等线" panose="02010600030101010101" pitchFamily="2" charset="-122"/>
+                <a:ea typeface="等线" panose="02010600030101010101" pitchFamily="2" charset="-122"/>
+                <a:cs typeface="+mn-cs"/>
+              </a:defRPr>
+            </a:lvl1pPr>
+            <a:lvl2pPr marL="685800" indent="-228600" algn="l" defTabSz="914400" rtl="0" eaLnBrk="1" latinLnBrk="0" hangingPunct="1">
+              <a:lnSpc>
+                <a:spcPct val="100000"/>
+              </a:lnSpc>
+              <a:spcBef>
+                <a:spcPts val="200"/>
+              </a:spcBef>
+              <a:spcAft>
+                <a:spcPts val="0"/>
+              </a:spcAft>
+              <a:buClr>
+                <a:srgbClr val="1296DB"/>
+              </a:buClr>
+              <a:buFont typeface="Arial" panose="020B0604020202020204" pitchFamily="34" charset="0"/>
+              <a:buChar char="•"/>
+              <a:defRPr sz="2400" kern="1200">
+                <a:ln>
+                  <a:noFill/>
+                </a:ln>
+                <a:solidFill>
+                  <a:schemeClr val="bg1"/>
+                </a:solidFill>
+                <a:latin typeface="等线" panose="02010600030101010101" pitchFamily="2" charset="-122"/>
+                <a:ea typeface="等线" panose="02010600030101010101" pitchFamily="2" charset="-122"/>
+                <a:cs typeface="+mn-cs"/>
+              </a:defRPr>
+            </a:lvl2pPr>
+            <a:lvl3pPr marL="914400" indent="0" algn="l" defTabSz="914400" rtl="0" eaLnBrk="1" latinLnBrk="0" hangingPunct="1">
+              <a:lnSpc>
+                <a:spcPct val="100000"/>
+              </a:lnSpc>
+              <a:spcBef>
+                <a:spcPts val="200"/>
+              </a:spcBef>
+              <a:spcAft>
+                <a:spcPts val="0"/>
+              </a:spcAft>
+              <a:buClr>
+                <a:srgbClr val="1296DB"/>
+              </a:buClr>
+              <a:buFont typeface="Arial" panose="020B0604020202020204" pitchFamily="34" charset="0"/>
+              <a:buNone/>
+              <a:defRPr sz="2000" kern="1200">
+                <a:ln>
+                  <a:noFill/>
+                </a:ln>
+                <a:solidFill>
+                  <a:schemeClr val="bg1"/>
+                </a:solidFill>
+                <a:latin typeface="等线" panose="02010600030101010101" pitchFamily="2" charset="-122"/>
+                <a:ea typeface="等线" panose="02010600030101010101" pitchFamily="2" charset="-122"/>
+                <a:cs typeface="+mn-cs"/>
+              </a:defRPr>
+            </a:lvl3pPr>
+            <a:lvl4pPr marL="1371600" indent="0" algn="l" defTabSz="914400" rtl="0" eaLnBrk="1" latinLnBrk="0" hangingPunct="1">
+              <a:lnSpc>
+                <a:spcPct val="100000"/>
+              </a:lnSpc>
+              <a:spcBef>
+                <a:spcPts val="200"/>
+              </a:spcBef>
+              <a:spcAft>
+                <a:spcPts val="0"/>
+              </a:spcAft>
+              <a:buClr>
+                <a:srgbClr val="1296DB"/>
+              </a:buClr>
+              <a:buFont typeface="Arial" panose="020B0604020202020204" pitchFamily="34" charset="0"/>
+              <a:buNone/>
+              <a:defRPr sz="1800" kern="1200">
+                <a:ln>
+                  <a:noFill/>
+                </a:ln>
+                <a:solidFill>
+                  <a:schemeClr val="bg1"/>
+                </a:solidFill>
+                <a:latin typeface="等线" panose="02010600030101010101" pitchFamily="2" charset="-122"/>
+                <a:ea typeface="等线" panose="02010600030101010101" pitchFamily="2" charset="-122"/>
+                <a:cs typeface="+mn-cs"/>
+              </a:defRPr>
+            </a:lvl4pPr>
+            <a:lvl5pPr marL="1828800" indent="0" algn="l" defTabSz="914400" rtl="0" eaLnBrk="1" latinLnBrk="0" hangingPunct="1">
+              <a:lnSpc>
+                <a:spcPct val="100000"/>
+              </a:lnSpc>
+              <a:spcBef>
+                <a:spcPts val="200"/>
+              </a:spcBef>
+              <a:spcAft>
+                <a:spcPts val="0"/>
+              </a:spcAft>
+              <a:buClr>
+                <a:srgbClr val="1296DB"/>
+              </a:buClr>
+              <a:buFont typeface="Arial" panose="020B0604020202020204" pitchFamily="34" charset="0"/>
+              <a:buNone/>
+              <a:defRPr sz="1800" kern="1200">
+                <a:ln>
+                  <a:noFill/>
+                </a:ln>
+                <a:solidFill>
+                  <a:schemeClr val="bg1"/>
+                </a:solidFill>
+                <a:latin typeface="等线" panose="02010600030101010101" pitchFamily="2" charset="-122"/>
+                <a:ea typeface="等线" panose="02010600030101010101" pitchFamily="2" charset="-122"/>
+                <a:cs typeface="+mn-cs"/>
+              </a:defRPr>
+            </a:lvl5pPr>
+            <a:lvl6pPr marL="2514600" indent="-228600" algn="l" defTabSz="914400" rtl="0" eaLnBrk="1" latinLnBrk="0" hangingPunct="1">
+              <a:lnSpc>
+                <a:spcPct val="90000"/>
+              </a:lnSpc>
+              <a:spcBef>
+                <a:spcPts val="500"/>
+              </a:spcBef>
+              <a:buFont typeface="Arial" panose="020B0604020202020204" pitchFamily="34" charset="0"/>
+              <a:buChar char="•"/>
+              <a:defRPr sz="1800" kern="1200">
+                <a:solidFill>
+                  <a:schemeClr val="tx1"/>
+                </a:solidFill>
+                <a:latin typeface="+mn-lt"/>
+                <a:ea typeface="+mn-ea"/>
+                <a:cs typeface="+mn-cs"/>
+              </a:defRPr>
+            </a:lvl6pPr>
+            <a:lvl7pPr marL="2971800" indent="-228600" algn="l" defTabSz="914400" rtl="0" eaLnBrk="1" latinLnBrk="0" hangingPunct="1">
+              <a:lnSpc>
+                <a:spcPct val="90000"/>
+              </a:lnSpc>
+              <a:spcBef>
+                <a:spcPts val="500"/>
+              </a:spcBef>
+              <a:buFont typeface="Arial" panose="020B0604020202020204" pitchFamily="34" charset="0"/>
+              <a:buChar char="•"/>
+              <a:defRPr sz="1800" kern="1200">
+                <a:solidFill>
+                  <a:schemeClr val="tx1"/>
+                </a:solidFill>
+                <a:latin typeface="+mn-lt"/>
+                <a:ea typeface="+mn-ea"/>
+                <a:cs typeface="+mn-cs"/>
+              </a:defRPr>
+            </a:lvl7pPr>
+            <a:lvl8pPr marL="3429000" indent="-228600" algn="l" defTabSz="914400" rtl="0" eaLnBrk="1" latinLnBrk="0" hangingPunct="1">
+              <a:lnSpc>
+                <a:spcPct val="90000"/>
+              </a:lnSpc>
+              <a:spcBef>
+                <a:spcPts val="500"/>
+              </a:spcBef>
+              <a:buFont typeface="Arial" panose="020B0604020202020204" pitchFamily="34" charset="0"/>
+              <a:buChar char="•"/>
+              <a:defRPr sz="1800" kern="1200">
+                <a:solidFill>
+                  <a:schemeClr val="tx1"/>
+                </a:solidFill>
+                <a:latin typeface="+mn-lt"/>
+                <a:ea typeface="+mn-ea"/>
+                <a:cs typeface="+mn-cs"/>
+              </a:defRPr>
+            </a:lvl8pPr>
+            <a:lvl9pPr marL="3886200" indent="-228600" algn="l" defTabSz="914400" rtl="0" eaLnBrk="1" latinLnBrk="0" hangingPunct="1">
+              <a:lnSpc>
+                <a:spcPct val="90000"/>
+              </a:lnSpc>
+              <a:spcBef>
+                <a:spcPts val="500"/>
+              </a:spcBef>
+              <a:buFont typeface="Arial" panose="020B0604020202020204" pitchFamily="34" charset="0"/>
+              <a:buChar char="•"/>
+              <a:defRPr sz="1800" kern="1200">
+                <a:solidFill>
+                  <a:schemeClr val="tx1"/>
+                </a:solidFill>
+                <a:latin typeface="+mn-lt"/>
+                <a:ea typeface="+mn-ea"/>
+                <a:cs typeface="+mn-cs"/>
+              </a:defRPr>
+            </a:lvl9pPr>
+          </a:lstStyle>
+          <a:p>
+            <a:pPr marL="0" indent="0">
+              <a:buFont typeface="Arial" panose="020B0604020202020204" pitchFamily="34" charset="0"/>
+              <a:buNone/>
+            </a:pPr>
+            <a:endParaRPr lang="en-US" b="1" i="1" dirty="0">
+              <a:solidFill>
+                <a:srgbClr val="60A0B0"/>
+              </a:solidFill>
+              <a:latin typeface="Courier"/>
+            </a:endParaRPr>
           </a:p>
         </p:txBody>
       </p:sp>
     </p:spTree>
   </p:cSld>
+  <p:clrMapOvr>
+    <a:masterClrMapping/>
+  </p:clrMapOvr>
 </p:sld>
 </file>
 
@@ -4221,22 +8937,50 @@
           <a:bodyPr/>
           <a:lstStyle/>
           <a:p>
-            <a:pPr lvl="0" marL="0" indent="0">
+            <a:pPr marL="0" lvl="0" indent="0">
               <a:buNone/>
             </a:pPr>
             <a:r>
-              <a:rPr/>
-              <a:t>stargazer</a:t>
+              <a:t>统计分析图（plot）</a:t>
             </a:r>
           </a:p>
         </p:txBody>
       </p:sp>
+      <p:pic>
+        <p:nvPicPr>
+          <p:cNvPr id="2" name="Picture 1" descr="04.Fig_Tabl_files/figure-pptx/cars-plot-1.png"/>
+          <p:cNvPicPr>
+            <a:picLocks noGrp="1" noChangeAspect="1"/>
+          </p:cNvPicPr>
+          <p:nvPr/>
+        </p:nvPicPr>
+        <p:blipFill rotWithShape="1">
+          <a:blip r:embed="rId2"/>
+          <a:srcRect t="15273"/>
+          <a:stretch/>
+        </p:blipFill>
+        <p:spPr bwMode="auto">
+          <a:xfrm>
+            <a:off x="889000" y="1483743"/>
+            <a:ext cx="9574842" cy="3245004"/>
+          </a:xfrm>
+          <a:prstGeom prst="rect">
+            <a:avLst/>
+          </a:prstGeom>
+          <a:noFill/>
+          <a:ln w="9525">
+            <a:noFill/>
+            <a:headEnd/>
+            <a:tailEnd/>
+          </a:ln>
+        </p:spPr>
+      </p:pic>
       <p:sp>
         <p:nvSpPr>
-          <p:cNvPr id="12" name="Content Placeholder 2">
+          <p:cNvPr id="5" name="Content Placeholder 2">
             <a:extLst>
               <a:ext uri="{FF2B5EF4-FFF2-40B4-BE49-F238E27FC236}">
-                <a16:creationId xmlns:a16="http://schemas.microsoft.com/office/drawing/2014/main" id="{91E23ACD-CC52-4FE4-A28E-15DDE627EE00}"/>
+                <a16:creationId xmlns:a16="http://schemas.microsoft.com/office/drawing/2014/main" id="{E3C7A1BA-CAB1-4764-AF42-B46D3A65CBA9}"/>
               </a:ext>
             </a:extLst>
           </p:cNvPr>
@@ -4247,50 +8991,147 @@
             <p:ph idx="1"/>
           </p:nvPr>
         </p:nvSpPr>
-        <p:spPr/>
+        <p:spPr>
+          <a:xfrm>
+            <a:off x="1035649" y="4554747"/>
+            <a:ext cx="10871199" cy="2458527"/>
+          </a:xfrm>
+        </p:spPr>
         <p:txBody>
           <a:bodyPr/>
           <a:lstStyle/>
           <a:p>
-            <a:pPr lvl="0" marL="0" indent="0">
+            <a:pPr lvl="0" indent="0">
               <a:buNone/>
             </a:pPr>
             <a:r>
-              <a:rPr/>
-              <a:t>This is an R Markdown presentation. Markdown is a simple formatting syntax for authoring HTML, PDF, and MS Word documents. For more details on using R Markdown see </a:t>
-            </a:r>
-            <a:r>
-              <a:rPr>
-                <a:hlinkClick r:id="rId2"/>
-              </a:rPr>
-              <a:t>http://rmarkdown.rstudio.com</a:t>
-            </a:r>
-            <a:r>
-              <a:rPr/>
-              <a:t>.</a:t>
-            </a:r>
-          </a:p>
-          <a:p>
-            <a:pPr lvl="0" marL="0" indent="0">
+              <a:rPr sz="2400" b="1" i="1" dirty="0">
+                <a:solidFill>
+                  <a:srgbClr val="60A0B0"/>
+                </a:solidFill>
+                <a:latin typeface="Courier"/>
+              </a:rPr>
+              <a:t>```{r cars-</a:t>
+            </a:r>
+            <a:r>
+              <a:rPr sz="2400" b="1" i="1" dirty="0" err="1">
+                <a:solidFill>
+                  <a:srgbClr val="60A0B0"/>
+                </a:solidFill>
+                <a:latin typeface="Courier"/>
+              </a:rPr>
+              <a:t>plot,out.width</a:t>
+            </a:r>
+            <a:r>
+              <a:rPr sz="2400" b="1" i="1" dirty="0">
+                <a:solidFill>
+                  <a:srgbClr val="60A0B0"/>
+                </a:solidFill>
+                <a:latin typeface="Courier"/>
+              </a:rPr>
+              <a:t>="70%", </a:t>
+            </a:r>
+            <a:r>
+              <a:rPr sz="2400" b="1" i="1" dirty="0" err="1">
+                <a:solidFill>
+                  <a:srgbClr val="60A0B0"/>
+                </a:solidFill>
+                <a:latin typeface="Courier"/>
+              </a:rPr>
+              <a:t>fig.dim</a:t>
+            </a:r>
+            <a:r>
+              <a:rPr sz="2400" b="1" i="1" dirty="0">
+                <a:solidFill>
+                  <a:srgbClr val="60A0B0"/>
+                </a:solidFill>
+                <a:latin typeface="Courier"/>
+              </a:rPr>
+              <a:t>=c(10, 4), </a:t>
+            </a:r>
+            <a:r>
+              <a:rPr sz="2400" b="1" i="1" dirty="0" err="1">
+                <a:solidFill>
+                  <a:srgbClr val="60A0B0"/>
+                </a:solidFill>
+                <a:latin typeface="Courier"/>
+              </a:rPr>
+              <a:t>fig.cap</a:t>
+            </a:r>
+            <a:r>
+              <a:rPr sz="2400" b="1" i="1" dirty="0">
+                <a:solidFill>
+                  <a:srgbClr val="60A0B0"/>
+                </a:solidFill>
+                <a:latin typeface="Courier"/>
+              </a:rPr>
+              <a:t>="iris scatter plot"}</a:t>
+            </a:r>
+            <a:br>
+              <a:rPr sz="2400" dirty="0"/>
+            </a:br>
+            <a:r>
+              <a:rPr sz="2400" b="1" i="1" dirty="0">
+                <a:solidFill>
+                  <a:srgbClr val="60A0B0"/>
+                </a:solidFill>
+                <a:latin typeface="Courier"/>
+              </a:rPr>
+              <a:t>plot(cars)</a:t>
+            </a:r>
+            <a:br>
+              <a:rPr sz="2400" dirty="0"/>
+            </a:br>
+            <a:r>
+              <a:rPr sz="2400" b="1" i="1" dirty="0">
+                <a:solidFill>
+                  <a:srgbClr val="60A0B0"/>
+                </a:solidFill>
+                <a:latin typeface="Courier"/>
+              </a:rPr>
+              <a:t>```</a:t>
+            </a:r>
+          </a:p>
+          <a:p>
+            <a:pPr marL="0" lvl="0" indent="0">
               <a:buNone/>
             </a:pPr>
             <a:r>
-              <a:rPr/>
-              <a:t>When you click the </a:t>
-            </a:r>
-            <a:r>
-              <a:rPr b="1"/>
-              <a:t>Knit</a:t>
-            </a:r>
-            <a:r>
-              <a:rPr/>
-              <a:t> button a document will be generated that includes both content as well as the output of any embedded R code chunks within the document.</a:t>
+              <a:rPr sz="2400" dirty="0" err="1"/>
+              <a:t>更多设置：</a:t>
+            </a:r>
+            <a:r>
+              <a:rPr sz="2400" dirty="0" err="1">
+                <a:hlinkClick r:id="rId3"/>
+              </a:rPr>
+              <a:t>https</a:t>
+            </a:r>
+            <a:r>
+              <a:rPr sz="2400" dirty="0">
+                <a:hlinkClick r:id="rId3"/>
+              </a:rPr>
+              <a:t>://yihui.org/</a:t>
+            </a:r>
+            <a:r>
+              <a:rPr sz="2400" dirty="0" err="1">
+                <a:hlinkClick r:id="rId3"/>
+              </a:rPr>
+              <a:t>knitr</a:t>
+            </a:r>
+            <a:r>
+              <a:rPr sz="2400" dirty="0">
+                <a:hlinkClick r:id="rId3"/>
+              </a:rPr>
+              <a:t>/options/#plots</a:t>
             </a:r>
           </a:p>
         </p:txBody>
       </p:sp>
     </p:spTree>
   </p:cSld>
+  <p:clrMapOvr>
+    <a:masterClrMapping/>
+  </p:clrMapOvr>
 </p:sld>
 </file>
 
@@ -4313,85 +9154,38 @@
       </p:grpSpPr>
       <p:sp>
         <p:nvSpPr>
-          <p:cNvPr id="11" name="Title 1">
-            <a:extLst>
-              <a:ext uri="{FF2B5EF4-FFF2-40B4-BE49-F238E27FC236}">
-                <a16:creationId xmlns:a16="http://schemas.microsoft.com/office/drawing/2014/main" id="{2391D614-6EEB-4C42-A746-C9FB67E11481}"/>
-              </a:ext>
-            </a:extLst>
-          </p:cNvPr>
+          <p:cNvPr id="7" name="Title 1"/>
           <p:cNvSpPr>
             <a:spLocks noGrp="1"/>
           </p:cNvSpPr>
           <p:nvPr>
-            <p:ph type="title"/>
+            <p:ph type="ctrTitle"/>
           </p:nvPr>
         </p:nvSpPr>
         <p:spPr>
           <a:xfrm>
-            <a:off x="838198" y="362260"/>
-            <a:ext cx="8486957" cy="637553"/>
+            <a:off x="1783577" y="4036880"/>
+            <a:ext cx="8463639" cy="862715"/>
           </a:xfrm>
         </p:spPr>
         <p:txBody>
           <a:bodyPr/>
           <a:lstStyle/>
           <a:p>
-            <a:pPr lvl="0" marL="0" indent="0">
+            <a:pPr marL="0" lvl="0" indent="0">
               <a:buNone/>
             </a:pPr>
             <a:r>
-              <a:rPr/>
-              <a:t>texreg</a:t>
-            </a:r>
-          </a:p>
-        </p:txBody>
-      </p:sp>
-      <p:sp>
-        <p:nvSpPr>
-          <p:cNvPr id="12" name="Content Placeholder 2">
-            <a:extLst>
-              <a:ext uri="{FF2B5EF4-FFF2-40B4-BE49-F238E27FC236}">
-                <a16:creationId xmlns:a16="http://schemas.microsoft.com/office/drawing/2014/main" id="{91E23ACD-CC52-4FE4-A28E-15DDE627EE00}"/>
-              </a:ext>
-            </a:extLst>
-          </p:cNvPr>
-          <p:cNvSpPr>
-            <a:spLocks noGrp="1"/>
-          </p:cNvSpPr>
-          <p:nvPr>
-            <p:ph idx="1"/>
-          </p:nvPr>
-        </p:nvSpPr>
-        <p:spPr/>
-        <p:txBody>
-          <a:bodyPr/>
-          <a:lstStyle/>
-          <a:p>
-            <a:pPr lvl="1"/>
-            <a:r>
-              <a:rPr/>
-              <a:t>Bullet 1</a:t>
-            </a:r>
-          </a:p>
-          <a:p>
-            <a:pPr lvl="1"/>
-            <a:r>
-              <a:rPr/>
-              <a:t>Bullet 2</a:t>
-            </a:r>
-          </a:p>
-          <a:p>
-            <a:pPr lvl="1"/>
-            <a:r>
-              <a:rPr/>
-              <a:t>Bullet 3</a:t>
+              <a:t>表格（Table）</a:t>
             </a:r>
           </a:p>
         </p:txBody>
       </p:sp>
     </p:spTree>
   </p:cSld>
+  <p:clrMapOvr>
+    <a:masterClrMapping/>
+  </p:clrMapOvr>
 </p:sld>
 </file>
 
@@ -4438,12 +9232,11 @@
           <a:bodyPr/>
           <a:lstStyle/>
           <a:p>
-            <a:pPr lvl="0" marL="0" indent="0">
+            <a:pPr marL="0" lvl="0" indent="0">
               <a:buNone/>
             </a:pPr>
             <a:r>
-              <a:rPr/>
-              <a:t>tableone</a:t>
+              <a:t>Rmd表格简介</a:t>
             </a:r>
           </a:p>
         </p:txBody>
@@ -4469,46 +9262,88 @@
           <a:bodyPr/>
           <a:lstStyle/>
           <a:p>
-            <a:pPr lvl="0" indent="0">
+            <a:pPr marL="0" lvl="0" indent="0">
               <a:buNone/>
             </a:pPr>
             <a:r>
-              <a:rPr>
-                <a:solidFill>
-                  <a:srgbClr val="06287E"/>
-                </a:solidFill>
-                <a:latin typeface="Courier"/>
-              </a:rPr>
-              <a:t>summary</a:t>
-            </a:r>
-            <a:r>
-              <a:rPr>
-                <a:latin typeface="Courier"/>
-              </a:rPr>
-              <a:t>(cars)</a:t>
-            </a:r>
-          </a:p>
-          <a:p>
-            <a:pPr lvl="0" indent="0">
+              <a:t>R Markdown的表格输出非常强大，可以根据需求使用不同的包实现</a:t>
+            </a:r>
+          </a:p>
+          <a:p>
+            <a:pPr marL="0" lvl="0" indent="0">
               <a:buNone/>
             </a:pPr>
             <a:r>
-              <a:rPr>
-                <a:latin typeface="Courier"/>
-              </a:rPr>
-              <a:t>##      speed           dist       
-##  Min.   : 4.0   Min.   :  2.00  
-##  1st Qu.:12.0   1st Qu.: 26.00  
-##  Median :15.0   Median : 36.00  
-##  Mean   :15.4   Mean   : 42.98  
-##  3rd Qu.:19.0   3rd Qu.: 56.00  
-##  Max.   :25.0   Max.   :120.00</a:t>
+              <a:t>常见应用：</a:t>
+            </a:r>
+          </a:p>
+          <a:p>
+            <a:pPr lvl="1"/>
+            <a:r>
+              <a:t>输出Table One（baseline）基线数据</a:t>
+            </a:r>
+          </a:p>
+          <a:p>
+            <a:pPr lvl="1"/>
+            <a:r>
+              <a:t>输出数据的基本特征（Descriptive Statistics ）</a:t>
+            </a:r>
+          </a:p>
+          <a:p>
+            <a:pPr lvl="1"/>
+            <a:r>
+              <a:t>回归数据的结果（OR,95%CI等）</a:t>
+            </a:r>
+          </a:p>
+          <a:p>
+            <a:pPr lvl="1"/>
+            <a:r>
+              <a:t>表格中还可以加入多种曲线</a:t>
             </a:r>
           </a:p>
         </p:txBody>
       </p:sp>
+      <p:pic>
+        <p:nvPicPr>
+          <p:cNvPr id="4" name="Picture 1" descr="images/tabl_eg.png">
+            <a:extLst>
+              <a:ext uri="{FF2B5EF4-FFF2-40B4-BE49-F238E27FC236}">
+                <a16:creationId xmlns:a16="http://schemas.microsoft.com/office/drawing/2014/main" id="{DEE2CDED-FB19-46CE-BBB2-0F8142BFA5B8}"/>
+              </a:ext>
+            </a:extLst>
+          </p:cNvPr>
+          <p:cNvPicPr>
+            <a:picLocks noGrp="1" noChangeAspect="1"/>
+          </p:cNvPicPr>
+          <p:nvPr/>
+        </p:nvPicPr>
+        <p:blipFill>
+          <a:blip r:embed="rId2"/>
+          <a:stretch>
+            <a:fillRect/>
+          </a:stretch>
+        </p:blipFill>
+        <p:spPr bwMode="auto">
+          <a:xfrm>
+            <a:off x="780090" y="4354380"/>
+            <a:ext cx="8603172" cy="2022500"/>
+          </a:xfrm>
+          <a:prstGeom prst="rect">
+            <a:avLst/>
+          </a:prstGeom>
+          <a:noFill/>
+          <a:ln w="9525">
+            <a:noFill/>
+            <a:headEnd/>
+            <a:tailEnd/>
+          </a:ln>
+        </p:spPr>
+      </p:pic>
     </p:spTree>
   </p:cSld>
+  <p:clrMapOvr>
+    <a:masterClrMapping/>
+  </p:clrMapOvr>
 </p:sld>
 </file>
 
@@ -4555,48 +9390,542 @@
           <a:bodyPr/>
           <a:lstStyle/>
           <a:p>
-            <a:pPr lvl="0" marL="0" indent="0">
+            <a:pPr marL="0" lvl="0" indent="0">
               <a:buNone/>
             </a:pPr>
             <a:r>
-              <a:rPr/>
-              <a:t>gtsummary</a:t>
+              <a:t>表格常用的R包</a:t>
             </a:r>
           </a:p>
         </p:txBody>
       </p:sp>
-      <p:pic>
-        <p:nvPicPr>
-          <p:cNvPr descr="04.Fig_Tabl_files/figure-pptx/pressure-1.png" id="0" name="Picture 1"/>
-          <p:cNvPicPr>
-            <a:picLocks noGrp="1" noChangeAspect="1"/>
-          </p:cNvPicPr>
+      <p:graphicFrame>
+        <p:nvGraphicFramePr>
+          <p:cNvPr id="6" name="Content Placeholder 5"/>
+          <p:cNvGraphicFramePr>
+            <a:graphicFrameLocks noGrp="1"/>
+          </p:cNvGraphicFramePr>
+          <p:nvPr>
+            <p:ph idx="1"/>
+            <p:extLst>
+              <p:ext uri="{D42A27DB-BD31-4B8C-83A1-F6EECF244321}">
+                <p14:modId xmlns:p14="http://schemas.microsoft.com/office/powerpoint/2010/main" val="2526454086"/>
+              </p:ext>
+            </p:extLst>
+          </p:nvPr>
+        </p:nvGraphicFramePr>
+        <p:xfrm>
+          <a:off x="825500" y="1485900"/>
+          <a:ext cx="10858500" cy="3352800"/>
+        </p:xfrm>
+        <a:graphic>
+          <a:graphicData uri="http://schemas.openxmlformats.org/drawingml/2006/table">
+            <a:tbl>
+              <a:tblPr firstRow="1" bandRow="1">
+                <a:tableStyleId>{5C22544A-7EE6-4342-B048-85BDC9FD1C3A}</a:tableStyleId>
+              </a:tblPr>
+              <a:tblGrid>
+                <a:gridCol w="3619500">
+                  <a:extLst>
+                    <a:ext uri="{9D8B030D-6E8A-4147-A177-3AD203B41FA5}">
+                      <a16:colId xmlns:a16="http://schemas.microsoft.com/office/drawing/2014/main" val="20000"/>
+                    </a:ext>
+                  </a:extLst>
+                </a:gridCol>
+                <a:gridCol w="3619500">
+                  <a:extLst>
+                    <a:ext uri="{9D8B030D-6E8A-4147-A177-3AD203B41FA5}">
+                      <a16:colId xmlns:a16="http://schemas.microsoft.com/office/drawing/2014/main" val="20001"/>
+                    </a:ext>
+                  </a:extLst>
+                </a:gridCol>
+                <a:gridCol w="3619500">
+                  <a:extLst>
+                    <a:ext uri="{9D8B030D-6E8A-4147-A177-3AD203B41FA5}">
+                      <a16:colId xmlns:a16="http://schemas.microsoft.com/office/drawing/2014/main" val="20002"/>
+                    </a:ext>
+                  </a:extLst>
+                </a:gridCol>
+              </a:tblGrid>
+              <a:tr h="0">
+                <a:tc>
+                  <a:txBody>
+                    <a:bodyPr/>
+                    <a:lstStyle/>
+                    <a:p>
+                      <a:pPr marL="0" lvl="0" indent="0" algn="l">
+                        <a:buNone/>
+                      </a:pPr>
+                      <a:r>
+                        <a:t>名称</a:t>
+                      </a:r>
+                    </a:p>
+                  </a:txBody>
+                  <a:tcPr/>
+                </a:tc>
+                <a:tc>
+                  <a:txBody>
+                    <a:bodyPr/>
+                    <a:lstStyle/>
+                    <a:p>
+                      <a:pPr marL="0" lvl="0" indent="0" algn="l">
+                        <a:buNone/>
+                      </a:pPr>
+                      <a:r>
+                        <a:t>简介</a:t>
+                      </a:r>
+                    </a:p>
+                  </a:txBody>
+                  <a:tcPr/>
+                </a:tc>
+                <a:tc>
+                  <a:txBody>
+                    <a:bodyPr/>
+                    <a:lstStyle/>
+                    <a:p>
+                      <a:pPr marL="0" lvl="0" indent="0" algn="l">
+                        <a:buNone/>
+                      </a:pPr>
+                      <a:r>
+                        <a:t>格式</a:t>
+                      </a:r>
+                    </a:p>
+                  </a:txBody>
+                  <a:tcPr/>
+                </a:tc>
+                <a:extLst>
+                  <a:ext uri="{0D108BD9-81ED-4DB2-BD59-A6C34878D82A}">
+                    <a16:rowId xmlns:a16="http://schemas.microsoft.com/office/drawing/2014/main" val="10000"/>
+                  </a:ext>
+                </a:extLst>
+              </a:tr>
+              <a:tr h="0">
+                <a:tc>
+                  <a:txBody>
+                    <a:bodyPr/>
+                    <a:lstStyle/>
+                    <a:p>
+                      <a:pPr marL="0" lvl="0" indent="0" algn="l">
+                        <a:buNone/>
+                      </a:pPr>
+                      <a:r>
+                        <a:rPr sz="2000"/>
+                        <a:t>gtsummary</a:t>
+                      </a:r>
+                    </a:p>
+                  </a:txBody>
+                  <a:tcPr/>
+                </a:tc>
+                <a:tc>
+                  <a:txBody>
+                    <a:bodyPr/>
+                    <a:lstStyle/>
+                    <a:p>
+                      <a:pPr marL="0" lvl="0" indent="0" algn="l">
+                        <a:buNone/>
+                      </a:pPr>
+                      <a:r>
+                        <a:rPr sz="2000"/>
+                        <a:t>优雅输出论文发表的基线数据和回归数据</a:t>
+                      </a:r>
+                    </a:p>
+                  </a:txBody>
+                  <a:tcPr/>
+                </a:tc>
+                <a:tc>
+                  <a:txBody>
+                    <a:bodyPr/>
+                    <a:lstStyle/>
+                    <a:p>
+                      <a:pPr marL="0" lvl="0" indent="0" algn="l">
+                        <a:buNone/>
+                      </a:pPr>
+                      <a:r>
+                        <a:rPr sz="2000"/>
+                        <a:t>HTML/PDF/Word</a:t>
+                      </a:r>
+                    </a:p>
+                  </a:txBody>
+                  <a:tcPr/>
+                </a:tc>
+                <a:extLst>
+                  <a:ext uri="{0D108BD9-81ED-4DB2-BD59-A6C34878D82A}">
+                    <a16:rowId xmlns:a16="http://schemas.microsoft.com/office/drawing/2014/main" val="10001"/>
+                  </a:ext>
+                </a:extLst>
+              </a:tr>
+              <a:tr h="0">
+                <a:tc>
+                  <a:txBody>
+                    <a:bodyPr/>
+                    <a:lstStyle/>
+                    <a:p>
+                      <a:pPr marL="0" lvl="0" indent="0" algn="l">
+                        <a:buNone/>
+                      </a:pPr>
+                      <a:r>
+                        <a:rPr sz="2000"/>
+                        <a:t>modelsummary</a:t>
+                      </a:r>
+                    </a:p>
+                  </a:txBody>
+                  <a:tcPr/>
+                </a:tc>
+                <a:tc>
+                  <a:txBody>
+                    <a:bodyPr/>
+                    <a:lstStyle/>
+                    <a:p>
+                      <a:pPr marL="0" lvl="0" indent="0" algn="l">
+                        <a:buNone/>
+                      </a:pPr>
+                      <a:r>
+                        <a:rPr sz="2000"/>
+                        <a:t>为统计模型输出图表</a:t>
+                      </a:r>
+                    </a:p>
+                  </a:txBody>
+                  <a:tcPr/>
+                </a:tc>
+                <a:tc>
+                  <a:txBody>
+                    <a:bodyPr/>
+                    <a:lstStyle/>
+                    <a:p>
+                      <a:pPr marL="0" lvl="0" indent="0" algn="l">
+                        <a:buNone/>
+                      </a:pPr>
+                      <a:r>
+                        <a:rPr sz="2000"/>
+                        <a:t>HTML/PDF/Word</a:t>
+                      </a:r>
+                    </a:p>
+                  </a:txBody>
+                  <a:tcPr/>
+                </a:tc>
+                <a:extLst>
+                  <a:ext uri="{0D108BD9-81ED-4DB2-BD59-A6C34878D82A}">
+                    <a16:rowId xmlns:a16="http://schemas.microsoft.com/office/drawing/2014/main" val="10002"/>
+                  </a:ext>
+                </a:extLst>
+              </a:tr>
+              <a:tr h="0">
+                <a:tc>
+                  <a:txBody>
+                    <a:bodyPr/>
+                    <a:lstStyle/>
+                    <a:p>
+                      <a:pPr marL="0" lvl="0" indent="0" algn="l">
+                        <a:buNone/>
+                      </a:pPr>
+                      <a:r>
+                        <a:rPr sz="2000"/>
+                        <a:t>tableone</a:t>
+                      </a:r>
+                    </a:p>
+                  </a:txBody>
+                  <a:tcPr/>
+                </a:tc>
+                <a:tc>
+                  <a:txBody>
+                    <a:bodyPr/>
+                    <a:lstStyle/>
+                    <a:p>
+                      <a:pPr marL="0" lvl="0" indent="0" algn="l">
+                        <a:buNone/>
+                      </a:pPr>
+                      <a:r>
+                        <a:rPr sz="2000"/>
+                        <a:t>为生物医学研究输出Table 1</a:t>
+                      </a:r>
+                    </a:p>
+                  </a:txBody>
+                  <a:tcPr/>
+                </a:tc>
+                <a:tc>
+                  <a:txBody>
+                    <a:bodyPr/>
+                    <a:lstStyle/>
+                    <a:p>
+                      <a:pPr marL="0" lvl="0" indent="0" algn="l">
+                        <a:buNone/>
+                      </a:pPr>
+                      <a:r>
+                        <a:rPr sz="2000"/>
+                        <a:t>/</a:t>
+                      </a:r>
+                    </a:p>
+                  </a:txBody>
+                  <a:tcPr/>
+                </a:tc>
+                <a:extLst>
+                  <a:ext uri="{0D108BD9-81ED-4DB2-BD59-A6C34878D82A}">
+                    <a16:rowId xmlns:a16="http://schemas.microsoft.com/office/drawing/2014/main" val="10003"/>
+                  </a:ext>
+                </a:extLst>
+              </a:tr>
+              <a:tr h="0">
+                <a:tc>
+                  <a:txBody>
+                    <a:bodyPr/>
+                    <a:lstStyle/>
+                    <a:p>
+                      <a:pPr marL="0" lvl="0" indent="0" algn="l">
+                        <a:buNone/>
+                      </a:pPr>
+                      <a:r>
+                        <a:rPr sz="2000"/>
+                        <a:t>stargazer</a:t>
+                      </a:r>
+                    </a:p>
+                  </a:txBody>
+                  <a:tcPr/>
+                </a:tc>
+                <a:tc>
+                  <a:txBody>
+                    <a:bodyPr/>
+                    <a:lstStyle/>
+                    <a:p>
+                      <a:pPr marL="0" lvl="0" indent="0" algn="l">
+                        <a:buNone/>
+                      </a:pPr>
+                      <a:r>
+                        <a:rPr sz="2000"/>
+                        <a:t>输出表格回归数据和Descriptive Statistics</a:t>
+                      </a:r>
+                    </a:p>
+                  </a:txBody>
+                  <a:tcPr/>
+                </a:tc>
+                <a:tc>
+                  <a:txBody>
+                    <a:bodyPr/>
+                    <a:lstStyle/>
+                    <a:p>
+                      <a:pPr marL="0" lvl="0" indent="0" algn="l">
+                        <a:buNone/>
+                      </a:pPr>
+                      <a:r>
+                        <a:rPr sz="2000"/>
+                        <a:t>HTML/PDF/Word</a:t>
+                      </a:r>
+                    </a:p>
+                  </a:txBody>
+                  <a:tcPr/>
+                </a:tc>
+                <a:extLst>
+                  <a:ext uri="{0D108BD9-81ED-4DB2-BD59-A6C34878D82A}">
+                    <a16:rowId xmlns:a16="http://schemas.microsoft.com/office/drawing/2014/main" val="10004"/>
+                  </a:ext>
+                </a:extLst>
+              </a:tr>
+              <a:tr h="0">
+                <a:tc>
+                  <a:txBody>
+                    <a:bodyPr/>
+                    <a:lstStyle/>
+                    <a:p>
+                      <a:pPr marL="0" lvl="0" indent="0" algn="l">
+                        <a:buNone/>
+                      </a:pPr>
+                      <a:r>
+                        <a:rPr sz="2000"/>
+                        <a:t>sjPlot</a:t>
+                      </a:r>
+                    </a:p>
+                  </a:txBody>
+                  <a:tcPr/>
+                </a:tc>
+                <a:tc>
+                  <a:txBody>
+                    <a:bodyPr/>
+                    <a:lstStyle/>
+                    <a:p>
+                      <a:pPr marL="0" lvl="0" indent="0" algn="l">
+                        <a:buNone/>
+                      </a:pPr>
+                      <a:r>
+                        <a:rPr sz="2000"/>
+                        <a:t>为社会科学回归模型转化图表</a:t>
+                      </a:r>
+                    </a:p>
+                  </a:txBody>
+                  <a:tcPr/>
+                </a:tc>
+                <a:tc>
+                  <a:txBody>
+                    <a:bodyPr/>
+                    <a:lstStyle/>
+                    <a:p>
+                      <a:pPr marL="0" lvl="0" indent="0" algn="l">
+                        <a:buNone/>
+                      </a:pPr>
+                      <a:r>
+                        <a:rPr sz="2000"/>
+                        <a:t>HTML</a:t>
+                      </a:r>
+                    </a:p>
+                  </a:txBody>
+                  <a:tcPr/>
+                </a:tc>
+                <a:extLst>
+                  <a:ext uri="{0D108BD9-81ED-4DB2-BD59-A6C34878D82A}">
+                    <a16:rowId xmlns:a16="http://schemas.microsoft.com/office/drawing/2014/main" val="10005"/>
+                  </a:ext>
+                </a:extLst>
+              </a:tr>
+              <a:tr h="0">
+                <a:tc>
+                  <a:txBody>
+                    <a:bodyPr/>
+                    <a:lstStyle/>
+                    <a:p>
+                      <a:pPr marL="0" lvl="0" indent="0" algn="l">
+                        <a:buNone/>
+                      </a:pPr>
+                      <a:r>
+                        <a:rPr sz="2000"/>
+                        <a:t>texreg</a:t>
+                      </a:r>
+                    </a:p>
+                  </a:txBody>
+                  <a:tcPr/>
+                </a:tc>
+                <a:tc>
+                  <a:txBody>
+                    <a:bodyPr/>
+                    <a:lstStyle/>
+                    <a:p>
+                      <a:pPr marL="0" lvl="0" indent="0" algn="l">
+                        <a:buNone/>
+                      </a:pPr>
+                      <a:r>
+                        <a:rPr sz="2000"/>
+                        <a:t>回归数据转化为表格</a:t>
+                      </a:r>
+                    </a:p>
+                  </a:txBody>
+                  <a:tcPr/>
+                </a:tc>
+                <a:tc>
+                  <a:txBody>
+                    <a:bodyPr/>
+                    <a:lstStyle/>
+                    <a:p>
+                      <a:pPr marL="0" lvl="0" indent="0" algn="l">
+                        <a:buNone/>
+                      </a:pPr>
+                      <a:r>
+                        <a:rPr sz="2000" dirty="0"/>
+                        <a:t>HTML/PDF/Word</a:t>
+                      </a:r>
+                    </a:p>
+                  </a:txBody>
+                  <a:tcPr/>
+                </a:tc>
+                <a:extLst>
+                  <a:ext uri="{0D108BD9-81ED-4DB2-BD59-A6C34878D82A}">
+                    <a16:rowId xmlns:a16="http://schemas.microsoft.com/office/drawing/2014/main" val="10006"/>
+                  </a:ext>
+                </a:extLst>
+              </a:tr>
+            </a:tbl>
+          </a:graphicData>
+        </a:graphic>
+      </p:graphicFrame>
+      <p:sp>
+        <p:nvSpPr>
+          <p:cNvPr id="2" name="TextBox 3"/>
+          <p:cNvSpPr txBox="1"/>
           <p:nvPr/>
-        </p:nvPicPr>
-        <p:blipFill>
-          <a:blip r:embed="rId2"/>
-          <a:stretch>
-            <a:fillRect/>
-          </a:stretch>
-        </p:blipFill>
-        <p:spPr bwMode="auto">
+        </p:nvSpPr>
+        <p:spPr>
           <a:xfrm>
-            <a:off x="3327400" y="1485900"/>
-            <a:ext cx="5842000" cy="4673600"/>
+            <a:off x="825500" y="5651500"/>
+            <a:ext cx="10858500" cy="508000"/>
           </a:xfrm>
           <a:prstGeom prst="rect">
             <a:avLst/>
           </a:prstGeom>
           <a:noFill/>
-          <a:ln w="9525">
-            <a:noFill/>
-            <a:headEnd/>
-            <a:tailEnd/>
-          </a:ln>
         </p:spPr>
-      </p:pic>
+        <p:txBody>
+          <a:bodyPr/>
+          <a:lstStyle/>
+          <a:p>
+            <a:pPr marL="0" lvl="0" indent="0" algn="ctr">
+              <a:buNone/>
+            </a:pPr>
+            <a:r>
+              <a:rPr>
+                <a:solidFill>
+                  <a:srgbClr val="FF0000"/>
+                </a:solidFill>
+              </a:rPr>
+              <a:t>表格R包汇总</a:t>
+            </a:r>
+          </a:p>
+        </p:txBody>
+      </p:sp>
     </p:spTree>
   </p:cSld>
+  <p:clrMapOvr>
+    <a:masterClrMapping/>
+  </p:clrMapOvr>
+</p:sld>
+</file>
+
+<file path=ppt/slides/slide9.xml><?xml version="1.0" encoding="utf-8"?>
+<p:sld xmlns:a="http://schemas.openxmlformats.org/drawingml/2006/main" xmlns:r="http://schemas.openxmlformats.org/officeDocument/2006/relationships" xmlns:p="http://schemas.openxmlformats.org/presentationml/2006/main">
+  <p:cSld>
+    <p:spTree>
+      <p:nvGrpSpPr>
+        <p:cNvPr id="1" name=""/>
+        <p:cNvGrpSpPr/>
+        <p:nvPr/>
+      </p:nvGrpSpPr>
+      <p:grpSpPr>
+        <a:xfrm>
+          <a:off x="0" y="0"/>
+          <a:ext cx="0" cy="0"/>
+          <a:chOff x="0" y="0"/>
+          <a:chExt cx="0" cy="0"/>
+        </a:xfrm>
+      </p:grpSpPr>
+      <p:sp>
+        <p:nvSpPr>
+          <p:cNvPr id="7" name="Title 1"/>
+          <p:cNvSpPr>
+            <a:spLocks noGrp="1"/>
+          </p:cNvSpPr>
+          <p:nvPr>
+            <p:ph type="ctrTitle"/>
+          </p:nvPr>
+        </p:nvSpPr>
+        <p:spPr>
+          <a:xfrm>
+            <a:off x="1783577" y="4036880"/>
+            <a:ext cx="8463639" cy="862715"/>
+          </a:xfrm>
+        </p:spPr>
+        <p:txBody>
+          <a:bodyPr/>
+          <a:lstStyle/>
+          <a:p>
+            <a:pPr marL="0" lvl="0" indent="0">
+              <a:buNone/>
+            </a:pPr>
+            <a:r>
+              <a:t>管道操作（ %&gt;% ）</a:t>
+            </a:r>
+          </a:p>
+        </p:txBody>
+      </p:sp>
+    </p:spTree>
+  </p:cSld>
+  <p:clrMapOvr>
+    <a:masterClrMapping/>
+  </p:clrMapOvr>
 </p:sld>
 </file>
 
@@ -4608,7 +9937,7 @@
         <a:sysClr val="windowText" lastClr="000000"/>
       </a:dk1>
       <a:lt1>
-        <a:sysClr val="window" lastClr="FFFFFF"/>
+        <a:sysClr val="window" lastClr="CCE8CF"/>
       </a:lt1>
       <a:dk2>
         <a:srgbClr val="1296DB"/>
